--- a/Slides/Lesson 2.2 Design Strategies.pptx
+++ b/Slides/Lesson 2.2 Design Strategies.pptx
@@ -6,41 +6,37 @@
     <p:sldMasterId id="2147483661" r:id="rId2"/>
   </p:sldMasterIdLst>
   <p:notesMasterIdLst>
-    <p:notesMasterId r:id="rId30"/>
+    <p:notesMasterId r:id="rId26"/>
   </p:notesMasterIdLst>
   <p:sldIdLst>
     <p:sldId id="314" r:id="rId3"/>
     <p:sldId id="315" r:id="rId4"/>
-    <p:sldId id="316" r:id="rId5"/>
-    <p:sldId id="317" r:id="rId6"/>
-    <p:sldId id="318" r:id="rId7"/>
-    <p:sldId id="319" r:id="rId8"/>
-    <p:sldId id="320" r:id="rId9"/>
-    <p:sldId id="321" r:id="rId10"/>
-    <p:sldId id="322" r:id="rId11"/>
-    <p:sldId id="323" r:id="rId12"/>
-    <p:sldId id="324" r:id="rId13"/>
-    <p:sldId id="325" r:id="rId14"/>
-    <p:sldId id="326" r:id="rId15"/>
-    <p:sldId id="327" r:id="rId16"/>
-    <p:sldId id="328" r:id="rId17"/>
-    <p:sldId id="329" r:id="rId18"/>
-    <p:sldId id="330" r:id="rId19"/>
-    <p:sldId id="256" r:id="rId20"/>
-    <p:sldId id="313" r:id="rId21"/>
-    <p:sldId id="304" r:id="rId22"/>
-    <p:sldId id="311" r:id="rId23"/>
-    <p:sldId id="305" r:id="rId24"/>
-    <p:sldId id="309" r:id="rId25"/>
-    <p:sldId id="306" r:id="rId26"/>
-    <p:sldId id="312" r:id="rId27"/>
-    <p:sldId id="310" r:id="rId28"/>
-    <p:sldId id="292" r:id="rId29"/>
+    <p:sldId id="317" r:id="rId5"/>
+    <p:sldId id="318" r:id="rId6"/>
+    <p:sldId id="320" r:id="rId7"/>
+    <p:sldId id="323" r:id="rId8"/>
+    <p:sldId id="324" r:id="rId9"/>
+    <p:sldId id="325" r:id="rId10"/>
+    <p:sldId id="326" r:id="rId11"/>
+    <p:sldId id="327" r:id="rId12"/>
+    <p:sldId id="328" r:id="rId13"/>
+    <p:sldId id="329" r:id="rId14"/>
+    <p:sldId id="330" r:id="rId15"/>
+    <p:sldId id="256" r:id="rId16"/>
+    <p:sldId id="313" r:id="rId17"/>
+    <p:sldId id="304" r:id="rId18"/>
+    <p:sldId id="311" r:id="rId19"/>
+    <p:sldId id="305" r:id="rId20"/>
+    <p:sldId id="309" r:id="rId21"/>
+    <p:sldId id="306" r:id="rId22"/>
+    <p:sldId id="312" r:id="rId23"/>
+    <p:sldId id="310" r:id="rId24"/>
+    <p:sldId id="292" r:id="rId25"/>
   </p:sldIdLst>
   <p:sldSz cx="9144000" cy="6858000" type="screen4x3"/>
   <p:notesSz cx="6858000" cy="9144000"/>
   <p:custDataLst>
-    <p:tags r:id="rId31"/>
+    <p:tags r:id="rId27"/>
   </p:custDataLst>
   <p:defaultTextStyle>
     <a:defPPr>
@@ -144,13 +140,9 @@
           <p14:sldIdLst>
             <p14:sldId id="314"/>
             <p14:sldId id="315"/>
-            <p14:sldId id="316"/>
             <p14:sldId id="317"/>
             <p14:sldId id="318"/>
-            <p14:sldId id="319"/>
             <p14:sldId id="320"/>
-            <p14:sldId id="321"/>
-            <p14:sldId id="322"/>
             <p14:sldId id="323"/>
             <p14:sldId id="324"/>
             <p14:sldId id="325"/>
@@ -609,7 +601,7 @@
             <a:fld id="{6048B3DE-E9CD-4720-84B6-E24D30E64DE7}" type="slidenum">
               <a:rPr lang="en-US" smtClean="0"/>
               <a:pPr/>
-              <a:t>5</a:t>
+              <a:t>4</a:t>
             </a:fld>
             <a:endParaRPr lang="en-US"/>
           </a:p>
@@ -669,7 +661,9 @@
         </p:nvSpPr>
         <p:spPr/>
         <p:txBody>
-          <a:bodyPr/>
+          <a:bodyPr>
+            <a:normAutofit/>
+          </a:bodyPr>
           <a:lstStyle/>
           <a:p>
             <a:endParaRPr lang="en-US" dirty="0"/>
@@ -691,9 +685,10 @@
           <a:bodyPr/>
           <a:lstStyle/>
           <a:p>
-            <a:fld id="{8A23D8F9-CB37-49F0-8AF5-ACE59178D097}" type="slidenum">
+            <a:fld id="{32B55CFB-093C-42D2-B9D7-178C6A952443}" type="slidenum">
               <a:rPr lang="en-US" smtClean="0"/>
-              <a:t>6</a:t>
+              <a:pPr/>
+              <a:t>5</a:t>
             </a:fld>
             <a:endParaRPr lang="en-US"/>
           </a:p>
@@ -702,7 +697,7 @@
     </p:spTree>
     <p:extLst>
       <p:ext uri="{BB962C8B-B14F-4D97-AF65-F5344CB8AC3E}">
-        <p14:creationId xmlns:p14="http://schemas.microsoft.com/office/powerpoint/2010/main" val="3907791297"/>
+        <p14:creationId xmlns:p14="http://schemas.microsoft.com/office/powerpoint/2010/main" val="2663322870"/>
       </p:ext>
     </p:extLst>
   </p:cSld>
@@ -753,93 +748,6 @@
         </p:nvSpPr>
         <p:spPr/>
         <p:txBody>
-          <a:bodyPr>
-            <a:normAutofit/>
-          </a:bodyPr>
-          <a:lstStyle/>
-          <a:p>
-            <a:endParaRPr lang="en-US" dirty="0"/>
-          </a:p>
-        </p:txBody>
-      </p:sp>
-      <p:sp>
-        <p:nvSpPr>
-          <p:cNvPr id="4" name="Slide Number Placeholder 3"/>
-          <p:cNvSpPr>
-            <a:spLocks noGrp="1"/>
-          </p:cNvSpPr>
-          <p:nvPr>
-            <p:ph type="sldNum" sz="quarter" idx="10"/>
-          </p:nvPr>
-        </p:nvSpPr>
-        <p:spPr/>
-        <p:txBody>
-          <a:bodyPr/>
-          <a:lstStyle/>
-          <a:p>
-            <a:fld id="{32B55CFB-093C-42D2-B9D7-178C6A952443}" type="slidenum">
-              <a:rPr lang="en-US" smtClean="0"/>
-              <a:pPr/>
-              <a:t>7</a:t>
-            </a:fld>
-            <a:endParaRPr lang="en-US"/>
-          </a:p>
-        </p:txBody>
-      </p:sp>
-    </p:spTree>
-    <p:extLst>
-      <p:ext uri="{BB962C8B-B14F-4D97-AF65-F5344CB8AC3E}">
-        <p14:creationId xmlns:p14="http://schemas.microsoft.com/office/powerpoint/2010/main" val="2663322870"/>
-      </p:ext>
-    </p:extLst>
-  </p:cSld>
-  <p:clrMapOvr>
-    <a:masterClrMapping/>
-  </p:clrMapOvr>
-</p:notes>
-</file>
-
-<file path=ppt/notesSlides/notesSlide4.xml><?xml version="1.0" encoding="utf-8"?>
-<p:notes xmlns:a="http://schemas.openxmlformats.org/drawingml/2006/main" xmlns:r="http://schemas.openxmlformats.org/officeDocument/2006/relationships" xmlns:p="http://schemas.openxmlformats.org/presentationml/2006/main">
-  <p:cSld>
-    <p:spTree>
-      <p:nvGrpSpPr>
-        <p:cNvPr id="1" name=""/>
-        <p:cNvGrpSpPr/>
-        <p:nvPr/>
-      </p:nvGrpSpPr>
-      <p:grpSpPr>
-        <a:xfrm>
-          <a:off x="0" y="0"/>
-          <a:ext cx="0" cy="0"/>
-          <a:chOff x="0" y="0"/>
-          <a:chExt cx="0" cy="0"/>
-        </a:xfrm>
-      </p:grpSpPr>
-      <p:sp>
-        <p:nvSpPr>
-          <p:cNvPr id="2" name="Slide Image Placeholder 1"/>
-          <p:cNvSpPr>
-            <a:spLocks noGrp="1" noRot="1" noChangeAspect="1"/>
-          </p:cNvSpPr>
-          <p:nvPr>
-            <p:ph type="sldImg"/>
-          </p:nvPr>
-        </p:nvSpPr>
-        <p:spPr/>
-      </p:sp>
-      <p:sp>
-        <p:nvSpPr>
-          <p:cNvPr id="3" name="Notes Placeholder 2"/>
-          <p:cNvSpPr>
-            <a:spLocks noGrp="1"/>
-          </p:cNvSpPr>
-          <p:nvPr>
-            <p:ph type="body" idx="1"/>
-          </p:nvPr>
-        </p:nvSpPr>
-        <p:spPr/>
-        <p:txBody>
           <a:bodyPr/>
           <a:lstStyle/>
           <a:p>
@@ -864,7 +772,7 @@
           <a:p>
             <a:fld id="{8A23D8F9-CB37-49F0-8AF5-ACE59178D097}" type="slidenum">
               <a:rPr lang="en-US" smtClean="0"/>
-              <a:t>13</a:t>
+              <a:t>9</a:t>
             </a:fld>
             <a:endParaRPr lang="en-US"/>
           </a:p>
@@ -8147,7 +8055,7 @@
           <a:p>
             <a:r>
               <a:rPr lang="en-US" dirty="0"/>
-              <a:t>Design Strategies 1: Combine Simpler Functions</a:t>
+              <a:t>Design Strategies</a:t>
             </a:r>
           </a:p>
         </p:txBody>
@@ -8183,7 +8091,7 @@
           <a:p>
             <a:r>
               <a:rPr lang="en-US" dirty="0"/>
-              <a:t>Lesson 1.7</a:t>
+              <a:t>Lesson 2.2</a:t>
             </a:r>
           </a:p>
           <a:p>
@@ -8283,7 +8191,7 @@
             <a:p>
               <a:r>
                 <a:rPr lang="en-US" sz="1000" dirty="0"/>
-                <a:t>© Mitchell Wand, 2012-2015</a:t>
+                <a:t>© Mitchell Wand, 2012-2017</a:t>
               </a:r>
             </a:p>
             <a:p>
@@ -8371,12 +8279,14 @@
         </p:nvSpPr>
         <p:spPr/>
         <p:txBody>
-          <a:bodyPr/>
+          <a:bodyPr>
+            <a:normAutofit fontScale="90000"/>
+          </a:bodyPr>
           <a:lstStyle/>
           <a:p>
             <a:r>
               <a:rPr lang="en-US" dirty="0"/>
-              <a:t>Another example: area-of-ring</a:t>
+              <a:t>When do you need to introduce new functions?</a:t>
             </a:r>
           </a:p>
         </p:txBody>
@@ -8398,19 +8308,13 @@
           <a:p>
             <a:r>
               <a:rPr lang="en-US" dirty="0"/>
-              <a:t>Sometimes the simpler functions may include ones you write yourself.</a:t>
+              <a:t>If a function has pieces that can be given meaningful contracts and purpose statements, then break it up and use function composition.</a:t>
             </a:r>
           </a:p>
           <a:p>
             <a:r>
               <a:rPr lang="en-US" dirty="0"/>
-              <a:t>Here’s an example: area-of-ring, which calls area-of-circle.</a:t>
-            </a:r>
-          </a:p>
-          <a:p>
-            <a:r>
-              <a:rPr lang="en-US" dirty="0"/>
-              <a:t>Both of these are defined by combining simpler functions.</a:t>
+              <a:t>Then apply the design recipe to design the pieces.</a:t>
             </a:r>
           </a:p>
         </p:txBody>
@@ -8442,7 +8346,7 @@
     </p:spTree>
     <p:extLst>
       <p:ext uri="{BB962C8B-B14F-4D97-AF65-F5344CB8AC3E}">
-        <p14:creationId xmlns:p14="http://schemas.microsoft.com/office/powerpoint/2010/main" val="2485895942"/>
+        <p14:creationId xmlns:p14="http://schemas.microsoft.com/office/powerpoint/2010/main" val="4057203172"/>
       </p:ext>
     </p:extLst>
   </p:cSld>
@@ -8480,90 +8384,6 @@
           </p:nvPr>
         </p:nvSpPr>
         <p:spPr/>
-        <p:txBody>
-          <a:bodyPr/>
-          <a:lstStyle/>
-          <a:p>
-            <a:r>
-              <a:rPr lang="en-US" dirty="0"/>
-              <a:t>Video: area-of-ring</a:t>
-            </a:r>
-          </a:p>
-        </p:txBody>
-      </p:sp>
-      <p:sp>
-        <p:nvSpPr>
-          <p:cNvPr id="4" name="Slide Number Placeholder 3"/>
-          <p:cNvSpPr>
-            <a:spLocks noGrp="1"/>
-          </p:cNvSpPr>
-          <p:nvPr>
-            <p:ph type="sldNum" sz="quarter" idx="12"/>
-          </p:nvPr>
-        </p:nvSpPr>
-        <p:spPr/>
-        <p:txBody>
-          <a:bodyPr/>
-          <a:lstStyle/>
-          <a:p>
-            <a:fld id="{B6F15528-21DE-4FAA-801E-634DDDAF4B2B}" type="slidenum">
-              <a:rPr lang="en-US" smtClean="0"/>
-              <a:pPr/>
-              <a:t>11</a:t>
-            </a:fld>
-            <a:endParaRPr lang="en-US"/>
-          </a:p>
-        </p:txBody>
-      </p:sp>
-      <p:pic>
-        <p:nvPicPr>
-          <p:cNvPr id="5" name="ukYTpLYHpPc"/>
-          <p:cNvPicPr>
-            <a:picLocks noGrp="1" noRot="1" noChangeAspect="1"/>
-          </p:cNvPicPr>
-          <p:nvPr>
-            <p:ph idx="1"/>
-            <a:videoFile r:link="rId1"/>
-          </p:nvPr>
-        </p:nvPicPr>
-        <p:blipFill>
-          <a:blip r:embed="rId3"/>
-          <a:stretch>
-            <a:fillRect/>
-          </a:stretch>
-        </p:blipFill>
-        <p:spPr>
-          <a:xfrm>
-            <a:off x="685799" y="1676400"/>
-            <a:ext cx="7992533" cy="4495800"/>
-          </a:xfrm>
-          <a:prstGeom prst="rect">
-            <a:avLst/>
-          </a:prstGeom>
-        </p:spPr>
-      </p:pic>
-      <p:sp>
-        <p:nvSpPr>
-          <p:cNvPr id="6" name="TextBox 5"/>
-          <p:cNvSpPr txBox="1"/>
-          <p:nvPr/>
-        </p:nvSpPr>
-        <p:spPr>
-          <a:xfrm>
-            <a:off x="2971800" y="6301014"/>
-            <a:ext cx="4419600" cy="420461"/>
-          </a:xfrm>
-          <a:prstGeom prst="rect">
-            <a:avLst/>
-          </a:prstGeom>
-          <a:solidFill>
-            <a:schemeClr val="accent3">
-              <a:lumMod val="40000"/>
-              <a:lumOff val="60000"/>
-            </a:schemeClr>
-          </a:solidFill>
-          <a:ln/>
-        </p:spPr>
         <p:style>
           <a:lnRef idx="2">
             <a:schemeClr val="accent1"/>
@@ -8579,39 +8399,464 @@
           </a:fontRef>
         </p:style>
         <p:txBody>
-          <a:bodyPr rot="0" spcFirstLastPara="0" vertOverflow="overflow" horzOverflow="overflow" vert="horz" wrap="square" lIns="91440" tIns="45720" rIns="91440" bIns="45720" numCol="1" spcCol="0" rtlCol="0" fromWordArt="0" anchor="ctr" anchorCtr="0" forceAA="0" compatLnSpc="1">
-            <a:prstTxWarp prst="textNoShape">
-              <a:avLst/>
-            </a:prstTxWarp>
-            <a:noAutofit/>
+          <a:bodyPr/>
+          <a:lstStyle/>
+          <a:p>
+            <a:r>
+              <a:rPr lang="en-US" dirty="0"/>
+              <a:t>Bad Example</a:t>
+            </a:r>
+          </a:p>
+        </p:txBody>
+      </p:sp>
+      <p:sp>
+        <p:nvSpPr>
+          <p:cNvPr id="8" name="Content Placeholder 7"/>
+          <p:cNvSpPr>
+            <a:spLocks noGrp="1"/>
+          </p:cNvSpPr>
+          <p:nvPr>
+            <p:ph sz="half" idx="1"/>
+          </p:nvPr>
+        </p:nvSpPr>
+        <p:spPr>
+          <a:xfrm>
+            <a:off x="228599" y="1600200"/>
+            <a:ext cx="5110844" cy="5121275"/>
+          </a:xfrm>
+        </p:spPr>
+        <p:txBody>
+          <a:bodyPr>
+            <a:normAutofit fontScale="70000" lnSpcReduction="20000"/>
           </a:bodyPr>
           <a:lstStyle/>
           <a:p>
-            <a:r>
-              <a:rPr lang="en-US" sz="1600" dirty="0"/>
-              <a:t>I should have used Real (or </a:t>
-            </a:r>
-            <a:r>
-              <a:rPr lang="en-US" sz="1600" dirty="0" err="1"/>
-              <a:t>NonNegReal</a:t>
-            </a:r>
-            <a:r>
-              <a:rPr lang="en-US" sz="1600" dirty="0"/>
-              <a:t>) here, too.</a:t>
-            </a:r>
-          </a:p>
-        </p:txBody>
-      </p:sp>
-      <p:sp>
-        <p:nvSpPr>
-          <p:cNvPr id="7" name="TextBox 6"/>
+            <a:pPr>
+              <a:buNone/>
+            </a:pPr>
+            <a:r>
+              <a:rPr lang="en-US" sz="2300" b="1" dirty="0">
+                <a:latin typeface="Consolas" pitchFamily="49" charset="0"/>
+                <a:cs typeface="Consolas" pitchFamily="49" charset="0"/>
+              </a:rPr>
+              <a:t>;; ball-after-tick : Ball -&gt; Ball</a:t>
+            </a:r>
+          </a:p>
+          <a:p>
+            <a:pPr>
+              <a:buNone/>
+            </a:pPr>
+            <a:r>
+              <a:rPr lang="en-US" sz="2300" b="1" dirty="0">
+                <a:latin typeface="Consolas" pitchFamily="49" charset="0"/>
+                <a:cs typeface="Consolas" pitchFamily="49" charset="0"/>
+              </a:rPr>
+              <a:t>;; strategy: use template for Ball</a:t>
+            </a:r>
+          </a:p>
+          <a:p>
+            <a:pPr>
+              <a:buNone/>
+            </a:pPr>
+            <a:r>
+              <a:rPr lang="en-US" sz="2300" b="1" dirty="0">
+                <a:latin typeface="Consolas" pitchFamily="49" charset="0"/>
+                <a:cs typeface="Consolas" pitchFamily="49" charset="0"/>
+              </a:rPr>
+              <a:t>(define (ball-after-tick b)</a:t>
+            </a:r>
+          </a:p>
+          <a:p>
+            <a:pPr>
+              <a:buNone/>
+            </a:pPr>
+            <a:r>
+              <a:rPr lang="en-US" sz="2300" b="1" dirty="0">
+                <a:latin typeface="Consolas" pitchFamily="49" charset="0"/>
+                <a:cs typeface="Consolas" pitchFamily="49" charset="0"/>
+              </a:rPr>
+              <a:t>  (if</a:t>
+            </a:r>
+          </a:p>
+          <a:p>
+            <a:pPr>
+              <a:buNone/>
+            </a:pPr>
+            <a:r>
+              <a:rPr lang="en-US" sz="2300" b="1" dirty="0">
+                <a:latin typeface="Consolas" pitchFamily="49" charset="0"/>
+                <a:cs typeface="Consolas" pitchFamily="49" charset="0"/>
+              </a:rPr>
+              <a:t>    (and </a:t>
+            </a:r>
+          </a:p>
+          <a:p>
+            <a:pPr>
+              <a:buNone/>
+            </a:pPr>
+            <a:r>
+              <a:rPr lang="en-US" sz="2300" b="1" dirty="0">
+                <a:latin typeface="Consolas" pitchFamily="49" charset="0"/>
+                <a:cs typeface="Consolas" pitchFamily="49" charset="0"/>
+              </a:rPr>
+              <a:t>       (&lt;= YUP (where b) YLO) </a:t>
+            </a:r>
+          </a:p>
+          <a:p>
+            <a:pPr>
+              <a:buNone/>
+            </a:pPr>
+            <a:r>
+              <a:rPr lang="en-US" sz="2300" b="1" dirty="0">
+                <a:latin typeface="Consolas" pitchFamily="49" charset="0"/>
+                <a:cs typeface="Consolas" pitchFamily="49" charset="0"/>
+              </a:rPr>
+              <a:t>       (or (&lt;= (ball-x b) XWALL</a:t>
+            </a:r>
+          </a:p>
+          <a:p>
+            <a:pPr>
+              <a:buNone/>
+            </a:pPr>
+            <a:r>
+              <a:rPr lang="en-US" sz="2300" b="1" dirty="0">
+                <a:latin typeface="Consolas" pitchFamily="49" charset="0"/>
+                <a:cs typeface="Consolas" pitchFamily="49" charset="0"/>
+              </a:rPr>
+              <a:t>              (+ (ball-x b)</a:t>
+            </a:r>
+          </a:p>
+          <a:p>
+            <a:pPr>
+              <a:buNone/>
+            </a:pPr>
+            <a:r>
+              <a:rPr lang="en-US" sz="2300" b="1" dirty="0">
+                <a:latin typeface="Consolas" pitchFamily="49" charset="0"/>
+                <a:cs typeface="Consolas" pitchFamily="49" charset="0"/>
+              </a:rPr>
+              <a:t>                (ball-</a:t>
+            </a:r>
+            <a:r>
+              <a:rPr lang="en-US" sz="2300" b="1" dirty="0" err="1">
+                <a:latin typeface="Consolas" pitchFamily="49" charset="0"/>
+                <a:cs typeface="Consolas" pitchFamily="49" charset="0"/>
+              </a:rPr>
+              <a:t>dx</a:t>
+            </a:r>
+            <a:r>
+              <a:rPr lang="en-US" sz="2300" b="1" dirty="0">
+                <a:latin typeface="Consolas" pitchFamily="49" charset="0"/>
+                <a:cs typeface="Consolas" pitchFamily="49" charset="0"/>
+              </a:rPr>
+              <a:t> b)))</a:t>
+            </a:r>
+          </a:p>
+          <a:p>
+            <a:pPr>
+              <a:buNone/>
+            </a:pPr>
+            <a:r>
+              <a:rPr lang="en-US" sz="2300" b="1" dirty="0">
+                <a:latin typeface="Consolas" pitchFamily="49" charset="0"/>
+                <a:cs typeface="Consolas" pitchFamily="49" charset="0"/>
+              </a:rPr>
+              <a:t>         (&gt;= (ball-x b) XWALL</a:t>
+            </a:r>
+          </a:p>
+          <a:p>
+            <a:pPr>
+              <a:buNone/>
+            </a:pPr>
+            <a:r>
+              <a:rPr lang="en-US" sz="2300" b="1" dirty="0">
+                <a:latin typeface="Consolas" pitchFamily="49" charset="0"/>
+                <a:cs typeface="Consolas" pitchFamily="49" charset="0"/>
+              </a:rPr>
+              <a:t>           (+ (ball-x b)</a:t>
+            </a:r>
+          </a:p>
+          <a:p>
+            <a:pPr>
+              <a:buNone/>
+            </a:pPr>
+            <a:r>
+              <a:rPr lang="en-US" sz="2300" b="1" dirty="0">
+                <a:latin typeface="Consolas" pitchFamily="49" charset="0"/>
+                <a:cs typeface="Consolas" pitchFamily="49" charset="0"/>
+              </a:rPr>
+              <a:t>             (ball-</a:t>
+            </a:r>
+            <a:r>
+              <a:rPr lang="en-US" sz="2300" b="1" dirty="0" err="1">
+                <a:latin typeface="Consolas" pitchFamily="49" charset="0"/>
+                <a:cs typeface="Consolas" pitchFamily="49" charset="0"/>
+              </a:rPr>
+              <a:t>dx</a:t>
+            </a:r>
+            <a:r>
+              <a:rPr lang="en-US" sz="2300" b="1" dirty="0">
+                <a:latin typeface="Consolas" pitchFamily="49" charset="0"/>
+                <a:cs typeface="Consolas" pitchFamily="49" charset="0"/>
+              </a:rPr>
+              <a:t> b)))))</a:t>
+            </a:r>
+          </a:p>
+          <a:p>
+            <a:pPr>
+              <a:buNone/>
+            </a:pPr>
+            <a:r>
+              <a:rPr lang="en-US" sz="2300" b="1" dirty="0">
+                <a:latin typeface="Consolas" pitchFamily="49" charset="0"/>
+                <a:cs typeface="Consolas" pitchFamily="49" charset="0"/>
+              </a:rPr>
+              <a:t>     (make-ball</a:t>
+            </a:r>
+          </a:p>
+          <a:p>
+            <a:pPr>
+              <a:buNone/>
+            </a:pPr>
+            <a:r>
+              <a:rPr lang="en-US" sz="2300" b="1" dirty="0">
+                <a:latin typeface="Consolas" pitchFamily="49" charset="0"/>
+                <a:cs typeface="Consolas" pitchFamily="49" charset="0"/>
+              </a:rPr>
+              <a:t>       (- (* 2 XWALL)</a:t>
+            </a:r>
+          </a:p>
+          <a:p>
+            <a:pPr>
+              <a:buNone/>
+            </a:pPr>
+            <a:r>
+              <a:rPr lang="en-US" sz="2300" b="1" dirty="0">
+                <a:latin typeface="Consolas" pitchFamily="49" charset="0"/>
+                <a:cs typeface="Consolas" pitchFamily="49" charset="0"/>
+              </a:rPr>
+              <a:t>         (ball-x (straight b 1.)))</a:t>
+            </a:r>
+          </a:p>
+          <a:p>
+            <a:pPr>
+              <a:buNone/>
+            </a:pPr>
+            <a:r>
+              <a:rPr lang="en-US" sz="2300" b="1" dirty="0">
+                <a:latin typeface="Consolas" pitchFamily="49" charset="0"/>
+                <a:cs typeface="Consolas" pitchFamily="49" charset="0"/>
+              </a:rPr>
+              <a:t>       (ball-y (straight b 1.))</a:t>
+            </a:r>
+          </a:p>
+          <a:p>
+            <a:pPr>
+              <a:buNone/>
+            </a:pPr>
+            <a:r>
+              <a:rPr lang="en-US" sz="2300" b="1" dirty="0">
+                <a:latin typeface="Consolas" pitchFamily="49" charset="0"/>
+                <a:cs typeface="Consolas" pitchFamily="49" charset="0"/>
+              </a:rPr>
+              <a:t>       (- (ball-</a:t>
+            </a:r>
+            <a:r>
+              <a:rPr lang="en-US" sz="2300" b="1" dirty="0" err="1">
+                <a:latin typeface="Consolas" pitchFamily="49" charset="0"/>
+                <a:cs typeface="Consolas" pitchFamily="49" charset="0"/>
+              </a:rPr>
+              <a:t>dx</a:t>
+            </a:r>
+            <a:r>
+              <a:rPr lang="en-US" sz="2300" b="1" dirty="0">
+                <a:latin typeface="Consolas" pitchFamily="49" charset="0"/>
+                <a:cs typeface="Consolas" pitchFamily="49" charset="0"/>
+              </a:rPr>
+              <a:t> (straight b 1.)))</a:t>
+            </a:r>
+          </a:p>
+          <a:p>
+            <a:pPr>
+              <a:buNone/>
+            </a:pPr>
+            <a:r>
+              <a:rPr lang="en-US" sz="2300" b="1" dirty="0">
+                <a:latin typeface="Consolas" pitchFamily="49" charset="0"/>
+                <a:cs typeface="Consolas" pitchFamily="49" charset="0"/>
+              </a:rPr>
+              <a:t>       (ball-</a:t>
+            </a:r>
+            <a:r>
+              <a:rPr lang="en-US" sz="2300" b="1" dirty="0" err="1">
+                <a:latin typeface="Consolas" pitchFamily="49" charset="0"/>
+                <a:cs typeface="Consolas" pitchFamily="49" charset="0"/>
+              </a:rPr>
+              <a:t>dy</a:t>
+            </a:r>
+            <a:r>
+              <a:rPr lang="en-US" sz="2300" b="1" dirty="0">
+                <a:latin typeface="Consolas" pitchFamily="49" charset="0"/>
+                <a:cs typeface="Consolas" pitchFamily="49" charset="0"/>
+              </a:rPr>
+              <a:t> (straight b 1.)))</a:t>
+            </a:r>
+          </a:p>
+          <a:p>
+            <a:pPr>
+              <a:buNone/>
+            </a:pPr>
+            <a:r>
+              <a:rPr lang="en-US" sz="2300" b="1" dirty="0">
+                <a:latin typeface="Consolas" pitchFamily="49" charset="0"/>
+                <a:cs typeface="Consolas" pitchFamily="49" charset="0"/>
+              </a:rPr>
+              <a:t>     (straight b 1.)))</a:t>
+            </a:r>
+          </a:p>
+          <a:p>
+            <a:pPr>
+              <a:buNone/>
+            </a:pPr>
+            <a:r>
+              <a:rPr lang="en-US" sz="2300" b="1" dirty="0"/>
+              <a:t> </a:t>
+            </a:r>
+          </a:p>
+          <a:p>
+            <a:pPr>
+              <a:buNone/>
+            </a:pPr>
+            <a:endParaRPr lang="en-US" sz="1600" b="1" dirty="0">
+              <a:latin typeface="Consolas" pitchFamily="49" charset="0"/>
+              <a:cs typeface="Consolas" pitchFamily="49" charset="0"/>
+            </a:endParaRPr>
+          </a:p>
+        </p:txBody>
+      </p:sp>
+      <p:sp>
+        <p:nvSpPr>
+          <p:cNvPr id="9" name="Content Placeholder 8"/>
+          <p:cNvSpPr>
+            <a:spLocks noGrp="1"/>
+          </p:cNvSpPr>
+          <p:nvPr>
+            <p:ph sz="half" idx="2"/>
+          </p:nvPr>
+        </p:nvSpPr>
+        <p:spPr>
+          <a:xfrm>
+            <a:off x="4860472" y="1600200"/>
+            <a:ext cx="4495800" cy="4525963"/>
+          </a:xfrm>
+        </p:spPr>
+        <p:txBody>
+          <a:bodyPr>
+            <a:normAutofit fontScale="70000" lnSpcReduction="20000"/>
+          </a:bodyPr>
+          <a:lstStyle/>
+          <a:p>
+            <a:pPr>
+              <a:buNone/>
+            </a:pPr>
+            <a:r>
+              <a:rPr lang="en-US" sz="2300" b="1" dirty="0">
+                <a:latin typeface="Consolas" pitchFamily="49" charset="0"/>
+                <a:cs typeface="Consolas" pitchFamily="49" charset="0"/>
+              </a:rPr>
+              <a:t>;; ball-after-tick : Ball -&gt; Ball</a:t>
+            </a:r>
+          </a:p>
+          <a:p>
+            <a:pPr>
+              <a:buNone/>
+            </a:pPr>
+            <a:r>
+              <a:rPr lang="en-US" sz="2300" b="1" dirty="0">
+                <a:latin typeface="Consolas" pitchFamily="49" charset="0"/>
+                <a:cs typeface="Consolas" pitchFamily="49" charset="0"/>
+              </a:rPr>
+              <a:t>;; strategy: combine simpler functions</a:t>
+            </a:r>
+          </a:p>
+          <a:p>
+            <a:pPr>
+              <a:buNone/>
+            </a:pPr>
+            <a:r>
+              <a:rPr lang="en-US" sz="2300" b="1" dirty="0">
+                <a:latin typeface="Consolas" pitchFamily="49" charset="0"/>
+                <a:cs typeface="Consolas" pitchFamily="49" charset="0"/>
+              </a:rPr>
+              <a:t>(define (ball-after-tick b)</a:t>
+            </a:r>
+          </a:p>
+          <a:p>
+            <a:pPr>
+              <a:buNone/>
+            </a:pPr>
+            <a:r>
+              <a:rPr lang="en-US" sz="2300" b="1" dirty="0">
+                <a:latin typeface="Consolas" pitchFamily="49" charset="0"/>
+                <a:cs typeface="Consolas" pitchFamily="49" charset="0"/>
+              </a:rPr>
+              <a:t>  (if</a:t>
+            </a:r>
+          </a:p>
+          <a:p>
+            <a:pPr>
+              <a:buNone/>
+            </a:pPr>
+            <a:r>
+              <a:rPr lang="en-US" sz="2300" b="1" dirty="0">
+                <a:latin typeface="Consolas" pitchFamily="49" charset="0"/>
+                <a:cs typeface="Consolas" pitchFamily="49" charset="0"/>
+              </a:rPr>
+              <a:t>    (ball-would-hit-wall? b)</a:t>
+            </a:r>
+          </a:p>
+          <a:p>
+            <a:pPr>
+              <a:buNone/>
+            </a:pPr>
+            <a:r>
+              <a:rPr lang="en-US" sz="2300" b="1" dirty="0">
+                <a:latin typeface="Consolas" pitchFamily="49" charset="0"/>
+                <a:cs typeface="Consolas" pitchFamily="49" charset="0"/>
+              </a:rPr>
+              <a:t>    (ball-after-bounce b)</a:t>
+            </a:r>
+          </a:p>
+          <a:p>
+            <a:pPr>
+              <a:buNone/>
+            </a:pPr>
+            <a:r>
+              <a:rPr lang="en-US" sz="2300" b="1" dirty="0">
+                <a:latin typeface="Consolas" pitchFamily="49" charset="0"/>
+                <a:cs typeface="Consolas" pitchFamily="49" charset="0"/>
+              </a:rPr>
+              <a:t>    (ball-after-straight-travel b)))</a:t>
+            </a:r>
+          </a:p>
+          <a:p>
+            <a:pPr>
+              <a:buNone/>
+            </a:pPr>
+            <a:endParaRPr lang="en-US" dirty="0"/>
+          </a:p>
+        </p:txBody>
+      </p:sp>
+      <p:sp>
+        <p:nvSpPr>
+          <p:cNvPr id="3" name="TextBox 2"/>
           <p:cNvSpPr txBox="1"/>
           <p:nvPr/>
         </p:nvSpPr>
         <p:spPr>
           <a:xfrm>
-            <a:off x="768611" y="6324600"/>
-            <a:ext cx="1364989" cy="369332"/>
+            <a:off x="4849962" y="3560672"/>
+            <a:ext cx="4038600" cy="1938992"/>
           </a:xfrm>
           <a:prstGeom prst="rect">
             <a:avLst/>
@@ -8619,25 +8864,46 @@
           <a:noFill/>
         </p:spPr>
         <p:txBody>
-          <a:bodyPr wrap="none" rtlCol="0">
+          <a:bodyPr wrap="square" rtlCol="0">
             <a:spAutoFit/>
           </a:bodyPr>
           <a:lstStyle/>
           <a:p>
             <a:r>
-              <a:rPr lang="en-US" dirty="0">
-                <a:hlinkClick r:id="rId4"/>
-              </a:rPr>
-              <a:t>YouTube link</a:t>
-            </a:r>
-            <a:endParaRPr lang="en-US" dirty="0"/>
+              <a:rPr lang="en-US" sz="2400" dirty="0"/>
+              <a:t>Here’s a pair of examples. Which do you think is clearer?  Which looks easier to debug? Which would you like to have to defend in front of a TA?</a:t>
+            </a:r>
+          </a:p>
+        </p:txBody>
+      </p:sp>
+      <p:sp>
+        <p:nvSpPr>
+          <p:cNvPr id="4" name="Slide Number Placeholder 3"/>
+          <p:cNvSpPr>
+            <a:spLocks noGrp="1"/>
+          </p:cNvSpPr>
+          <p:nvPr>
+            <p:ph type="sldNum" sz="quarter" idx="12"/>
+          </p:nvPr>
+        </p:nvSpPr>
+        <p:spPr/>
+        <p:txBody>
+          <a:bodyPr/>
+          <a:lstStyle/>
+          <a:p>
+            <a:fld id="{B6F15528-21DE-4FAA-801E-634DDDAF4B2B}" type="slidenum">
+              <a:rPr lang="en-US" smtClean="0"/>
+              <a:pPr/>
+              <a:t>11</a:t>
+            </a:fld>
+            <a:endParaRPr lang="en-US"/>
           </a:p>
         </p:txBody>
       </p:sp>
     </p:spTree>
     <p:extLst>
       <p:ext uri="{BB962C8B-B14F-4D97-AF65-F5344CB8AC3E}">
-        <p14:creationId xmlns:p14="http://schemas.microsoft.com/office/powerpoint/2010/main" val="3985044363"/>
+        <p14:creationId xmlns:p14="http://schemas.microsoft.com/office/powerpoint/2010/main" val="3495635888"/>
       </p:ext>
     </p:extLst>
   </p:cSld>
@@ -8676,14 +8942,12 @@
         </p:nvSpPr>
         <p:spPr/>
         <p:txBody>
-          <a:bodyPr>
-            <a:normAutofit fontScale="90000"/>
-          </a:bodyPr>
+          <a:bodyPr/>
           <a:lstStyle/>
           <a:p>
             <a:r>
               <a:rPr lang="en-US" dirty="0"/>
-              <a:t>What can you write in a combination of simpler functions?</a:t>
+              <a:t>Summary</a:t>
             </a:r>
           </a:p>
         </p:txBody>
@@ -8700,68 +8964,32 @@
         </p:nvSpPr>
         <p:spPr/>
         <p:txBody>
-          <a:bodyPr>
-            <a:normAutofit fontScale="85000" lnSpcReduction="10000"/>
-          </a:bodyPr>
+          <a:bodyPr/>
           <a:lstStyle/>
           <a:p>
             <a:r>
               <a:rPr lang="en-US" dirty="0"/>
-              <a:t>Remember that the goal is to write beautiful programs.</a:t>
-            </a:r>
-          </a:p>
-          <a:p>
+              <a:t>In this lesson, you’ve learned</a:t>
+            </a:r>
+          </a:p>
+          <a:p>
+            <a:pPr lvl="1"/>
             <a:r>
               <a:rPr lang="en-US" dirty="0"/>
-              <a:t>You want your reader to understand what you’re doing immediately.</a:t>
-            </a:r>
-          </a:p>
-          <a:p>
+              <a:t>How to use Function Composition to write a function definition.</a:t>
+            </a:r>
+          </a:p>
+          <a:p>
+            <a:pPr lvl="1"/>
             <a:r>
               <a:rPr lang="en-US" dirty="0"/>
-              <a:t>So just keep it simple.</a:t>
-            </a:r>
-          </a:p>
-          <a:p>
-            <a:r>
-              <a:rPr lang="en-US" dirty="0"/>
-              <a:t>We won’t have formal rules about this, but:</a:t>
-            </a:r>
-          </a:p>
-          <a:p>
-            <a:r>
-              <a:rPr lang="en-US" dirty="0"/>
-              <a:t>If the TA needs you to explain it, it’s not simple enough.</a:t>
-            </a:r>
-          </a:p>
-          <a:p>
-            <a:r>
-              <a:rPr lang="en-US" dirty="0"/>
-              <a:t>Anything with an </a:t>
-            </a:r>
-            <a:r>
-              <a:rPr lang="en-US" b="1" dirty="0"/>
-              <a:t>if</a:t>
-            </a:r>
-            <a:r>
-              <a:rPr lang="en-US" dirty="0"/>
-              <a:t> is probably not simple enough. </a:t>
-            </a:r>
-          </a:p>
-          <a:p>
-            <a:pPr lvl="1"/>
-            <a:r>
-              <a:rPr lang="en-US" dirty="0"/>
-              <a:t>If you need an </a:t>
-            </a:r>
-            <a:r>
-              <a:rPr lang="en-US" b="1" dirty="0"/>
-              <a:t>if</a:t>
-            </a:r>
-            <a:r>
-              <a:rPr lang="en-US" dirty="0"/>
-              <a:t>, that’s a sign that you’re using a fancier design strategy.  We’ll talk about these very soon.</a:t>
-            </a:r>
+              <a:t>When a function definition needs to be simplified by using help </a:t>
+            </a:r>
+            <a:r>
+              <a:rPr lang="en-US"/>
+              <a:t>functions.</a:t>
+            </a:r>
+            <a:endParaRPr lang="en-US" dirty="0"/>
           </a:p>
         </p:txBody>
       </p:sp>
@@ -8792,7 +9020,7 @@
     </p:spTree>
     <p:extLst>
       <p:ext uri="{BB962C8B-B14F-4D97-AF65-F5344CB8AC3E}">
-        <p14:creationId xmlns:p14="http://schemas.microsoft.com/office/powerpoint/2010/main" val="3653548323"/>
+        <p14:creationId xmlns:p14="http://schemas.microsoft.com/office/powerpoint/2010/main" val="4123687988"/>
       </p:ext>
     </p:extLst>
   </p:cSld>
@@ -8836,7 +9064,7 @@
           <a:p>
             <a:r>
               <a:rPr lang="en-US" dirty="0"/>
-              <a:t>Keep it short!</a:t>
+              <a:t>Next Steps</a:t>
             </a:r>
           </a:p>
         </p:txBody>
@@ -8853,41 +9081,18 @@
         </p:nvSpPr>
         <p:spPr/>
         <p:txBody>
-          <a:bodyPr>
-            <a:normAutofit lnSpcReduction="10000"/>
-          </a:bodyPr>
-          <a:lstStyle/>
+          <a:bodyPr/>
+          <a:lstStyle/>
+          <a:p>
+            <a:r>
+              <a:rPr lang="en-US"/>
+              <a:t>Study the files </a:t>
+            </a:r>
+          </a:p>
           <a:p>
             <a:r>
               <a:rPr lang="en-US" dirty="0"/>
-              <a:t>“Combining simpler functions” is for very short definitions only.</a:t>
-            </a:r>
-          </a:p>
-          <a:p>
-            <a:r>
-              <a:rPr lang="en-US" dirty="0"/>
-              <a:t>If you’re writing something complicated, that means one of two things:</a:t>
-            </a:r>
-          </a:p>
-          <a:p>
-            <a:pPr lvl="1"/>
-            <a:r>
-              <a:rPr lang="en-US" dirty="0"/>
-              <a:t>You’re really using some more powerful design strategy (to be discussed)</a:t>
-            </a:r>
-          </a:p>
-          <a:p>
-            <a:pPr lvl="1"/>
-            <a:r>
-              <a:rPr lang="en-US" dirty="0"/>
-              <a:t>Your function needs to be split into simpler parts.</a:t>
-            </a:r>
-          </a:p>
-          <a:p>
-            <a:pPr lvl="2"/>
-            <a:r>
-              <a:rPr lang="en-US" dirty="0"/>
-              <a:t>If you have complicated stuff in your function you must have put it there for a reason.  Turn it into a separate function so you can explain and test it.</a:t>
+              <a:t>If you have questions or comments about this lesson, post them on the discussion board.</a:t>
             </a:r>
           </a:p>
         </p:txBody>
@@ -8919,7 +9124,7 @@
     </p:spTree>
     <p:extLst>
       <p:ext uri="{BB962C8B-B14F-4D97-AF65-F5344CB8AC3E}">
-        <p14:creationId xmlns:p14="http://schemas.microsoft.com/office/powerpoint/2010/main" val="2702570190"/>
+        <p14:creationId xmlns:p14="http://schemas.microsoft.com/office/powerpoint/2010/main" val="1624485276"/>
       </p:ext>
     </p:extLst>
   </p:cSld>
@@ -8953,31 +9158,29 @@
             <a:spLocks noGrp="1"/>
           </p:cNvSpPr>
           <p:nvPr>
-            <p:ph type="title"/>
-          </p:nvPr>
-        </p:nvSpPr>
-        <p:spPr/>
-        <p:txBody>
-          <a:bodyPr>
-            <a:normAutofit fontScale="90000"/>
-          </a:bodyPr>
+            <p:ph type="ctrTitle"/>
+          </p:nvPr>
+        </p:nvSpPr>
+        <p:spPr/>
+        <p:txBody>
+          <a:bodyPr/>
           <a:lstStyle/>
           <a:p>
             <a:r>
               <a:rPr lang="en-US" dirty="0"/>
-              <a:t>When do you need to introduce new functions?</a:t>
-            </a:r>
-          </a:p>
-        </p:txBody>
-      </p:sp>
-      <p:sp>
-        <p:nvSpPr>
-          <p:cNvPr id="3" name="Content Placeholder 2"/>
-          <p:cNvSpPr>
-            <a:spLocks noGrp="1"/>
-          </p:cNvSpPr>
-          <p:nvPr>
-            <p:ph idx="1"/>
+              <a:t>Design Strategies 3: Divide into cases</a:t>
+            </a:r>
+          </a:p>
+        </p:txBody>
+      </p:sp>
+      <p:sp>
+        <p:nvSpPr>
+          <p:cNvPr id="3" name="Subtitle 2"/>
+          <p:cNvSpPr>
+            <a:spLocks noGrp="1"/>
+          </p:cNvSpPr>
+          <p:nvPr>
+            <p:ph type="subTitle" idx="1"/>
           </p:nvPr>
         </p:nvSpPr>
         <p:spPr/>
@@ -8987,20 +9190,23 @@
           <a:p>
             <a:r>
               <a:rPr lang="en-US" dirty="0"/>
-              <a:t>If a function has pieces that can be given meaningful contracts and purpose statements, then break it up and use function composition.</a:t>
+              <a:t>CS 5010 Program Design Paradigms “Bootcamp”</a:t>
             </a:r>
           </a:p>
           <a:p>
             <a:r>
               <a:rPr lang="en-US" dirty="0"/>
-              <a:t>Then apply the design recipe to design the pieces.</a:t>
-            </a:r>
-          </a:p>
-        </p:txBody>
-      </p:sp>
-      <p:sp>
-        <p:nvSpPr>
-          <p:cNvPr id="4" name="Slide Number Placeholder 3"/>
+              <a:t>Lesson 2.2</a:t>
+            </a:r>
+          </a:p>
+          <a:p>
+            <a:endParaRPr lang="en-US" dirty="0"/>
+          </a:p>
+        </p:txBody>
+      </p:sp>
+      <p:sp>
+        <p:nvSpPr>
+          <p:cNvPr id="7" name="Slide Number Placeholder 6"/>
           <p:cNvSpPr>
             <a:spLocks noGrp="1"/>
           </p:cNvSpPr>
@@ -9017,891 +9223,6 @@
               <a:rPr lang="en-US" smtClean="0"/>
               <a:pPr/>
               <a:t>14</a:t>
-            </a:fld>
-            <a:endParaRPr lang="en-US"/>
-          </a:p>
-        </p:txBody>
-      </p:sp>
-    </p:spTree>
-    <p:extLst>
-      <p:ext uri="{BB962C8B-B14F-4D97-AF65-F5344CB8AC3E}">
-        <p14:creationId xmlns:p14="http://schemas.microsoft.com/office/powerpoint/2010/main" val="4057203172"/>
-      </p:ext>
-    </p:extLst>
-  </p:cSld>
-  <p:clrMapOvr>
-    <a:masterClrMapping/>
-  </p:clrMapOvr>
-</p:sld>
-</file>
-
-<file path=ppt/slides/slide15.xml><?xml version="1.0" encoding="utf-8"?>
-<p:sld xmlns:a="http://schemas.openxmlformats.org/drawingml/2006/main" xmlns:r="http://schemas.openxmlformats.org/officeDocument/2006/relationships" xmlns:p="http://schemas.openxmlformats.org/presentationml/2006/main">
-  <p:cSld>
-    <p:spTree>
-      <p:nvGrpSpPr>
-        <p:cNvPr id="1" name=""/>
-        <p:cNvGrpSpPr/>
-        <p:nvPr/>
-      </p:nvGrpSpPr>
-      <p:grpSpPr>
-        <a:xfrm>
-          <a:off x="0" y="0"/>
-          <a:ext cx="0" cy="0"/>
-          <a:chOff x="0" y="0"/>
-          <a:chExt cx="0" cy="0"/>
-        </a:xfrm>
-      </p:grpSpPr>
-      <p:sp>
-        <p:nvSpPr>
-          <p:cNvPr id="2" name="Title 1"/>
-          <p:cNvSpPr>
-            <a:spLocks noGrp="1"/>
-          </p:cNvSpPr>
-          <p:nvPr>
-            <p:ph type="title"/>
-          </p:nvPr>
-        </p:nvSpPr>
-        <p:spPr/>
-        <p:style>
-          <a:lnRef idx="2">
-            <a:schemeClr val="accent1"/>
-          </a:lnRef>
-          <a:fillRef idx="1">
-            <a:schemeClr val="lt1"/>
-          </a:fillRef>
-          <a:effectRef idx="0">
-            <a:schemeClr val="accent1"/>
-          </a:effectRef>
-          <a:fontRef idx="minor">
-            <a:schemeClr val="dk1"/>
-          </a:fontRef>
-        </p:style>
-        <p:txBody>
-          <a:bodyPr/>
-          <a:lstStyle/>
-          <a:p>
-            <a:r>
-              <a:rPr lang="en-US" dirty="0"/>
-              <a:t>Bad Example</a:t>
-            </a:r>
-          </a:p>
-        </p:txBody>
-      </p:sp>
-      <p:sp>
-        <p:nvSpPr>
-          <p:cNvPr id="8" name="Content Placeholder 7"/>
-          <p:cNvSpPr>
-            <a:spLocks noGrp="1"/>
-          </p:cNvSpPr>
-          <p:nvPr>
-            <p:ph sz="half" idx="1"/>
-          </p:nvPr>
-        </p:nvSpPr>
-        <p:spPr>
-          <a:xfrm>
-            <a:off x="228599" y="1600200"/>
-            <a:ext cx="5110844" cy="5121275"/>
-          </a:xfrm>
-        </p:spPr>
-        <p:txBody>
-          <a:bodyPr>
-            <a:normAutofit fontScale="70000" lnSpcReduction="20000"/>
-          </a:bodyPr>
-          <a:lstStyle/>
-          <a:p>
-            <a:pPr>
-              <a:buNone/>
-            </a:pPr>
-            <a:r>
-              <a:rPr lang="en-US" sz="2300" b="1" dirty="0">
-                <a:latin typeface="Consolas" pitchFamily="49" charset="0"/>
-                <a:cs typeface="Consolas" pitchFamily="49" charset="0"/>
-              </a:rPr>
-              <a:t>;; ball-after-tick : Ball -&gt; Ball</a:t>
-            </a:r>
-          </a:p>
-          <a:p>
-            <a:pPr>
-              <a:buNone/>
-            </a:pPr>
-            <a:r>
-              <a:rPr lang="en-US" sz="2300" b="1" dirty="0">
-                <a:latin typeface="Consolas" pitchFamily="49" charset="0"/>
-                <a:cs typeface="Consolas" pitchFamily="49" charset="0"/>
-              </a:rPr>
-              <a:t>;; strategy: use template for Ball</a:t>
-            </a:r>
-          </a:p>
-          <a:p>
-            <a:pPr>
-              <a:buNone/>
-            </a:pPr>
-            <a:r>
-              <a:rPr lang="en-US" sz="2300" b="1" dirty="0">
-                <a:latin typeface="Consolas" pitchFamily="49" charset="0"/>
-                <a:cs typeface="Consolas" pitchFamily="49" charset="0"/>
-              </a:rPr>
-              <a:t>(define (ball-after-tick b)</a:t>
-            </a:r>
-          </a:p>
-          <a:p>
-            <a:pPr>
-              <a:buNone/>
-            </a:pPr>
-            <a:r>
-              <a:rPr lang="en-US" sz="2300" b="1" dirty="0">
-                <a:latin typeface="Consolas" pitchFamily="49" charset="0"/>
-                <a:cs typeface="Consolas" pitchFamily="49" charset="0"/>
-              </a:rPr>
-              <a:t>  (if</a:t>
-            </a:r>
-          </a:p>
-          <a:p>
-            <a:pPr>
-              <a:buNone/>
-            </a:pPr>
-            <a:r>
-              <a:rPr lang="en-US" sz="2300" b="1" dirty="0">
-                <a:latin typeface="Consolas" pitchFamily="49" charset="0"/>
-                <a:cs typeface="Consolas" pitchFamily="49" charset="0"/>
-              </a:rPr>
-              <a:t>    (and </a:t>
-            </a:r>
-          </a:p>
-          <a:p>
-            <a:pPr>
-              <a:buNone/>
-            </a:pPr>
-            <a:r>
-              <a:rPr lang="en-US" sz="2300" b="1" dirty="0">
-                <a:latin typeface="Consolas" pitchFamily="49" charset="0"/>
-                <a:cs typeface="Consolas" pitchFamily="49" charset="0"/>
-              </a:rPr>
-              <a:t>       (&lt;= YUP (where b) YLO) </a:t>
-            </a:r>
-          </a:p>
-          <a:p>
-            <a:pPr>
-              <a:buNone/>
-            </a:pPr>
-            <a:r>
-              <a:rPr lang="en-US" sz="2300" b="1" dirty="0">
-                <a:latin typeface="Consolas" pitchFamily="49" charset="0"/>
-                <a:cs typeface="Consolas" pitchFamily="49" charset="0"/>
-              </a:rPr>
-              <a:t>       (or (&lt;= (ball-x b) XWALL</a:t>
-            </a:r>
-          </a:p>
-          <a:p>
-            <a:pPr>
-              <a:buNone/>
-            </a:pPr>
-            <a:r>
-              <a:rPr lang="en-US" sz="2300" b="1" dirty="0">
-                <a:latin typeface="Consolas" pitchFamily="49" charset="0"/>
-                <a:cs typeface="Consolas" pitchFamily="49" charset="0"/>
-              </a:rPr>
-              <a:t>              (+ (ball-x b)</a:t>
-            </a:r>
-          </a:p>
-          <a:p>
-            <a:pPr>
-              <a:buNone/>
-            </a:pPr>
-            <a:r>
-              <a:rPr lang="en-US" sz="2300" b="1" dirty="0">
-                <a:latin typeface="Consolas" pitchFamily="49" charset="0"/>
-                <a:cs typeface="Consolas" pitchFamily="49" charset="0"/>
-              </a:rPr>
-              <a:t>                (ball-</a:t>
-            </a:r>
-            <a:r>
-              <a:rPr lang="en-US" sz="2300" b="1" dirty="0" err="1">
-                <a:latin typeface="Consolas" pitchFamily="49" charset="0"/>
-                <a:cs typeface="Consolas" pitchFamily="49" charset="0"/>
-              </a:rPr>
-              <a:t>dx</a:t>
-            </a:r>
-            <a:r>
-              <a:rPr lang="en-US" sz="2300" b="1" dirty="0">
-                <a:latin typeface="Consolas" pitchFamily="49" charset="0"/>
-                <a:cs typeface="Consolas" pitchFamily="49" charset="0"/>
-              </a:rPr>
-              <a:t> b)))</a:t>
-            </a:r>
-          </a:p>
-          <a:p>
-            <a:pPr>
-              <a:buNone/>
-            </a:pPr>
-            <a:r>
-              <a:rPr lang="en-US" sz="2300" b="1" dirty="0">
-                <a:latin typeface="Consolas" pitchFamily="49" charset="0"/>
-                <a:cs typeface="Consolas" pitchFamily="49" charset="0"/>
-              </a:rPr>
-              <a:t>         (&gt;= (ball-x b) XWALL</a:t>
-            </a:r>
-          </a:p>
-          <a:p>
-            <a:pPr>
-              <a:buNone/>
-            </a:pPr>
-            <a:r>
-              <a:rPr lang="en-US" sz="2300" b="1" dirty="0">
-                <a:latin typeface="Consolas" pitchFamily="49" charset="0"/>
-                <a:cs typeface="Consolas" pitchFamily="49" charset="0"/>
-              </a:rPr>
-              <a:t>           (+ (ball-x b)</a:t>
-            </a:r>
-          </a:p>
-          <a:p>
-            <a:pPr>
-              <a:buNone/>
-            </a:pPr>
-            <a:r>
-              <a:rPr lang="en-US" sz="2300" b="1" dirty="0">
-                <a:latin typeface="Consolas" pitchFamily="49" charset="0"/>
-                <a:cs typeface="Consolas" pitchFamily="49" charset="0"/>
-              </a:rPr>
-              <a:t>             (ball-</a:t>
-            </a:r>
-            <a:r>
-              <a:rPr lang="en-US" sz="2300" b="1" dirty="0" err="1">
-                <a:latin typeface="Consolas" pitchFamily="49" charset="0"/>
-                <a:cs typeface="Consolas" pitchFamily="49" charset="0"/>
-              </a:rPr>
-              <a:t>dx</a:t>
-            </a:r>
-            <a:r>
-              <a:rPr lang="en-US" sz="2300" b="1" dirty="0">
-                <a:latin typeface="Consolas" pitchFamily="49" charset="0"/>
-                <a:cs typeface="Consolas" pitchFamily="49" charset="0"/>
-              </a:rPr>
-              <a:t> b)))))</a:t>
-            </a:r>
-          </a:p>
-          <a:p>
-            <a:pPr>
-              <a:buNone/>
-            </a:pPr>
-            <a:r>
-              <a:rPr lang="en-US" sz="2300" b="1" dirty="0">
-                <a:latin typeface="Consolas" pitchFamily="49" charset="0"/>
-                <a:cs typeface="Consolas" pitchFamily="49" charset="0"/>
-              </a:rPr>
-              <a:t>     (make-ball</a:t>
-            </a:r>
-          </a:p>
-          <a:p>
-            <a:pPr>
-              <a:buNone/>
-            </a:pPr>
-            <a:r>
-              <a:rPr lang="en-US" sz="2300" b="1" dirty="0">
-                <a:latin typeface="Consolas" pitchFamily="49" charset="0"/>
-                <a:cs typeface="Consolas" pitchFamily="49" charset="0"/>
-              </a:rPr>
-              <a:t>       (- (* 2 XWALL)</a:t>
-            </a:r>
-          </a:p>
-          <a:p>
-            <a:pPr>
-              <a:buNone/>
-            </a:pPr>
-            <a:r>
-              <a:rPr lang="en-US" sz="2300" b="1" dirty="0">
-                <a:latin typeface="Consolas" pitchFamily="49" charset="0"/>
-                <a:cs typeface="Consolas" pitchFamily="49" charset="0"/>
-              </a:rPr>
-              <a:t>         (ball-x (straight b 1.)))</a:t>
-            </a:r>
-          </a:p>
-          <a:p>
-            <a:pPr>
-              <a:buNone/>
-            </a:pPr>
-            <a:r>
-              <a:rPr lang="en-US" sz="2300" b="1" dirty="0">
-                <a:latin typeface="Consolas" pitchFamily="49" charset="0"/>
-                <a:cs typeface="Consolas" pitchFamily="49" charset="0"/>
-              </a:rPr>
-              <a:t>       (ball-y (straight b 1.))</a:t>
-            </a:r>
-          </a:p>
-          <a:p>
-            <a:pPr>
-              <a:buNone/>
-            </a:pPr>
-            <a:r>
-              <a:rPr lang="en-US" sz="2300" b="1" dirty="0">
-                <a:latin typeface="Consolas" pitchFamily="49" charset="0"/>
-                <a:cs typeface="Consolas" pitchFamily="49" charset="0"/>
-              </a:rPr>
-              <a:t>       (- (ball-</a:t>
-            </a:r>
-            <a:r>
-              <a:rPr lang="en-US" sz="2300" b="1" dirty="0" err="1">
-                <a:latin typeface="Consolas" pitchFamily="49" charset="0"/>
-                <a:cs typeface="Consolas" pitchFamily="49" charset="0"/>
-              </a:rPr>
-              <a:t>dx</a:t>
-            </a:r>
-            <a:r>
-              <a:rPr lang="en-US" sz="2300" b="1" dirty="0">
-                <a:latin typeface="Consolas" pitchFamily="49" charset="0"/>
-                <a:cs typeface="Consolas" pitchFamily="49" charset="0"/>
-              </a:rPr>
-              <a:t> (straight b 1.)))</a:t>
-            </a:r>
-          </a:p>
-          <a:p>
-            <a:pPr>
-              <a:buNone/>
-            </a:pPr>
-            <a:r>
-              <a:rPr lang="en-US" sz="2300" b="1" dirty="0">
-                <a:latin typeface="Consolas" pitchFamily="49" charset="0"/>
-                <a:cs typeface="Consolas" pitchFamily="49" charset="0"/>
-              </a:rPr>
-              <a:t>       (ball-</a:t>
-            </a:r>
-            <a:r>
-              <a:rPr lang="en-US" sz="2300" b="1" dirty="0" err="1">
-                <a:latin typeface="Consolas" pitchFamily="49" charset="0"/>
-                <a:cs typeface="Consolas" pitchFamily="49" charset="0"/>
-              </a:rPr>
-              <a:t>dy</a:t>
-            </a:r>
-            <a:r>
-              <a:rPr lang="en-US" sz="2300" b="1" dirty="0">
-                <a:latin typeface="Consolas" pitchFamily="49" charset="0"/>
-                <a:cs typeface="Consolas" pitchFamily="49" charset="0"/>
-              </a:rPr>
-              <a:t> (straight b 1.)))</a:t>
-            </a:r>
-          </a:p>
-          <a:p>
-            <a:pPr>
-              <a:buNone/>
-            </a:pPr>
-            <a:r>
-              <a:rPr lang="en-US" sz="2300" b="1" dirty="0">
-                <a:latin typeface="Consolas" pitchFamily="49" charset="0"/>
-                <a:cs typeface="Consolas" pitchFamily="49" charset="0"/>
-              </a:rPr>
-              <a:t>     (straight b 1.)))</a:t>
-            </a:r>
-          </a:p>
-          <a:p>
-            <a:pPr>
-              <a:buNone/>
-            </a:pPr>
-            <a:r>
-              <a:rPr lang="en-US" sz="2300" b="1" dirty="0"/>
-              <a:t> </a:t>
-            </a:r>
-          </a:p>
-          <a:p>
-            <a:pPr>
-              <a:buNone/>
-            </a:pPr>
-            <a:endParaRPr lang="en-US" sz="1600" b="1" dirty="0">
-              <a:latin typeface="Consolas" pitchFamily="49" charset="0"/>
-              <a:cs typeface="Consolas" pitchFamily="49" charset="0"/>
-            </a:endParaRPr>
-          </a:p>
-        </p:txBody>
-      </p:sp>
-      <p:sp>
-        <p:nvSpPr>
-          <p:cNvPr id="9" name="Content Placeholder 8"/>
-          <p:cNvSpPr>
-            <a:spLocks noGrp="1"/>
-          </p:cNvSpPr>
-          <p:nvPr>
-            <p:ph sz="half" idx="2"/>
-          </p:nvPr>
-        </p:nvSpPr>
-        <p:spPr>
-          <a:xfrm>
-            <a:off x="4860472" y="1600200"/>
-            <a:ext cx="4495800" cy="4525963"/>
-          </a:xfrm>
-        </p:spPr>
-        <p:txBody>
-          <a:bodyPr>
-            <a:normAutofit fontScale="70000" lnSpcReduction="20000"/>
-          </a:bodyPr>
-          <a:lstStyle/>
-          <a:p>
-            <a:pPr>
-              <a:buNone/>
-            </a:pPr>
-            <a:r>
-              <a:rPr lang="en-US" sz="2300" b="1" dirty="0">
-                <a:latin typeface="Consolas" pitchFamily="49" charset="0"/>
-                <a:cs typeface="Consolas" pitchFamily="49" charset="0"/>
-              </a:rPr>
-              <a:t>;; ball-after-tick : Ball -&gt; Ball</a:t>
-            </a:r>
-          </a:p>
-          <a:p>
-            <a:pPr>
-              <a:buNone/>
-            </a:pPr>
-            <a:r>
-              <a:rPr lang="en-US" sz="2300" b="1" dirty="0">
-                <a:latin typeface="Consolas" pitchFamily="49" charset="0"/>
-                <a:cs typeface="Consolas" pitchFamily="49" charset="0"/>
-              </a:rPr>
-              <a:t>;; strategy: combine simpler functions</a:t>
-            </a:r>
-          </a:p>
-          <a:p>
-            <a:pPr>
-              <a:buNone/>
-            </a:pPr>
-            <a:r>
-              <a:rPr lang="en-US" sz="2300" b="1" dirty="0">
-                <a:latin typeface="Consolas" pitchFamily="49" charset="0"/>
-                <a:cs typeface="Consolas" pitchFamily="49" charset="0"/>
-              </a:rPr>
-              <a:t>(define (ball-after-tick b)</a:t>
-            </a:r>
-          </a:p>
-          <a:p>
-            <a:pPr>
-              <a:buNone/>
-            </a:pPr>
-            <a:r>
-              <a:rPr lang="en-US" sz="2300" b="1" dirty="0">
-                <a:latin typeface="Consolas" pitchFamily="49" charset="0"/>
-                <a:cs typeface="Consolas" pitchFamily="49" charset="0"/>
-              </a:rPr>
-              <a:t>  (if</a:t>
-            </a:r>
-          </a:p>
-          <a:p>
-            <a:pPr>
-              <a:buNone/>
-            </a:pPr>
-            <a:r>
-              <a:rPr lang="en-US" sz="2300" b="1" dirty="0">
-                <a:latin typeface="Consolas" pitchFamily="49" charset="0"/>
-                <a:cs typeface="Consolas" pitchFamily="49" charset="0"/>
-              </a:rPr>
-              <a:t>    (ball-would-hit-wall? b)</a:t>
-            </a:r>
-          </a:p>
-          <a:p>
-            <a:pPr>
-              <a:buNone/>
-            </a:pPr>
-            <a:r>
-              <a:rPr lang="en-US" sz="2300" b="1" dirty="0">
-                <a:latin typeface="Consolas" pitchFamily="49" charset="0"/>
-                <a:cs typeface="Consolas" pitchFamily="49" charset="0"/>
-              </a:rPr>
-              <a:t>    (ball-after-bounce b)</a:t>
-            </a:r>
-          </a:p>
-          <a:p>
-            <a:pPr>
-              <a:buNone/>
-            </a:pPr>
-            <a:r>
-              <a:rPr lang="en-US" sz="2300" b="1" dirty="0">
-                <a:latin typeface="Consolas" pitchFamily="49" charset="0"/>
-                <a:cs typeface="Consolas" pitchFamily="49" charset="0"/>
-              </a:rPr>
-              <a:t>    (ball-after-straight-travel b)))</a:t>
-            </a:r>
-          </a:p>
-          <a:p>
-            <a:pPr>
-              <a:buNone/>
-            </a:pPr>
-            <a:endParaRPr lang="en-US" dirty="0"/>
-          </a:p>
-        </p:txBody>
-      </p:sp>
-      <p:sp>
-        <p:nvSpPr>
-          <p:cNvPr id="3" name="TextBox 2"/>
-          <p:cNvSpPr txBox="1"/>
-          <p:nvPr/>
-        </p:nvSpPr>
-        <p:spPr>
-          <a:xfrm>
-            <a:off x="4849962" y="3560672"/>
-            <a:ext cx="4038600" cy="1938992"/>
-          </a:xfrm>
-          <a:prstGeom prst="rect">
-            <a:avLst/>
-          </a:prstGeom>
-          <a:noFill/>
-        </p:spPr>
-        <p:txBody>
-          <a:bodyPr wrap="square" rtlCol="0">
-            <a:spAutoFit/>
-          </a:bodyPr>
-          <a:lstStyle/>
-          <a:p>
-            <a:r>
-              <a:rPr lang="en-US" sz="2400" dirty="0"/>
-              <a:t>Here’s a pair of examples. Which do you think is clearer?  Which looks easier to debug? Which would you like to have to defend in front of a TA?</a:t>
-            </a:r>
-          </a:p>
-        </p:txBody>
-      </p:sp>
-      <p:sp>
-        <p:nvSpPr>
-          <p:cNvPr id="4" name="Slide Number Placeholder 3"/>
-          <p:cNvSpPr>
-            <a:spLocks noGrp="1"/>
-          </p:cNvSpPr>
-          <p:nvPr>
-            <p:ph type="sldNum" sz="quarter" idx="12"/>
-          </p:nvPr>
-        </p:nvSpPr>
-        <p:spPr/>
-        <p:txBody>
-          <a:bodyPr/>
-          <a:lstStyle/>
-          <a:p>
-            <a:fld id="{B6F15528-21DE-4FAA-801E-634DDDAF4B2B}" type="slidenum">
-              <a:rPr lang="en-US" smtClean="0"/>
-              <a:pPr/>
-              <a:t>15</a:t>
-            </a:fld>
-            <a:endParaRPr lang="en-US"/>
-          </a:p>
-        </p:txBody>
-      </p:sp>
-    </p:spTree>
-    <p:extLst>
-      <p:ext uri="{BB962C8B-B14F-4D97-AF65-F5344CB8AC3E}">
-        <p14:creationId xmlns:p14="http://schemas.microsoft.com/office/powerpoint/2010/main" val="3495635888"/>
-      </p:ext>
-    </p:extLst>
-  </p:cSld>
-  <p:clrMapOvr>
-    <a:masterClrMapping/>
-  </p:clrMapOvr>
-</p:sld>
-</file>
-
-<file path=ppt/slides/slide16.xml><?xml version="1.0" encoding="utf-8"?>
-<p:sld xmlns:a="http://schemas.openxmlformats.org/drawingml/2006/main" xmlns:r="http://schemas.openxmlformats.org/officeDocument/2006/relationships" xmlns:p="http://schemas.openxmlformats.org/presentationml/2006/main">
-  <p:cSld>
-    <p:spTree>
-      <p:nvGrpSpPr>
-        <p:cNvPr id="1" name=""/>
-        <p:cNvGrpSpPr/>
-        <p:nvPr/>
-      </p:nvGrpSpPr>
-      <p:grpSpPr>
-        <a:xfrm>
-          <a:off x="0" y="0"/>
-          <a:ext cx="0" cy="0"/>
-          <a:chOff x="0" y="0"/>
-          <a:chExt cx="0" cy="0"/>
-        </a:xfrm>
-      </p:grpSpPr>
-      <p:sp>
-        <p:nvSpPr>
-          <p:cNvPr id="2" name="Title 1"/>
-          <p:cNvSpPr>
-            <a:spLocks noGrp="1"/>
-          </p:cNvSpPr>
-          <p:nvPr>
-            <p:ph type="title"/>
-          </p:nvPr>
-        </p:nvSpPr>
-        <p:spPr/>
-        <p:txBody>
-          <a:bodyPr/>
-          <a:lstStyle/>
-          <a:p>
-            <a:r>
-              <a:rPr lang="en-US" dirty="0"/>
-              <a:t>Summary</a:t>
-            </a:r>
-          </a:p>
-        </p:txBody>
-      </p:sp>
-      <p:sp>
-        <p:nvSpPr>
-          <p:cNvPr id="3" name="Content Placeholder 2"/>
-          <p:cNvSpPr>
-            <a:spLocks noGrp="1"/>
-          </p:cNvSpPr>
-          <p:nvPr>
-            <p:ph idx="1"/>
-          </p:nvPr>
-        </p:nvSpPr>
-        <p:spPr/>
-        <p:txBody>
-          <a:bodyPr/>
-          <a:lstStyle/>
-          <a:p>
-            <a:r>
-              <a:rPr lang="en-US" dirty="0"/>
-              <a:t>In this lesson, you’ve learned</a:t>
-            </a:r>
-          </a:p>
-          <a:p>
-            <a:pPr lvl="1"/>
-            <a:r>
-              <a:rPr lang="en-US" dirty="0"/>
-              <a:t>How to use Function Composition to write a function definition.</a:t>
-            </a:r>
-          </a:p>
-          <a:p>
-            <a:pPr lvl="1"/>
-            <a:r>
-              <a:rPr lang="en-US" dirty="0"/>
-              <a:t>When a function definition needs to be simplified by using help </a:t>
-            </a:r>
-            <a:r>
-              <a:rPr lang="en-US"/>
-              <a:t>functions.</a:t>
-            </a:r>
-            <a:endParaRPr lang="en-US" dirty="0"/>
-          </a:p>
-        </p:txBody>
-      </p:sp>
-      <p:sp>
-        <p:nvSpPr>
-          <p:cNvPr id="4" name="Slide Number Placeholder 3"/>
-          <p:cNvSpPr>
-            <a:spLocks noGrp="1"/>
-          </p:cNvSpPr>
-          <p:nvPr>
-            <p:ph type="sldNum" sz="quarter" idx="12"/>
-          </p:nvPr>
-        </p:nvSpPr>
-        <p:spPr/>
-        <p:txBody>
-          <a:bodyPr/>
-          <a:lstStyle/>
-          <a:p>
-            <a:fld id="{B6F15528-21DE-4FAA-801E-634DDDAF4B2B}" type="slidenum">
-              <a:rPr lang="en-US" smtClean="0"/>
-              <a:pPr/>
-              <a:t>16</a:t>
-            </a:fld>
-            <a:endParaRPr lang="en-US"/>
-          </a:p>
-        </p:txBody>
-      </p:sp>
-    </p:spTree>
-    <p:extLst>
-      <p:ext uri="{BB962C8B-B14F-4D97-AF65-F5344CB8AC3E}">
-        <p14:creationId xmlns:p14="http://schemas.microsoft.com/office/powerpoint/2010/main" val="4123687988"/>
-      </p:ext>
-    </p:extLst>
-  </p:cSld>
-  <p:clrMapOvr>
-    <a:masterClrMapping/>
-  </p:clrMapOvr>
-</p:sld>
-</file>
-
-<file path=ppt/slides/slide17.xml><?xml version="1.0" encoding="utf-8"?>
-<p:sld xmlns:a="http://schemas.openxmlformats.org/drawingml/2006/main" xmlns:r="http://schemas.openxmlformats.org/officeDocument/2006/relationships" xmlns:p="http://schemas.openxmlformats.org/presentationml/2006/main">
-  <p:cSld>
-    <p:spTree>
-      <p:nvGrpSpPr>
-        <p:cNvPr id="1" name=""/>
-        <p:cNvGrpSpPr/>
-        <p:nvPr/>
-      </p:nvGrpSpPr>
-      <p:grpSpPr>
-        <a:xfrm>
-          <a:off x="0" y="0"/>
-          <a:ext cx="0" cy="0"/>
-          <a:chOff x="0" y="0"/>
-          <a:chExt cx="0" cy="0"/>
-        </a:xfrm>
-      </p:grpSpPr>
-      <p:sp>
-        <p:nvSpPr>
-          <p:cNvPr id="2" name="Title 1"/>
-          <p:cNvSpPr>
-            <a:spLocks noGrp="1"/>
-          </p:cNvSpPr>
-          <p:nvPr>
-            <p:ph type="title"/>
-          </p:nvPr>
-        </p:nvSpPr>
-        <p:spPr/>
-        <p:txBody>
-          <a:bodyPr/>
-          <a:lstStyle/>
-          <a:p>
-            <a:r>
-              <a:rPr lang="en-US" dirty="0"/>
-              <a:t>Next Steps</a:t>
-            </a:r>
-          </a:p>
-        </p:txBody>
-      </p:sp>
-      <p:sp>
-        <p:nvSpPr>
-          <p:cNvPr id="3" name="Content Placeholder 2"/>
-          <p:cNvSpPr>
-            <a:spLocks noGrp="1"/>
-          </p:cNvSpPr>
-          <p:nvPr>
-            <p:ph idx="1"/>
-          </p:nvPr>
-        </p:nvSpPr>
-        <p:spPr/>
-        <p:txBody>
-          <a:bodyPr/>
-          <a:lstStyle/>
-          <a:p>
-            <a:r>
-              <a:rPr lang="en-US"/>
-              <a:t>Study the files </a:t>
-            </a:r>
-          </a:p>
-          <a:p>
-            <a:r>
-              <a:rPr lang="en-US" dirty="0"/>
-              <a:t>If you have questions or comments about this lesson, post them on the discussion board.</a:t>
-            </a:r>
-          </a:p>
-        </p:txBody>
-      </p:sp>
-      <p:sp>
-        <p:nvSpPr>
-          <p:cNvPr id="4" name="Slide Number Placeholder 3"/>
-          <p:cNvSpPr>
-            <a:spLocks noGrp="1"/>
-          </p:cNvSpPr>
-          <p:nvPr>
-            <p:ph type="sldNum" sz="quarter" idx="12"/>
-          </p:nvPr>
-        </p:nvSpPr>
-        <p:spPr/>
-        <p:txBody>
-          <a:bodyPr/>
-          <a:lstStyle/>
-          <a:p>
-            <a:fld id="{B6F15528-21DE-4FAA-801E-634DDDAF4B2B}" type="slidenum">
-              <a:rPr lang="en-US" smtClean="0"/>
-              <a:pPr/>
-              <a:t>17</a:t>
-            </a:fld>
-            <a:endParaRPr lang="en-US"/>
-          </a:p>
-        </p:txBody>
-      </p:sp>
-    </p:spTree>
-    <p:extLst>
-      <p:ext uri="{BB962C8B-B14F-4D97-AF65-F5344CB8AC3E}">
-        <p14:creationId xmlns:p14="http://schemas.microsoft.com/office/powerpoint/2010/main" val="1624485276"/>
-      </p:ext>
-    </p:extLst>
-  </p:cSld>
-  <p:clrMapOvr>
-    <a:masterClrMapping/>
-  </p:clrMapOvr>
-</p:sld>
-</file>
-
-<file path=ppt/slides/slide18.xml><?xml version="1.0" encoding="utf-8"?>
-<p:sld xmlns:a="http://schemas.openxmlformats.org/drawingml/2006/main" xmlns:r="http://schemas.openxmlformats.org/officeDocument/2006/relationships" xmlns:p="http://schemas.openxmlformats.org/presentationml/2006/main">
-  <p:cSld>
-    <p:spTree>
-      <p:nvGrpSpPr>
-        <p:cNvPr id="1" name=""/>
-        <p:cNvGrpSpPr/>
-        <p:nvPr/>
-      </p:nvGrpSpPr>
-      <p:grpSpPr>
-        <a:xfrm>
-          <a:off x="0" y="0"/>
-          <a:ext cx="0" cy="0"/>
-          <a:chOff x="0" y="0"/>
-          <a:chExt cx="0" cy="0"/>
-        </a:xfrm>
-      </p:grpSpPr>
-      <p:sp>
-        <p:nvSpPr>
-          <p:cNvPr id="2" name="Title 1"/>
-          <p:cNvSpPr>
-            <a:spLocks noGrp="1"/>
-          </p:cNvSpPr>
-          <p:nvPr>
-            <p:ph type="ctrTitle"/>
-          </p:nvPr>
-        </p:nvSpPr>
-        <p:spPr/>
-        <p:txBody>
-          <a:bodyPr/>
-          <a:lstStyle/>
-          <a:p>
-            <a:r>
-              <a:rPr lang="en-US" dirty="0"/>
-              <a:t>Design Strategies 3: Divide into cases</a:t>
-            </a:r>
-          </a:p>
-        </p:txBody>
-      </p:sp>
-      <p:sp>
-        <p:nvSpPr>
-          <p:cNvPr id="3" name="Subtitle 2"/>
-          <p:cNvSpPr>
-            <a:spLocks noGrp="1"/>
-          </p:cNvSpPr>
-          <p:nvPr>
-            <p:ph type="subTitle" idx="1"/>
-          </p:nvPr>
-        </p:nvSpPr>
-        <p:spPr/>
-        <p:txBody>
-          <a:bodyPr/>
-          <a:lstStyle/>
-          <a:p>
-            <a:r>
-              <a:rPr lang="en-US" dirty="0"/>
-              <a:t>CS 5010 Program Design Paradigms “Bootcamp”</a:t>
-            </a:r>
-          </a:p>
-          <a:p>
-            <a:r>
-              <a:rPr lang="en-US" dirty="0"/>
-              <a:t>Lesson 2.2</a:t>
-            </a:r>
-          </a:p>
-          <a:p>
-            <a:endParaRPr lang="en-US" dirty="0"/>
-          </a:p>
-        </p:txBody>
-      </p:sp>
-      <p:sp>
-        <p:nvSpPr>
-          <p:cNvPr id="7" name="Slide Number Placeholder 6"/>
-          <p:cNvSpPr>
-            <a:spLocks noGrp="1"/>
-          </p:cNvSpPr>
-          <p:nvPr>
-            <p:ph type="sldNum" sz="quarter" idx="12"/>
-          </p:nvPr>
-        </p:nvSpPr>
-        <p:spPr/>
-        <p:txBody>
-          <a:bodyPr/>
-          <a:lstStyle/>
-          <a:p>
-            <a:fld id="{B6F15528-21DE-4FAA-801E-634DDDAF4B2B}" type="slidenum">
-              <a:rPr lang="en-US" smtClean="0"/>
-              <a:pPr/>
-              <a:t>18</a:t>
             </a:fld>
             <a:endParaRPr lang="en-US" dirty="0"/>
           </a:p>
@@ -10014,7 +9335,7 @@
 </p:sld>
 </file>
 
-<file path=ppt/slides/slide19.xml><?xml version="1.0" encoding="utf-8"?>
+<file path=ppt/slides/slide15.xml><?xml version="1.0" encoding="utf-8"?>
 <p:sld xmlns:a="http://schemas.openxmlformats.org/drawingml/2006/main" xmlns:r="http://schemas.openxmlformats.org/officeDocument/2006/relationships" xmlns:p="http://schemas.openxmlformats.org/presentationml/2006/main">
   <p:cSld>
     <p:spTree>
@@ -11449,7 +10770,7 @@
           <a:p>
             <a:fld id="{2AF3B5EA-18B6-4040-9F78-6052AF49C681}" type="slidenum">
               <a:rPr lang="en-US" smtClean="0"/>
-              <a:t>19</a:t>
+              <a:t>15</a:t>
             </a:fld>
             <a:endParaRPr lang="en-US"/>
           </a:p>
@@ -11558,7 +10879,7 @@
 </p:sld>
 </file>
 
-<file path=ppt/slides/slide2.xml><?xml version="1.0" encoding="utf-8"?>
+<file path=ppt/slides/slide16.xml><?xml version="1.0" encoding="utf-8"?>
 <p:sld xmlns:a="http://schemas.openxmlformats.org/drawingml/2006/main" xmlns:r="http://schemas.openxmlformats.org/officeDocument/2006/relationships" xmlns:p="http://schemas.openxmlformats.org/presentationml/2006/main">
   <p:cSld>
     <p:spTree>
@@ -11587,12 +10908,14 @@
         </p:nvSpPr>
         <p:spPr/>
         <p:txBody>
-          <a:bodyPr/>
+          <a:bodyPr>
+            <a:normAutofit/>
+          </a:bodyPr>
           <a:lstStyle/>
           <a:p>
             <a:r>
               <a:rPr lang="en-US" dirty="0"/>
-              <a:t>Learning Objectives</a:t>
+              <a:t>Divide into cases on &lt;condition&gt;</a:t>
             </a:r>
           </a:p>
         </p:txBody>
@@ -11609,12 +10932,132 @@
         </p:nvSpPr>
         <p:spPr/>
         <p:txBody>
-          <a:bodyPr/>
+          <a:bodyPr>
+            <a:normAutofit lnSpcReduction="10000"/>
+          </a:bodyPr>
           <a:lstStyle/>
           <a:p>
             <a:r>
               <a:rPr lang="en-US" dirty="0"/>
-              <a:t>At the end of this lesson, the student should be able to define short functions by composing existing functions.</a:t>
+              <a:t>Sometimes you need to break up an argument in some way other than by its template.</a:t>
+            </a:r>
+          </a:p>
+          <a:p>
+            <a:r>
+              <a:rPr lang="en-US" dirty="0"/>
+              <a:t>We already saw this in Lesson 0.4 in the definition of </a:t>
+            </a:r>
+            <a:r>
+              <a:rPr lang="en-US" b="1" dirty="0"/>
+              <a:t>abs:</a:t>
+            </a:r>
+          </a:p>
+          <a:p>
+            <a:endParaRPr lang="en-US" b="1" dirty="0"/>
+          </a:p>
+          <a:p>
+            <a:pPr marL="0" indent="0">
+              <a:spcBef>
+                <a:spcPts val="0"/>
+              </a:spcBef>
+              <a:buNone/>
+            </a:pPr>
+            <a:r>
+              <a:rPr lang="en-US" sz="2000" b="1" dirty="0">
+                <a:latin typeface="Consolas" panose="020B0609020204030204" pitchFamily="49" charset="0"/>
+                <a:cs typeface="Consolas" panose="020B0609020204030204" pitchFamily="49" charset="0"/>
+              </a:rPr>
+              <a:t>; abs : Real -&gt; Real</a:t>
+            </a:r>
+          </a:p>
+          <a:p>
+            <a:pPr marL="0" indent="0">
+              <a:spcBef>
+                <a:spcPts val="0"/>
+              </a:spcBef>
+              <a:buNone/>
+            </a:pPr>
+            <a:r>
+              <a:rPr lang="en-US" sz="2000" b="1" dirty="0">
+                <a:latin typeface="Consolas" panose="020B0609020204030204" pitchFamily="49" charset="0"/>
+                <a:cs typeface="Consolas" panose="020B0609020204030204" pitchFamily="49" charset="0"/>
+              </a:rPr>
+              <a:t>; RETURNS: the absolute value of the given real number.</a:t>
+            </a:r>
+          </a:p>
+          <a:p>
+            <a:pPr marL="0" indent="0">
+              <a:spcBef>
+                <a:spcPts val="0"/>
+              </a:spcBef>
+              <a:buNone/>
+            </a:pPr>
+            <a:r>
+              <a:rPr lang="en-US" sz="2000" b="1" dirty="0">
+                <a:latin typeface="Consolas" panose="020B0609020204030204" pitchFamily="49" charset="0"/>
+                <a:cs typeface="Consolas" panose="020B0609020204030204" pitchFamily="49" charset="0"/>
+              </a:rPr>
+              <a:t>; STRATEGY: divide into cases on sign of x</a:t>
+            </a:r>
+          </a:p>
+          <a:p>
+            <a:pPr marL="0" indent="0">
+              <a:spcBef>
+                <a:spcPts val="0"/>
+              </a:spcBef>
+              <a:buNone/>
+            </a:pPr>
+            <a:r>
+              <a:rPr lang="en-US" sz="2000" b="1" dirty="0">
+                <a:latin typeface="Consolas" panose="020B0609020204030204" pitchFamily="49" charset="0"/>
+                <a:cs typeface="Consolas" panose="020B0609020204030204" pitchFamily="49" charset="0"/>
+              </a:rPr>
+              <a:t>(define (abs x)</a:t>
+            </a:r>
+          </a:p>
+          <a:p>
+            <a:pPr marL="0" indent="0">
+              <a:spcBef>
+                <a:spcPts val="0"/>
+              </a:spcBef>
+              <a:buNone/>
+            </a:pPr>
+            <a:r>
+              <a:rPr lang="en-US" sz="2000" b="1" dirty="0">
+                <a:latin typeface="Consolas" panose="020B0609020204030204" pitchFamily="49" charset="0"/>
+                <a:cs typeface="Consolas" panose="020B0609020204030204" pitchFamily="49" charset="0"/>
+              </a:rPr>
+              <a:t>  (if (&lt; x 0)</a:t>
+            </a:r>
+          </a:p>
+          <a:p>
+            <a:pPr marL="0" indent="0">
+              <a:spcBef>
+                <a:spcPts val="0"/>
+              </a:spcBef>
+              <a:buNone/>
+            </a:pPr>
+            <a:r>
+              <a:rPr lang="en-US" sz="2000" b="1" dirty="0">
+                <a:latin typeface="Consolas" panose="020B0609020204030204" pitchFamily="49" charset="0"/>
+                <a:cs typeface="Consolas" panose="020B0609020204030204" pitchFamily="49" charset="0"/>
+              </a:rPr>
+              <a:t>      (- 0 x)</a:t>
+            </a:r>
+          </a:p>
+          <a:p>
+            <a:pPr marL="0" indent="0">
+              <a:spcBef>
+                <a:spcPts val="0"/>
+              </a:spcBef>
+              <a:buNone/>
+            </a:pPr>
+            <a:r>
+              <a:rPr lang="en-US" sz="2000" b="1" dirty="0">
+                <a:latin typeface="Consolas" panose="020B0609020204030204" pitchFamily="49" charset="0"/>
+                <a:cs typeface="Consolas" panose="020B0609020204030204" pitchFamily="49" charset="0"/>
+              </a:rPr>
+              <a:t>      x))</a:t>
             </a:r>
           </a:p>
         </p:txBody>
@@ -11637,16 +11080,16 @@
             <a:fld id="{B6F15528-21DE-4FAA-801E-634DDDAF4B2B}" type="slidenum">
               <a:rPr lang="en-US" smtClean="0"/>
               <a:pPr/>
-              <a:t>2</a:t>
+              <a:t>16</a:t>
             </a:fld>
-            <a:endParaRPr lang="en-US"/>
+            <a:endParaRPr lang="en-US" dirty="0"/>
           </a:p>
         </p:txBody>
       </p:sp>
     </p:spTree>
     <p:extLst>
       <p:ext uri="{BB962C8B-B14F-4D97-AF65-F5344CB8AC3E}">
-        <p14:creationId xmlns:p14="http://schemas.microsoft.com/office/powerpoint/2010/main" val="1921761899"/>
+        <p14:creationId xmlns:p14="http://schemas.microsoft.com/office/powerpoint/2010/main" val="2557977111"/>
       </p:ext>
     </p:extLst>
   </p:cSld>
@@ -11656,7 +11099,7 @@
 </p:sld>
 </file>
 
-<file path=ppt/slides/slide20.xml><?xml version="1.0" encoding="utf-8"?>
+<file path=ppt/slides/slide17.xml><?xml version="1.0" encoding="utf-8"?>
 <p:sld xmlns:a="http://schemas.openxmlformats.org/drawingml/2006/main" xmlns:r="http://schemas.openxmlformats.org/officeDocument/2006/relationships" xmlns:p="http://schemas.openxmlformats.org/presentationml/2006/main">
   <p:cSld>
     <p:spTree>
@@ -11685,14 +11128,12 @@
         </p:nvSpPr>
         <p:spPr/>
         <p:txBody>
-          <a:bodyPr>
-            <a:normAutofit/>
-          </a:bodyPr>
+          <a:bodyPr/>
           <a:lstStyle/>
           <a:p>
             <a:r>
               <a:rPr lang="en-US" dirty="0"/>
-              <a:t>Divide into cases on &lt;condition&gt;</a:t>
+              <a:t>Example: income tax</a:t>
             </a:r>
           </a:p>
         </p:txBody>
@@ -11709,132 +11150,39 @@
         </p:nvSpPr>
         <p:spPr/>
         <p:txBody>
-          <a:bodyPr>
-            <a:normAutofit lnSpcReduction="10000"/>
-          </a:bodyPr>
+          <a:bodyPr/>
           <a:lstStyle/>
           <a:p>
             <a:r>
               <a:rPr lang="en-US" dirty="0"/>
-              <a:t>Sometimes you need to break up an argument in some way other than by its template.</a:t>
-            </a:r>
-          </a:p>
-          <a:p>
+              <a:t>Imagine we are computing income tax in a system where there are three rates:</a:t>
+            </a:r>
+          </a:p>
+          <a:p>
+            <a:pPr lvl="1"/>
             <a:r>
               <a:rPr lang="en-US" dirty="0"/>
-              <a:t>We already saw this in Lesson 0.4 in the definition of </a:t>
-            </a:r>
-            <a:r>
-              <a:rPr lang="en-US" b="1" dirty="0"/>
-              <a:t>abs:</a:t>
-            </a:r>
-          </a:p>
-          <a:p>
-            <a:endParaRPr lang="en-US" b="1" dirty="0"/>
-          </a:p>
-          <a:p>
-            <a:pPr marL="0" indent="0">
-              <a:spcBef>
-                <a:spcPts val="0"/>
-              </a:spcBef>
-              <a:buNone/>
-            </a:pPr>
-            <a:r>
-              <a:rPr lang="en-US" sz="2000" b="1" dirty="0">
-                <a:latin typeface="Consolas" panose="020B0609020204030204" pitchFamily="49" charset="0"/>
-                <a:cs typeface="Consolas" panose="020B0609020204030204" pitchFamily="49" charset="0"/>
-              </a:rPr>
-              <a:t>; abs : Real -&gt; Real</a:t>
-            </a:r>
-          </a:p>
-          <a:p>
-            <a:pPr marL="0" indent="0">
-              <a:spcBef>
-                <a:spcPts val="0"/>
-              </a:spcBef>
-              <a:buNone/>
-            </a:pPr>
-            <a:r>
-              <a:rPr lang="en-US" sz="2000" b="1" dirty="0">
-                <a:latin typeface="Consolas" panose="020B0609020204030204" pitchFamily="49" charset="0"/>
-                <a:cs typeface="Consolas" panose="020B0609020204030204" pitchFamily="49" charset="0"/>
-              </a:rPr>
-              <a:t>; RETURNS: the absolute value of the given real number.</a:t>
-            </a:r>
-          </a:p>
-          <a:p>
-            <a:pPr marL="0" indent="0">
-              <a:spcBef>
-                <a:spcPts val="0"/>
-              </a:spcBef>
-              <a:buNone/>
-            </a:pPr>
-            <a:r>
-              <a:rPr lang="en-US" sz="2000" b="1" dirty="0">
-                <a:latin typeface="Consolas" panose="020B0609020204030204" pitchFamily="49" charset="0"/>
-                <a:cs typeface="Consolas" panose="020B0609020204030204" pitchFamily="49" charset="0"/>
-              </a:rPr>
-              <a:t>; STRATEGY: divide into cases on sign of x</a:t>
-            </a:r>
-          </a:p>
-          <a:p>
-            <a:pPr marL="0" indent="0">
-              <a:spcBef>
-                <a:spcPts val="0"/>
-              </a:spcBef>
-              <a:buNone/>
-            </a:pPr>
-            <a:r>
-              <a:rPr lang="en-US" sz="2000" b="1" dirty="0">
-                <a:latin typeface="Consolas" panose="020B0609020204030204" pitchFamily="49" charset="0"/>
-                <a:cs typeface="Consolas" panose="020B0609020204030204" pitchFamily="49" charset="0"/>
-              </a:rPr>
-              <a:t>(define (abs x)</a:t>
-            </a:r>
-          </a:p>
-          <a:p>
-            <a:pPr marL="0" indent="0">
-              <a:spcBef>
-                <a:spcPts val="0"/>
-              </a:spcBef>
-              <a:buNone/>
-            </a:pPr>
-            <a:r>
-              <a:rPr lang="en-US" sz="2000" b="1" dirty="0">
-                <a:latin typeface="Consolas" panose="020B0609020204030204" pitchFamily="49" charset="0"/>
-                <a:cs typeface="Consolas" panose="020B0609020204030204" pitchFamily="49" charset="0"/>
-              </a:rPr>
-              <a:t>  (if (&lt; x 0)</a:t>
-            </a:r>
-          </a:p>
-          <a:p>
-            <a:pPr marL="0" indent="0">
-              <a:spcBef>
-                <a:spcPts val="0"/>
-              </a:spcBef>
-              <a:buNone/>
-            </a:pPr>
-            <a:r>
-              <a:rPr lang="en-US" sz="2000" b="1" dirty="0">
-                <a:latin typeface="Consolas" panose="020B0609020204030204" pitchFamily="49" charset="0"/>
-                <a:cs typeface="Consolas" panose="020B0609020204030204" pitchFamily="49" charset="0"/>
-              </a:rPr>
-              <a:t>      (- 0 x)</a:t>
-            </a:r>
-          </a:p>
-          <a:p>
-            <a:pPr marL="0" indent="0">
-              <a:spcBef>
-                <a:spcPts val="0"/>
-              </a:spcBef>
-              <a:buNone/>
-            </a:pPr>
-            <a:r>
-              <a:rPr lang="en-US" sz="2000" b="1" dirty="0">
-                <a:latin typeface="Consolas" panose="020B0609020204030204" pitchFamily="49" charset="0"/>
-                <a:cs typeface="Consolas" panose="020B0609020204030204" pitchFamily="49" charset="0"/>
-              </a:rPr>
-              <a:t>      x))</a:t>
+              <a:t>One on incomes less than $10,000</a:t>
+            </a:r>
+          </a:p>
+          <a:p>
+            <a:pPr lvl="1"/>
+            <a:r>
+              <a:rPr lang="en-US" dirty="0"/>
+              <a:t>One on incomes between $10,000 and $20,000</a:t>
+            </a:r>
+          </a:p>
+          <a:p>
+            <a:pPr lvl="1"/>
+            <a:r>
+              <a:rPr lang="en-US" dirty="0"/>
+              <a:t>One on incomes of $20,000 and over</a:t>
+            </a:r>
+          </a:p>
+          <a:p>
+            <a:r>
+              <a:rPr lang="en-US" dirty="0"/>
+              <a:t>The natural thing to do is to partition the income into three cases, corresponding to these three income ranges.</a:t>
             </a:r>
           </a:p>
         </p:txBody>
@@ -11857,7 +11205,7 @@
             <a:fld id="{B6F15528-21DE-4FAA-801E-634DDDAF4B2B}" type="slidenum">
               <a:rPr lang="en-US" smtClean="0"/>
               <a:pPr/>
-              <a:t>20</a:t>
+              <a:t>17</a:t>
             </a:fld>
             <a:endParaRPr lang="en-US" dirty="0"/>
           </a:p>
@@ -11866,7 +11214,7 @@
     </p:spTree>
     <p:extLst>
       <p:ext uri="{BB962C8B-B14F-4D97-AF65-F5344CB8AC3E}">
-        <p14:creationId xmlns:p14="http://schemas.microsoft.com/office/powerpoint/2010/main" val="2557977111"/>
+        <p14:creationId xmlns:p14="http://schemas.microsoft.com/office/powerpoint/2010/main" val="461952826"/>
       </p:ext>
     </p:extLst>
   </p:cSld>
@@ -11876,7 +11224,7 @@
 </p:sld>
 </file>
 
-<file path=ppt/slides/slide21.xml><?xml version="1.0" encoding="utf-8"?>
+<file path=ppt/slides/slide18.xml><?xml version="1.0" encoding="utf-8"?>
 <p:sld xmlns:a="http://schemas.openxmlformats.org/drawingml/2006/main" xmlns:r="http://schemas.openxmlformats.org/officeDocument/2006/relationships" xmlns:p="http://schemas.openxmlformats.org/presentationml/2006/main">
   <p:cSld>
     <p:spTree>
@@ -11905,61 +11253,30 @@
         </p:nvSpPr>
         <p:spPr/>
         <p:txBody>
-          <a:bodyPr/>
+          <a:bodyPr>
+            <a:normAutofit fontScale="90000"/>
+          </a:bodyPr>
           <a:lstStyle/>
           <a:p>
             <a:r>
               <a:rPr lang="en-US" dirty="0"/>
-              <a:t>Example: income tax</a:t>
-            </a:r>
-          </a:p>
-        </p:txBody>
-      </p:sp>
-      <p:sp>
-        <p:nvSpPr>
-          <p:cNvPr id="3" name="Content Placeholder 2"/>
-          <p:cNvSpPr>
-            <a:spLocks noGrp="1"/>
-          </p:cNvSpPr>
-          <p:nvPr>
-            <p:ph idx="1"/>
-          </p:nvPr>
-        </p:nvSpPr>
-        <p:spPr/>
-        <p:txBody>
-          <a:bodyPr/>
-          <a:lstStyle/>
-          <a:p>
+              <a:t>Write a </a:t>
+            </a:r>
+            <a:r>
+              <a:rPr lang="en-US" b="1" dirty="0"/>
+              <a:t>cond</a:t>
+            </a:r>
             <a:r>
               <a:rPr lang="en-US" dirty="0"/>
-              <a:t>Imagine we are computing income tax in a system where there are three rates:</a:t>
-            </a:r>
-          </a:p>
-          <a:p>
-            <a:pPr lvl="1"/>
+              <a:t> or </a:t>
+            </a:r>
+            <a:r>
+              <a:rPr lang="en-US" b="1" dirty="0"/>
+              <a:t>if </a:t>
+            </a:r>
             <a:r>
               <a:rPr lang="en-US" dirty="0"/>
-              <a:t>One on incomes less than $10,000</a:t>
-            </a:r>
-          </a:p>
-          <a:p>
-            <a:pPr lvl="1"/>
-            <a:r>
-              <a:rPr lang="en-US" dirty="0"/>
-              <a:t>One on incomes between $10,000 and $20,000</a:t>
-            </a:r>
-          </a:p>
-          <a:p>
-            <a:pPr lvl="1"/>
-            <a:r>
-              <a:rPr lang="en-US" dirty="0"/>
-              <a:t>One on incomes of $20,000 and over</a:t>
-            </a:r>
-          </a:p>
-          <a:p>
-            <a:r>
-              <a:rPr lang="en-US" dirty="0"/>
-              <a:t>The natural thing to do is to partition the income into three cases, corresponding to these three income ranges.</a:t>
+              <a:t>that divides the data into the desired cases </a:t>
             </a:r>
           </a:p>
         </p:txBody>
@@ -11982,101 +11299,7 @@
             <a:fld id="{B6F15528-21DE-4FAA-801E-634DDDAF4B2B}" type="slidenum">
               <a:rPr lang="en-US" smtClean="0"/>
               <a:pPr/>
-              <a:t>21</a:t>
-            </a:fld>
-            <a:endParaRPr lang="en-US" dirty="0"/>
-          </a:p>
-        </p:txBody>
-      </p:sp>
-    </p:spTree>
-    <p:extLst>
-      <p:ext uri="{BB962C8B-B14F-4D97-AF65-F5344CB8AC3E}">
-        <p14:creationId xmlns:p14="http://schemas.microsoft.com/office/powerpoint/2010/main" val="461952826"/>
-      </p:ext>
-    </p:extLst>
-  </p:cSld>
-  <p:clrMapOvr>
-    <a:masterClrMapping/>
-  </p:clrMapOvr>
-</p:sld>
-</file>
-
-<file path=ppt/slides/slide22.xml><?xml version="1.0" encoding="utf-8"?>
-<p:sld xmlns:a="http://schemas.openxmlformats.org/drawingml/2006/main" xmlns:r="http://schemas.openxmlformats.org/officeDocument/2006/relationships" xmlns:p="http://schemas.openxmlformats.org/presentationml/2006/main">
-  <p:cSld>
-    <p:spTree>
-      <p:nvGrpSpPr>
-        <p:cNvPr id="1" name=""/>
-        <p:cNvGrpSpPr/>
-        <p:nvPr/>
-      </p:nvGrpSpPr>
-      <p:grpSpPr>
-        <a:xfrm>
-          <a:off x="0" y="0"/>
-          <a:ext cx="0" cy="0"/>
-          <a:chOff x="0" y="0"/>
-          <a:chExt cx="0" cy="0"/>
-        </a:xfrm>
-      </p:grpSpPr>
-      <p:sp>
-        <p:nvSpPr>
-          <p:cNvPr id="2" name="Title 1"/>
-          <p:cNvSpPr>
-            <a:spLocks noGrp="1"/>
-          </p:cNvSpPr>
-          <p:nvPr>
-            <p:ph type="title"/>
-          </p:nvPr>
-        </p:nvSpPr>
-        <p:spPr/>
-        <p:txBody>
-          <a:bodyPr>
-            <a:normAutofit fontScale="90000"/>
-          </a:bodyPr>
-          <a:lstStyle/>
-          <a:p>
-            <a:r>
-              <a:rPr lang="en-US" dirty="0"/>
-              <a:t>Write a </a:t>
-            </a:r>
-            <a:r>
-              <a:rPr lang="en-US" b="1" dirty="0"/>
-              <a:t>cond</a:t>
-            </a:r>
-            <a:r>
-              <a:rPr lang="en-US" dirty="0"/>
-              <a:t> or </a:t>
-            </a:r>
-            <a:r>
-              <a:rPr lang="en-US" b="1" dirty="0"/>
-              <a:t>if </a:t>
-            </a:r>
-            <a:r>
-              <a:rPr lang="en-US" dirty="0"/>
-              <a:t>that divides the data into the desired cases </a:t>
-            </a:r>
-          </a:p>
-        </p:txBody>
-      </p:sp>
-      <p:sp>
-        <p:nvSpPr>
-          <p:cNvPr id="4" name="Slide Number Placeholder 3"/>
-          <p:cNvSpPr>
-            <a:spLocks noGrp="1"/>
-          </p:cNvSpPr>
-          <p:nvPr>
-            <p:ph type="sldNum" sz="quarter" idx="12"/>
-          </p:nvPr>
-        </p:nvSpPr>
-        <p:spPr/>
-        <p:txBody>
-          <a:bodyPr/>
-          <a:lstStyle/>
-          <a:p>
-            <a:fld id="{B6F15528-21DE-4FAA-801E-634DDDAF4B2B}" type="slidenum">
-              <a:rPr lang="en-US" smtClean="0"/>
-              <a:pPr/>
-              <a:t>22</a:t>
+              <a:t>18</a:t>
             </a:fld>
             <a:endParaRPr lang="en-US" dirty="0"/>
           </a:p>
@@ -12214,7 +11437,7 @@
 </p:sld>
 </file>
 
-<file path=ppt/slides/slide23.xml><?xml version="1.0" encoding="utf-8"?>
+<file path=ppt/slides/slide19.xml><?xml version="1.0" encoding="utf-8"?>
 <p:sld xmlns:a="http://schemas.openxmlformats.org/drawingml/2006/main" xmlns:r="http://schemas.openxmlformats.org/officeDocument/2006/relationships" xmlns:p="http://schemas.openxmlformats.org/presentationml/2006/main">
   <p:cSld>
     <p:spTree>
@@ -12623,7 +11846,126 @@
 </p:sld>
 </file>
 
-<file path=ppt/slides/slide24.xml><?xml version="1.0" encoding="utf-8"?>
+<file path=ppt/slides/slide2.xml><?xml version="1.0" encoding="utf-8"?>
+<p:sld xmlns:a="http://schemas.openxmlformats.org/drawingml/2006/main" xmlns:r="http://schemas.openxmlformats.org/officeDocument/2006/relationships" xmlns:p="http://schemas.openxmlformats.org/presentationml/2006/main">
+  <p:cSld>
+    <p:spTree>
+      <p:nvGrpSpPr>
+        <p:cNvPr id="1" name=""/>
+        <p:cNvGrpSpPr/>
+        <p:nvPr/>
+      </p:nvGrpSpPr>
+      <p:grpSpPr>
+        <a:xfrm>
+          <a:off x="0" y="0"/>
+          <a:ext cx="0" cy="0"/>
+          <a:chOff x="0" y="0"/>
+          <a:chExt cx="0" cy="0"/>
+        </a:xfrm>
+      </p:grpSpPr>
+      <p:sp>
+        <p:nvSpPr>
+          <p:cNvPr id="2" name="Title 1"/>
+          <p:cNvSpPr>
+            <a:spLocks noGrp="1"/>
+          </p:cNvSpPr>
+          <p:nvPr>
+            <p:ph type="title"/>
+          </p:nvPr>
+        </p:nvSpPr>
+        <p:spPr/>
+        <p:txBody>
+          <a:bodyPr/>
+          <a:lstStyle/>
+          <a:p>
+            <a:r>
+              <a:rPr lang="en-US" dirty="0"/>
+              <a:t>Learning Objectives</a:t>
+            </a:r>
+          </a:p>
+        </p:txBody>
+      </p:sp>
+      <p:sp>
+        <p:nvSpPr>
+          <p:cNvPr id="3" name="Content Placeholder 2"/>
+          <p:cNvSpPr>
+            <a:spLocks noGrp="1"/>
+          </p:cNvSpPr>
+          <p:nvPr>
+            <p:ph idx="1"/>
+          </p:nvPr>
+        </p:nvSpPr>
+        <p:spPr/>
+        <p:txBody>
+          <a:bodyPr/>
+          <a:lstStyle/>
+          <a:p>
+            <a:r>
+              <a:rPr lang="en-US" dirty="0"/>
+              <a:t>At the end of this lesson, the student should be able to recognize and use the design strategies:</a:t>
+            </a:r>
+          </a:p>
+          <a:p>
+            <a:pPr lvl="1"/>
+            <a:r>
+              <a:rPr lang="en-US" dirty="0"/>
+              <a:t>transcribe formula</a:t>
+            </a:r>
+          </a:p>
+          <a:p>
+            <a:pPr lvl="1"/>
+            <a:r>
+              <a:rPr lang="en-US" dirty="0"/>
+              <a:t>divide into cases</a:t>
+            </a:r>
+          </a:p>
+          <a:p>
+            <a:pPr lvl="1"/>
+            <a:r>
+              <a:rPr lang="en-US" dirty="0"/>
+              <a:t>use template</a:t>
+            </a:r>
+          </a:p>
+        </p:txBody>
+      </p:sp>
+      <p:sp>
+        <p:nvSpPr>
+          <p:cNvPr id="4" name="Slide Number Placeholder 3"/>
+          <p:cNvSpPr>
+            <a:spLocks noGrp="1"/>
+          </p:cNvSpPr>
+          <p:nvPr>
+            <p:ph type="sldNum" sz="quarter" idx="12"/>
+          </p:nvPr>
+        </p:nvSpPr>
+        <p:spPr/>
+        <p:txBody>
+          <a:bodyPr/>
+          <a:lstStyle/>
+          <a:p>
+            <a:fld id="{B6F15528-21DE-4FAA-801E-634DDDAF4B2B}" type="slidenum">
+              <a:rPr lang="en-US" smtClean="0"/>
+              <a:pPr/>
+              <a:t>2</a:t>
+            </a:fld>
+            <a:endParaRPr lang="en-US"/>
+          </a:p>
+        </p:txBody>
+      </p:sp>
+    </p:spTree>
+    <p:extLst>
+      <p:ext uri="{BB962C8B-B14F-4D97-AF65-F5344CB8AC3E}">
+        <p14:creationId xmlns:p14="http://schemas.microsoft.com/office/powerpoint/2010/main" val="1921761899"/>
+      </p:ext>
+    </p:extLst>
+  </p:cSld>
+  <p:clrMapOvr>
+    <a:masterClrMapping/>
+  </p:clrMapOvr>
+</p:sld>
+</file>
+
+<file path=ppt/slides/slide20.xml><?xml version="1.0" encoding="utf-8"?>
 <p:sld xmlns:a="http://schemas.openxmlformats.org/drawingml/2006/main" xmlns:r="http://schemas.openxmlformats.org/officeDocument/2006/relationships" xmlns:p="http://schemas.openxmlformats.org/presentationml/2006/main">
   <p:cSld>
     <p:spTree>
@@ -13054,7 +12396,7 @@
 </p:sld>
 </file>
 
-<file path=ppt/slides/slide25.xml><?xml version="1.0" encoding="utf-8"?>
+<file path=ppt/slides/slide21.xml><?xml version="1.0" encoding="utf-8"?>
 <p:sld xmlns:a="http://schemas.openxmlformats.org/drawingml/2006/main" xmlns:r="http://schemas.openxmlformats.org/officeDocument/2006/relationships" xmlns:p="http://schemas.openxmlformats.org/presentationml/2006/main">
   <p:cSld>
     <p:spTree>
@@ -13195,7 +12537,7 @@
             <a:fld id="{B6F15528-21DE-4FAA-801E-634DDDAF4B2B}" type="slidenum">
               <a:rPr lang="en-US" smtClean="0"/>
               <a:pPr/>
-              <a:t>25</a:t>
+              <a:t>21</a:t>
             </a:fld>
             <a:endParaRPr lang="en-US" dirty="0"/>
           </a:p>
@@ -13214,7 +12556,7 @@
 </p:sld>
 </file>
 
-<file path=ppt/slides/slide26.xml><?xml version="1.0" encoding="utf-8"?>
+<file path=ppt/slides/slide22.xml><?xml version="1.0" encoding="utf-8"?>
 <p:sld xmlns:a="http://schemas.openxmlformats.org/drawingml/2006/main" xmlns:r="http://schemas.openxmlformats.org/officeDocument/2006/relationships" xmlns:p="http://schemas.openxmlformats.org/presentationml/2006/main">
   <p:cSld>
     <p:spTree>
@@ -13305,7 +12647,7 @@
             <a:fld id="{B6F15528-21DE-4FAA-801E-634DDDAF4B2B}" type="slidenum">
               <a:rPr lang="en-US" smtClean="0"/>
               <a:pPr/>
-              <a:t>26</a:t>
+              <a:t>22</a:t>
             </a:fld>
             <a:endParaRPr lang="en-US" dirty="0"/>
           </a:p>
@@ -13324,7 +12666,7 @@
 </p:sld>
 </file>
 
-<file path=ppt/slides/slide27.xml><?xml version="1.0" encoding="utf-8"?>
+<file path=ppt/slides/slide23.xml><?xml version="1.0" encoding="utf-8"?>
 <p:sld xmlns:a="http://schemas.openxmlformats.org/drawingml/2006/main" xmlns:r="http://schemas.openxmlformats.org/officeDocument/2006/relationships" xmlns:p="http://schemas.openxmlformats.org/presentationml/2006/main">
   <p:cSld>
     <p:spTree>
@@ -13409,7 +12751,7 @@
             <a:fld id="{B6F15528-21DE-4FAA-801E-634DDDAF4B2B}" type="slidenum">
               <a:rPr lang="en-US" smtClean="0"/>
               <a:pPr/>
-              <a:t>27</a:t>
+              <a:t>23</a:t>
             </a:fld>
             <a:endParaRPr lang="en-US" dirty="0"/>
           </a:p>
@@ -13457,12 +12799,14 @@
         </p:nvSpPr>
         <p:spPr/>
         <p:txBody>
-          <a:bodyPr/>
+          <a:bodyPr>
+            <a:normAutofit fontScale="90000"/>
+          </a:bodyPr>
           <a:lstStyle/>
           <a:p>
             <a:r>
               <a:rPr lang="en-US" dirty="0"/>
-              <a:t>Introduction</a:t>
+              <a:t>Review: Programs are sets of Functions</a:t>
             </a:r>
           </a:p>
         </p:txBody>
@@ -13480,20 +12824,55 @@
         <p:spPr/>
         <p:txBody>
           <a:bodyPr>
-            <a:normAutofit/>
+            <a:normAutofit fontScale="92500" lnSpcReduction="10000"/>
           </a:bodyPr>
           <a:lstStyle/>
           <a:p>
             <a:r>
               <a:rPr lang="en-US" dirty="0"/>
-              <a:t>In this lesson, you will learn about Steps 4 and 5 of the design recipe:  Design Strategies and Function Definitions.</a:t>
-            </a:r>
-          </a:p>
-          <a:p>
+              <a:t>We organize our programs as sets of </a:t>
+            </a:r>
+            <a:r>
+              <a:rPr lang="en-US" i="1" dirty="0"/>
+              <a:t>functions</a:t>
+            </a:r>
             <a:r>
               <a:rPr lang="en-US" dirty="0"/>
-              <a:t>We will start with the simplest design strategy: Combine Simpler Functions</a:t>
-            </a:r>
+              <a:t>.</a:t>
+            </a:r>
+          </a:p>
+          <a:p>
+            <a:r>
+              <a:rPr lang="en-US" dirty="0"/>
+              <a:t>A function takes an argument (or arguments) and returns a result.</a:t>
+            </a:r>
+          </a:p>
+          <a:p>
+            <a:r>
+              <a:rPr lang="en-US" dirty="0"/>
+              <a:t>The contract says what kind of data the argument and result are.</a:t>
+            </a:r>
+          </a:p>
+          <a:p>
+            <a:r>
+              <a:rPr lang="en-US" dirty="0"/>
+              <a:t>Purpose statement describes how the result depends on the argument.</a:t>
+            </a:r>
+          </a:p>
+          <a:p>
+            <a:r>
+              <a:rPr lang="en-US" dirty="0"/>
+              <a:t>The design strategy is a short description of how to get from the purpose statement to the code.</a:t>
+            </a:r>
+          </a:p>
+          <a:p>
+            <a:endParaRPr lang="en-US" dirty="0"/>
+          </a:p>
+          <a:p>
+            <a:pPr>
+              <a:buNone/>
+            </a:pPr>
+            <a:endParaRPr lang="en-US" dirty="0"/>
           </a:p>
         </p:txBody>
       </p:sp>
@@ -13524,7 +12903,7 @@
     </p:spTree>
     <p:extLst>
       <p:ext uri="{BB962C8B-B14F-4D97-AF65-F5344CB8AC3E}">
-        <p14:creationId xmlns:p14="http://schemas.microsoft.com/office/powerpoint/2010/main" val="543480338"/>
+        <p14:creationId xmlns:p14="http://schemas.microsoft.com/office/powerpoint/2010/main" val="1716411995"/>
       </p:ext>
     </p:extLst>
   </p:cSld>
@@ -13568,147 +12947,6 @@
           <a:p>
             <a:r>
               <a:rPr lang="en-US" dirty="0"/>
-              <a:t>Programs are sets of Functions</a:t>
-            </a:r>
-          </a:p>
-        </p:txBody>
-      </p:sp>
-      <p:sp>
-        <p:nvSpPr>
-          <p:cNvPr id="3" name="Content Placeholder 2"/>
-          <p:cNvSpPr>
-            <a:spLocks noGrp="1"/>
-          </p:cNvSpPr>
-          <p:nvPr>
-            <p:ph idx="1"/>
-          </p:nvPr>
-        </p:nvSpPr>
-        <p:spPr/>
-        <p:txBody>
-          <a:bodyPr>
-            <a:normAutofit fontScale="92500" lnSpcReduction="10000"/>
-          </a:bodyPr>
-          <a:lstStyle/>
-          <a:p>
-            <a:r>
-              <a:rPr lang="en-US" dirty="0"/>
-              <a:t>We organize our programs as sets of </a:t>
-            </a:r>
-            <a:r>
-              <a:rPr lang="en-US" i="1" dirty="0"/>
-              <a:t>functions</a:t>
-            </a:r>
-            <a:r>
-              <a:rPr lang="en-US" dirty="0"/>
-              <a:t>.</a:t>
-            </a:r>
-          </a:p>
-          <a:p>
-            <a:r>
-              <a:rPr lang="en-US" dirty="0"/>
-              <a:t>A function takes an argument (or arguments) and returns a result.</a:t>
-            </a:r>
-          </a:p>
-          <a:p>
-            <a:r>
-              <a:rPr lang="en-US" dirty="0"/>
-              <a:t>The contract says what kind of data the argument and result are.</a:t>
-            </a:r>
-          </a:p>
-          <a:p>
-            <a:r>
-              <a:rPr lang="en-US" dirty="0"/>
-              <a:t>Purpose statement describes how the result depends on the argument.</a:t>
-            </a:r>
-          </a:p>
-          <a:p>
-            <a:r>
-              <a:rPr lang="en-US" dirty="0"/>
-              <a:t>The design strategy is a short description of how to get from the purpose statement to the code.</a:t>
-            </a:r>
-          </a:p>
-          <a:p>
-            <a:endParaRPr lang="en-US" dirty="0"/>
-          </a:p>
-          <a:p>
-            <a:pPr>
-              <a:buNone/>
-            </a:pPr>
-            <a:endParaRPr lang="en-US" dirty="0"/>
-          </a:p>
-        </p:txBody>
-      </p:sp>
-      <p:sp>
-        <p:nvSpPr>
-          <p:cNvPr id="4" name="Slide Number Placeholder 3"/>
-          <p:cNvSpPr>
-            <a:spLocks noGrp="1"/>
-          </p:cNvSpPr>
-          <p:nvPr>
-            <p:ph type="sldNum" sz="quarter" idx="12"/>
-          </p:nvPr>
-        </p:nvSpPr>
-        <p:spPr/>
-        <p:txBody>
-          <a:bodyPr/>
-          <a:lstStyle/>
-          <a:p>
-            <a:fld id="{B6F15528-21DE-4FAA-801E-634DDDAF4B2B}" type="slidenum">
-              <a:rPr lang="en-US" smtClean="0"/>
-              <a:pPr/>
-              <a:t>4</a:t>
-            </a:fld>
-            <a:endParaRPr lang="en-US"/>
-          </a:p>
-        </p:txBody>
-      </p:sp>
-    </p:spTree>
-    <p:extLst>
-      <p:ext uri="{BB962C8B-B14F-4D97-AF65-F5344CB8AC3E}">
-        <p14:creationId xmlns:p14="http://schemas.microsoft.com/office/powerpoint/2010/main" val="1716411995"/>
-      </p:ext>
-    </p:extLst>
-  </p:cSld>
-  <p:clrMapOvr>
-    <a:masterClrMapping/>
-  </p:clrMapOvr>
-</p:sld>
-</file>
-
-<file path=ppt/slides/slide5.xml><?xml version="1.0" encoding="utf-8"?>
-<p:sld xmlns:a="http://schemas.openxmlformats.org/drawingml/2006/main" xmlns:r="http://schemas.openxmlformats.org/officeDocument/2006/relationships" xmlns:p="http://schemas.openxmlformats.org/presentationml/2006/main">
-  <p:cSld>
-    <p:spTree>
-      <p:nvGrpSpPr>
-        <p:cNvPr id="1" name=""/>
-        <p:cNvGrpSpPr/>
-        <p:nvPr/>
-      </p:nvGrpSpPr>
-      <p:grpSpPr>
-        <a:xfrm>
-          <a:off x="0" y="0"/>
-          <a:ext cx="0" cy="0"/>
-          <a:chOff x="0" y="0"/>
-          <a:chExt cx="0" cy="0"/>
-        </a:xfrm>
-      </p:grpSpPr>
-      <p:sp>
-        <p:nvSpPr>
-          <p:cNvPr id="2" name="Title 1"/>
-          <p:cNvSpPr>
-            <a:spLocks noGrp="1"/>
-          </p:cNvSpPr>
-          <p:nvPr>
-            <p:ph type="title"/>
-          </p:nvPr>
-        </p:nvSpPr>
-        <p:spPr/>
-        <p:txBody>
-          <a:bodyPr/>
-          <a:lstStyle/>
-          <a:p>
-            <a:r>
-              <a:rPr lang="en-US" dirty="0"/>
               <a:t>Typical Program Design Strategies</a:t>
             </a:r>
           </a:p>
@@ -13722,12 +12960,16 @@
           </p:cNvGraphicFramePr>
           <p:nvPr>
             <p:ph idx="1"/>
-            <p:extLst/>
+            <p:extLst>
+              <p:ext uri="{D42A27DB-BD31-4B8C-83A1-F6EECF244321}">
+                <p14:modId xmlns:p14="http://schemas.microsoft.com/office/powerpoint/2010/main" val="3351100718"/>
+              </p:ext>
+            </p:extLst>
           </p:nvPr>
         </p:nvGraphicFramePr>
         <p:xfrm>
           <a:off x="457200" y="1600200"/>
-          <a:ext cx="8229600" cy="3474720"/>
+          <a:ext cx="8229600" cy="3962400"/>
         </p:xfrm>
         <a:graphic>
           <a:graphicData uri="http://schemas.openxmlformats.org/drawingml/2006/table">
@@ -13771,15 +13013,22 @@
                     <a:bodyPr/>
                     <a:lstStyle/>
                     <a:p>
+                      <a:pPr marL="514350" indent="-514350">
+                        <a:buAutoNum type="arabicPeriod"/>
+                      </a:pPr>
                       <a:r>
                         <a:rPr lang="en-US" sz="3200" dirty="0"/>
-                        <a:t>1. Combine</a:t>
+                        <a:t>Transcribe formula</a:t>
                       </a:r>
+                    </a:p>
+                    <a:p>
+                      <a:pPr marL="514350" indent="-514350">
+                        <a:buAutoNum type="arabicPeriod"/>
+                      </a:pPr>
                       <a:r>
-                        <a:rPr lang="en-US" sz="3200" baseline="0" dirty="0"/>
-                        <a:t> simpler functions</a:t>
+                        <a:rPr lang="en-US" sz="3200" dirty="0"/>
+                        <a:t>Combine Simpler Functions</a:t>
                       </a:r>
-                      <a:endParaRPr lang="en-US" sz="3200" dirty="0"/>
                     </a:p>
                   </a:txBody>
                   <a:tcPr/>
@@ -13798,7 +13047,7 @@
                     <a:p>
                       <a:r>
                         <a:rPr lang="en-US" sz="3200" dirty="0"/>
-                        <a:t>2.</a:t>
+                        <a:t>3.</a:t>
                       </a:r>
                       <a:r>
                         <a:rPr lang="en-US" sz="3200" baseline="0" dirty="0"/>
@@ -13839,7 +13088,7 @@
                     <a:p>
                       <a:r>
                         <a:rPr lang="en-US" sz="3200" dirty="0"/>
-                        <a:t>3. Divide into cases on &lt;condition&gt;</a:t>
+                        <a:t>4. Divide into cases on &lt;condition&gt;</a:t>
                       </a:r>
                     </a:p>
                   </a:txBody>
@@ -13859,7 +13108,7 @@
                     <a:p>
                       <a:r>
                         <a:rPr lang="en-US" sz="3200" dirty="0"/>
-                        <a:t>4. Use HOF &lt;</a:t>
+                        <a:t>5. Use HOF &lt;</a:t>
                       </a:r>
                       <a:r>
                         <a:rPr lang="en-US" sz="3200" dirty="0" err="1"/>
@@ -13895,7 +13144,7 @@
                     <a:p>
                       <a:r>
                         <a:rPr lang="en-US" sz="3200" dirty="0"/>
-                        <a:t>5. Call a more general function</a:t>
+                        <a:t>6. Call a more general function</a:t>
                       </a:r>
                     </a:p>
                   </a:txBody>
@@ -13928,7 +13177,7 @@
           <a:p>
             <a:fld id="{2AF3B5EA-18B6-4040-9F78-6052AF49C681}" type="slidenum">
               <a:rPr lang="en-US" smtClean="0"/>
-              <a:t>5</a:t>
+              <a:t>4</a:t>
             </a:fld>
             <a:endParaRPr lang="en-US"/>
           </a:p>
@@ -13995,6 +13244,129 @@
 </p:sld>
 </file>
 
+<file path=ppt/slides/slide5.xml><?xml version="1.0" encoding="utf-8"?>
+<p:sld xmlns:a="http://schemas.openxmlformats.org/drawingml/2006/main" xmlns:r="http://schemas.openxmlformats.org/officeDocument/2006/relationships" xmlns:p="http://schemas.openxmlformats.org/presentationml/2006/main">
+  <p:cSld>
+    <p:spTree>
+      <p:nvGrpSpPr>
+        <p:cNvPr id="1" name=""/>
+        <p:cNvGrpSpPr/>
+        <p:nvPr/>
+      </p:nvGrpSpPr>
+      <p:grpSpPr>
+        <a:xfrm>
+          <a:off x="0" y="0"/>
+          <a:ext cx="0" cy="0"/>
+          <a:chOff x="0" y="0"/>
+          <a:chExt cx="0" cy="0"/>
+        </a:xfrm>
+      </p:grpSpPr>
+      <p:sp>
+        <p:nvSpPr>
+          <p:cNvPr id="2" name="Title 1"/>
+          <p:cNvSpPr>
+            <a:spLocks noGrp="1"/>
+          </p:cNvSpPr>
+          <p:nvPr>
+            <p:ph type="title"/>
+          </p:nvPr>
+        </p:nvSpPr>
+        <p:spPr/>
+        <p:txBody>
+          <a:bodyPr>
+            <a:normAutofit fontScale="90000"/>
+          </a:bodyPr>
+          <a:lstStyle/>
+          <a:p>
+            <a:r>
+              <a:rPr lang="en-US" dirty="0"/>
+              <a:t>Design Strategy #1: Combine Simpler Functions</a:t>
+            </a:r>
+          </a:p>
+        </p:txBody>
+      </p:sp>
+      <p:sp>
+        <p:nvSpPr>
+          <p:cNvPr id="3" name="Content Placeholder 2"/>
+          <p:cNvSpPr>
+            <a:spLocks noGrp="1"/>
+          </p:cNvSpPr>
+          <p:nvPr>
+            <p:ph idx="1"/>
+          </p:nvPr>
+        </p:nvSpPr>
+        <p:spPr/>
+        <p:txBody>
+          <a:bodyPr/>
+          <a:lstStyle/>
+          <a:p>
+            <a:r>
+              <a:rPr lang="en-US" dirty="0"/>
+              <a:t>Many times the desired function can be described as a combination of simpler functions.</a:t>
+            </a:r>
+          </a:p>
+          <a:p>
+            <a:r>
+              <a:rPr lang="en-US" dirty="0"/>
+              <a:t>This is what we did for </a:t>
+            </a:r>
+            <a:r>
+              <a:rPr lang="en-US" b="1" dirty="0"/>
+              <a:t>f2c</a:t>
+            </a:r>
+            <a:r>
+              <a:rPr lang="en-US" dirty="0"/>
+              <a:t>, where the simpler computations were just arithmetic.</a:t>
+            </a:r>
+          </a:p>
+          <a:p>
+            <a:r>
+              <a:rPr lang="en-US" dirty="0"/>
+              <a:t>Another example: 02-2-1-velocity.rkt</a:t>
+            </a:r>
+          </a:p>
+          <a:p>
+            <a:endParaRPr lang="en-US" dirty="0"/>
+          </a:p>
+        </p:txBody>
+      </p:sp>
+      <p:sp>
+        <p:nvSpPr>
+          <p:cNvPr id="4" name="Slide Number Placeholder 3"/>
+          <p:cNvSpPr>
+            <a:spLocks noGrp="1"/>
+          </p:cNvSpPr>
+          <p:nvPr>
+            <p:ph type="sldNum" sz="quarter" idx="12"/>
+          </p:nvPr>
+        </p:nvSpPr>
+        <p:spPr/>
+        <p:txBody>
+          <a:bodyPr/>
+          <a:lstStyle/>
+          <a:p>
+            <a:fld id="{B6F15528-21DE-4FAA-801E-634DDDAF4B2B}" type="slidenum">
+              <a:rPr lang="en-US" smtClean="0"/>
+              <a:pPr/>
+              <a:t>5</a:t>
+            </a:fld>
+            <a:endParaRPr lang="en-US"/>
+          </a:p>
+        </p:txBody>
+      </p:sp>
+    </p:spTree>
+    <p:extLst>
+      <p:ext uri="{BB962C8B-B14F-4D97-AF65-F5344CB8AC3E}">
+        <p14:creationId xmlns:p14="http://schemas.microsoft.com/office/powerpoint/2010/main" val="719212013"/>
+      </p:ext>
+    </p:extLst>
+  </p:cSld>
+  <p:clrMapOvr>
+    <a:masterClrMapping/>
+  </p:clrMapOvr>
+</p:sld>
+</file>
+
 <file path=ppt/slides/slide6.xml><?xml version="1.0" encoding="utf-8"?>
 <p:sld xmlns:a="http://schemas.openxmlformats.org/drawingml/2006/main" xmlns:r="http://schemas.openxmlformats.org/officeDocument/2006/relationships" xmlns:p="http://schemas.openxmlformats.org/presentationml/2006/main">
   <p:cSld>
@@ -14022,251 +13394,57 @@
             <p:ph type="title"/>
           </p:nvPr>
         </p:nvSpPr>
-        <p:spPr>
-          <a:xfrm>
-            <a:off x="457200" y="304800"/>
-            <a:ext cx="8229600" cy="1143000"/>
-          </a:xfrm>
-        </p:spPr>
-        <p:txBody>
-          <a:bodyPr/>
+        <p:spPr/>
+        <p:txBody>
+          <a:bodyPr>
+            <a:normAutofit fontScale="90000"/>
+          </a:bodyPr>
           <a:lstStyle/>
           <a:p>
             <a:r>
               <a:rPr lang="en-US" dirty="0"/>
-              <a:t>Let's see where we are</a:t>
-            </a:r>
-          </a:p>
-        </p:txBody>
-      </p:sp>
-      <p:graphicFrame>
-        <p:nvGraphicFramePr>
-          <p:cNvPr id="4" name="Content Placeholder 3"/>
-          <p:cNvGraphicFramePr>
-            <a:graphicFrameLocks noGrp="1"/>
-          </p:cNvGraphicFramePr>
+              <a:t>Design Strategy #2: combine simpler functions</a:t>
+            </a:r>
+          </a:p>
+        </p:txBody>
+      </p:sp>
+      <p:sp>
+        <p:nvSpPr>
+          <p:cNvPr id="3" name="Content Placeholder 2"/>
+          <p:cNvSpPr>
+            <a:spLocks noGrp="1"/>
+          </p:cNvSpPr>
           <p:nvPr>
             <p:ph idx="1"/>
-            <p:extLst/>
-          </p:nvPr>
-        </p:nvGraphicFramePr>
-        <p:xfrm>
-          <a:off x="4343400" y="3048000"/>
-          <a:ext cx="2057400" cy="2103120"/>
-        </p:xfrm>
-        <a:graphic>
-          <a:graphicData uri="http://schemas.openxmlformats.org/drawingml/2006/table">
-            <a:tbl>
-              <a:tblPr firstRow="1" bandRow="1">
-                <a:tableStyleId>{5C22544A-7EE6-4342-B048-85BDC9FD1C3A}</a:tableStyleId>
-              </a:tblPr>
-              <a:tblGrid>
-                <a:gridCol w="2057400">
-                  <a:extLst>
-                    <a:ext uri="{9D8B030D-6E8A-4147-A177-3AD203B41FA5}">
-                      <a16:colId xmlns:a16="http://schemas.microsoft.com/office/drawing/2014/main" val="20000"/>
-                    </a:ext>
-                  </a:extLst>
-                </a:gridCol>
-              </a:tblGrid>
-              <a:tr h="262236">
-                <a:tc>
-                  <a:txBody>
-                    <a:bodyPr/>
-                    <a:lstStyle/>
-                    <a:p>
-                      <a:pPr algn="ctr"/>
-                      <a:r>
-                        <a:rPr lang="en-US" sz="1200" dirty="0"/>
-                        <a:t>The Function Design Recipe</a:t>
-                      </a:r>
-                    </a:p>
-                  </a:txBody>
-                  <a:tcPr/>
-                </a:tc>
-                <a:extLst>
-                  <a:ext uri="{0D108BD9-81ED-4DB2-BD59-A6C34878D82A}">
-                    <a16:rowId xmlns:a16="http://schemas.microsoft.com/office/drawing/2014/main" val="10000"/>
-                  </a:ext>
-                </a:extLst>
-              </a:tr>
-              <a:tr h="262236">
-                <a:tc>
-                  <a:txBody>
-                    <a:bodyPr/>
-                    <a:lstStyle/>
-                    <a:p>
-                      <a:r>
-                        <a:rPr lang="en-US" sz="1200" dirty="0"/>
-                        <a:t>1. Data Design</a:t>
-                      </a:r>
-                    </a:p>
-                  </a:txBody>
-                  <a:tcPr/>
-                </a:tc>
-                <a:extLst>
-                  <a:ext uri="{0D108BD9-81ED-4DB2-BD59-A6C34878D82A}">
-                    <a16:rowId xmlns:a16="http://schemas.microsoft.com/office/drawing/2014/main" val="10001"/>
-                  </a:ext>
-                </a:extLst>
-              </a:tr>
-              <a:tr h="285546">
-                <a:tc>
-                  <a:txBody>
-                    <a:bodyPr/>
-                    <a:lstStyle/>
-                    <a:p>
-                      <a:r>
-                        <a:rPr lang="en-US" sz="1200" dirty="0"/>
-                        <a:t>2. Contract and Purpose Statement</a:t>
-                      </a:r>
-                    </a:p>
-                  </a:txBody>
-                  <a:tcPr/>
-                </a:tc>
-                <a:extLst>
-                  <a:ext uri="{0D108BD9-81ED-4DB2-BD59-A6C34878D82A}">
-                    <a16:rowId xmlns:a16="http://schemas.microsoft.com/office/drawing/2014/main" val="10002"/>
-                  </a:ext>
-                </a:extLst>
-              </a:tr>
-              <a:tr h="262236">
-                <a:tc>
-                  <a:txBody>
-                    <a:bodyPr/>
-                    <a:lstStyle/>
-                    <a:p>
-                      <a:r>
-                        <a:rPr lang="en-US" sz="1200" dirty="0"/>
-                        <a:t>3.</a:t>
-                      </a:r>
-                      <a:r>
-                        <a:rPr lang="en-US" sz="1200" baseline="0" dirty="0"/>
-                        <a:t> Examples and Tests</a:t>
-                      </a:r>
-                      <a:endParaRPr lang="en-US" sz="1200" dirty="0"/>
-                    </a:p>
-                  </a:txBody>
-                  <a:tcPr/>
-                </a:tc>
-                <a:extLst>
-                  <a:ext uri="{0D108BD9-81ED-4DB2-BD59-A6C34878D82A}">
-                    <a16:rowId xmlns:a16="http://schemas.microsoft.com/office/drawing/2014/main" val="10003"/>
-                  </a:ext>
-                </a:extLst>
-              </a:tr>
-              <a:tr h="262236">
-                <a:tc>
-                  <a:txBody>
-                    <a:bodyPr/>
-                    <a:lstStyle/>
-                    <a:p>
-                      <a:r>
-                        <a:rPr lang="en-US" sz="1200" dirty="0"/>
-                        <a:t>4. Design Strategy</a:t>
-                      </a:r>
-                    </a:p>
-                  </a:txBody>
-                  <a:tcPr/>
-                </a:tc>
-                <a:extLst>
-                  <a:ext uri="{0D108BD9-81ED-4DB2-BD59-A6C34878D82A}">
-                    <a16:rowId xmlns:a16="http://schemas.microsoft.com/office/drawing/2014/main" val="10004"/>
-                  </a:ext>
-                </a:extLst>
-              </a:tr>
-              <a:tr h="262236">
-                <a:tc>
-                  <a:txBody>
-                    <a:bodyPr/>
-                    <a:lstStyle/>
-                    <a:p>
-                      <a:r>
-                        <a:rPr lang="en-US" sz="1200" dirty="0"/>
-                        <a:t>5. Function Definition</a:t>
-                      </a:r>
-                    </a:p>
-                  </a:txBody>
-                  <a:tcPr/>
-                </a:tc>
-                <a:extLst>
-                  <a:ext uri="{0D108BD9-81ED-4DB2-BD59-A6C34878D82A}">
-                    <a16:rowId xmlns:a16="http://schemas.microsoft.com/office/drawing/2014/main" val="10005"/>
-                  </a:ext>
-                </a:extLst>
-              </a:tr>
-              <a:tr h="262236">
-                <a:tc>
-                  <a:txBody>
-                    <a:bodyPr/>
-                    <a:lstStyle/>
-                    <a:p>
-                      <a:r>
-                        <a:rPr lang="en-US" sz="1200" dirty="0"/>
-                        <a:t>6. Program</a:t>
-                      </a:r>
-                      <a:r>
-                        <a:rPr lang="en-US" sz="1200" baseline="0" dirty="0"/>
-                        <a:t> Review</a:t>
-                      </a:r>
-                      <a:endParaRPr lang="en-US" sz="1200" dirty="0"/>
-                    </a:p>
-                  </a:txBody>
-                  <a:tcPr/>
-                </a:tc>
-                <a:extLst>
-                  <a:ext uri="{0D108BD9-81ED-4DB2-BD59-A6C34878D82A}">
-                    <a16:rowId xmlns:a16="http://schemas.microsoft.com/office/drawing/2014/main" val="10006"/>
-                  </a:ext>
-                </a:extLst>
-              </a:tr>
-            </a:tbl>
-          </a:graphicData>
-        </a:graphic>
-      </p:graphicFrame>
-      <p:sp>
-        <p:nvSpPr>
-          <p:cNvPr id="10" name="Right Arrow 9"/>
-          <p:cNvSpPr/>
-          <p:nvPr/>
-        </p:nvSpPr>
-        <p:spPr>
-          <a:xfrm>
-            <a:off x="3810000" y="3048000"/>
-            <a:ext cx="533400" cy="228600"/>
-          </a:xfrm>
-          <a:prstGeom prst="rightArrow">
-            <a:avLst/>
-          </a:prstGeom>
-        </p:spPr>
-        <p:style>
-          <a:lnRef idx="2">
-            <a:schemeClr val="accent1">
-              <a:shade val="50000"/>
-            </a:schemeClr>
-          </a:lnRef>
-          <a:fillRef idx="1">
-            <a:schemeClr val="accent1"/>
-          </a:fillRef>
-          <a:effectRef idx="0">
-            <a:schemeClr val="accent1"/>
-          </a:effectRef>
-          <a:fontRef idx="minor">
-            <a:schemeClr val="lt1"/>
-          </a:fontRef>
-        </p:style>
-        <p:txBody>
-          <a:bodyPr rtlCol="0" anchor="ctr"/>
-          <a:lstStyle/>
-          <a:p>
-            <a:pPr algn="ctr"/>
-            <a:endParaRPr lang="en-US"/>
-          </a:p>
-        </p:txBody>
-      </p:sp>
-      <p:sp>
-        <p:nvSpPr>
-          <p:cNvPr id="3" name="Slide Number Placeholder 2"/>
+          </p:nvPr>
+        </p:nvSpPr>
+        <p:spPr/>
+        <p:txBody>
+          <a:bodyPr/>
+          <a:lstStyle/>
+          <a:p>
+            <a:r>
+              <a:rPr lang="en-US" dirty="0"/>
+              <a:t>Sometimes the simpler functions may include ones you write yourself.</a:t>
+            </a:r>
+          </a:p>
+          <a:p>
+            <a:r>
+              <a:rPr lang="en-US" dirty="0"/>
+              <a:t>Here’s an example: area-of-ring, which calls area-of-circle.</a:t>
+            </a:r>
+          </a:p>
+          <a:p>
+            <a:r>
+              <a:rPr lang="en-US" dirty="0"/>
+              <a:t>Both of these are defined by combining simpler functions.</a:t>
+            </a:r>
+          </a:p>
+        </p:txBody>
+      </p:sp>
+      <p:sp>
+        <p:nvSpPr>
+          <p:cNvPr id="4" name="Slide Number Placeholder 3"/>
           <p:cNvSpPr>
             <a:spLocks noGrp="1"/>
           </p:cNvSpPr>
@@ -14279,7 +13457,7 @@
           <a:bodyPr/>
           <a:lstStyle/>
           <a:p>
-            <a:fld id="{8D704B19-8EED-495A-99FA-12E5518CCC54}" type="slidenum">
+            <a:fld id="{B6F15528-21DE-4FAA-801E-634DDDAF4B2B}" type="slidenum">
               <a:rPr lang="en-US" smtClean="0"/>
               <a:pPr/>
               <a:t>6</a:t>
@@ -14288,605 +13466,10 @@
           </a:p>
         </p:txBody>
       </p:sp>
-      <p:graphicFrame>
-        <p:nvGraphicFramePr>
-          <p:cNvPr id="9" name="Content Placeholder 3"/>
-          <p:cNvGraphicFramePr>
-            <a:graphicFrameLocks/>
-          </p:cNvGraphicFramePr>
-          <p:nvPr>
-            <p:extLst/>
-          </p:nvPr>
-        </p:nvGraphicFramePr>
-        <p:xfrm>
-          <a:off x="493986" y="1483272"/>
-          <a:ext cx="3352800" cy="2628516"/>
-        </p:xfrm>
-        <a:graphic>
-          <a:graphicData uri="http://schemas.openxmlformats.org/drawingml/2006/table">
-            <a:tbl>
-              <a:tblPr firstRow="1" bandRow="1">
-                <a:tableStyleId>{5C22544A-7EE6-4342-B048-85BDC9FD1C3A}</a:tableStyleId>
-              </a:tblPr>
-              <a:tblGrid>
-                <a:gridCol w="3352800">
-                  <a:extLst>
-                    <a:ext uri="{9D8B030D-6E8A-4147-A177-3AD203B41FA5}">
-                      <a16:colId xmlns:a16="http://schemas.microsoft.com/office/drawing/2014/main" val="20000"/>
-                    </a:ext>
-                  </a:extLst>
-                </a:gridCol>
-              </a:tblGrid>
-              <a:tr h="314229">
-                <a:tc>
-                  <a:txBody>
-                    <a:bodyPr/>
-                    <a:lstStyle/>
-                    <a:p>
-                      <a:pPr algn="ctr"/>
-                      <a:r>
-                        <a:rPr lang="en-US" sz="1200" dirty="0"/>
-                        <a:t>The Six Principles of this course</a:t>
-                      </a:r>
-                    </a:p>
-                  </a:txBody>
-                  <a:tcPr/>
-                </a:tc>
-                <a:extLst>
-                  <a:ext uri="{0D108BD9-81ED-4DB2-BD59-A6C34878D82A}">
-                    <a16:rowId xmlns:a16="http://schemas.microsoft.com/office/drawing/2014/main" val="10000"/>
-                  </a:ext>
-                </a:extLst>
-              </a:tr>
-              <a:tr h="314229">
-                <a:tc>
-                  <a:txBody>
-                    <a:bodyPr/>
-                    <a:lstStyle/>
-                    <a:p>
-                      <a:r>
-                        <a:rPr lang="en-US" sz="1200" dirty="0"/>
-                        <a:t>1. Programming is a People Discipline</a:t>
-                      </a:r>
-                    </a:p>
-                  </a:txBody>
-                  <a:tcPr/>
-                </a:tc>
-                <a:extLst>
-                  <a:ext uri="{0D108BD9-81ED-4DB2-BD59-A6C34878D82A}">
-                    <a16:rowId xmlns:a16="http://schemas.microsoft.com/office/drawing/2014/main" val="10001"/>
-                  </a:ext>
-                </a:extLst>
-              </a:tr>
-              <a:tr h="378923">
-                <a:tc>
-                  <a:txBody>
-                    <a:bodyPr/>
-                    <a:lstStyle/>
-                    <a:p>
-                      <a:r>
-                        <a:rPr lang="en-US" sz="1200" dirty="0"/>
-                        <a:t>2. Represent Information as Data; Interpret Data as Information</a:t>
-                      </a:r>
-                    </a:p>
-                  </a:txBody>
-                  <a:tcPr/>
-                </a:tc>
-                <a:extLst>
-                  <a:ext uri="{0D108BD9-81ED-4DB2-BD59-A6C34878D82A}">
-                    <a16:rowId xmlns:a16="http://schemas.microsoft.com/office/drawing/2014/main" val="10002"/>
-                  </a:ext>
-                </a:extLst>
-              </a:tr>
-              <a:tr h="388166">
-                <a:tc>
-                  <a:txBody>
-                    <a:bodyPr/>
-                    <a:lstStyle/>
-                    <a:p>
-                      <a:pPr marL="0" marR="0" indent="0" algn="l" defTabSz="914400" rtl="0" eaLnBrk="1" fontAlgn="auto" latinLnBrk="0" hangingPunct="1">
-                        <a:lnSpc>
-                          <a:spcPct val="100000"/>
-                        </a:lnSpc>
-                        <a:spcBef>
-                          <a:spcPts val="0"/>
-                        </a:spcBef>
-                        <a:spcAft>
-                          <a:spcPts val="0"/>
-                        </a:spcAft>
-                        <a:buClrTx/>
-                        <a:buSzTx/>
-                        <a:buFontTx/>
-                        <a:buNone/>
-                        <a:tabLst/>
-                        <a:defRPr/>
-                      </a:pPr>
-                      <a:r>
-                        <a:rPr lang="en-US" sz="1200" dirty="0"/>
-                        <a:t>3.</a:t>
-                      </a:r>
-                      <a:r>
-                        <a:rPr lang="en-US" sz="1200" baseline="0" dirty="0"/>
-                        <a:t> Programs should consist of functions and methods that consume and produce values</a:t>
-                      </a:r>
-                      <a:endParaRPr lang="en-US" sz="1200" dirty="0"/>
-                    </a:p>
-                  </a:txBody>
-                  <a:tcPr/>
-                </a:tc>
-                <a:extLst>
-                  <a:ext uri="{0D108BD9-81ED-4DB2-BD59-A6C34878D82A}">
-                    <a16:rowId xmlns:a16="http://schemas.microsoft.com/office/drawing/2014/main" val="10003"/>
-                  </a:ext>
-                </a:extLst>
-              </a:tr>
-              <a:tr h="314229">
-                <a:tc>
-                  <a:txBody>
-                    <a:bodyPr/>
-                    <a:lstStyle/>
-                    <a:p>
-                      <a:r>
-                        <a:rPr lang="en-US" sz="1200" dirty="0"/>
-                        <a:t>4. Design Functions</a:t>
-                      </a:r>
-                      <a:r>
-                        <a:rPr lang="en-US" sz="1200" baseline="0" dirty="0"/>
-                        <a:t> Systematically</a:t>
-                      </a:r>
-                      <a:endParaRPr lang="en-US" sz="1200" dirty="0"/>
-                    </a:p>
-                  </a:txBody>
-                  <a:tcPr/>
-                </a:tc>
-                <a:extLst>
-                  <a:ext uri="{0D108BD9-81ED-4DB2-BD59-A6C34878D82A}">
-                    <a16:rowId xmlns:a16="http://schemas.microsoft.com/office/drawing/2014/main" val="10004"/>
-                  </a:ext>
-                </a:extLst>
-              </a:tr>
-              <a:tr h="314229">
-                <a:tc>
-                  <a:txBody>
-                    <a:bodyPr/>
-                    <a:lstStyle/>
-                    <a:p>
-                      <a:r>
-                        <a:rPr lang="en-US" sz="1200" dirty="0"/>
-                        <a:t>5. Design Systems Iteratively</a:t>
-                      </a:r>
-                    </a:p>
-                  </a:txBody>
-                  <a:tcPr/>
-                </a:tc>
-                <a:extLst>
-                  <a:ext uri="{0D108BD9-81ED-4DB2-BD59-A6C34878D82A}">
-                    <a16:rowId xmlns:a16="http://schemas.microsoft.com/office/drawing/2014/main" val="10005"/>
-                  </a:ext>
-                </a:extLst>
-              </a:tr>
-              <a:tr h="378923">
-                <a:tc>
-                  <a:txBody>
-                    <a:bodyPr/>
-                    <a:lstStyle/>
-                    <a:p>
-                      <a:r>
-                        <a:rPr lang="en-US" sz="1200" dirty="0"/>
-                        <a:t>6. Pass values when you can, share state only when you must.</a:t>
-                      </a:r>
-                    </a:p>
-                  </a:txBody>
-                  <a:tcPr/>
-                </a:tc>
-                <a:extLst>
-                  <a:ext uri="{0D108BD9-81ED-4DB2-BD59-A6C34878D82A}">
-                    <a16:rowId xmlns:a16="http://schemas.microsoft.com/office/drawing/2014/main" val="10006"/>
-                  </a:ext>
-                </a:extLst>
-              </a:tr>
-            </a:tbl>
-          </a:graphicData>
-        </a:graphic>
-      </p:graphicFrame>
-      <p:sp>
-        <p:nvSpPr>
-          <p:cNvPr id="7" name="TextBox 6"/>
-          <p:cNvSpPr txBox="1"/>
-          <p:nvPr/>
-        </p:nvSpPr>
-        <p:spPr>
-          <a:xfrm>
-            <a:off x="4338145" y="2398100"/>
-            <a:ext cx="3058979" cy="369332"/>
-          </a:xfrm>
-          <a:prstGeom prst="rect">
-            <a:avLst/>
-          </a:prstGeom>
-          <a:noFill/>
-          <a:ln>
-            <a:solidFill>
-              <a:schemeClr val="tx1"/>
-            </a:solidFill>
-          </a:ln>
-        </p:spPr>
-        <p:txBody>
-          <a:bodyPr wrap="none" rtlCol="0">
-            <a:spAutoFit/>
-          </a:bodyPr>
-          <a:lstStyle/>
-          <a:p>
-            <a:r>
-              <a:rPr lang="en-US" dirty="0"/>
-              <a:t>Programs are sets of Functions</a:t>
-            </a:r>
-          </a:p>
-        </p:txBody>
-      </p:sp>
-      <p:sp>
-        <p:nvSpPr>
-          <p:cNvPr id="14" name="Right Arrow 13"/>
-          <p:cNvSpPr/>
-          <p:nvPr/>
-        </p:nvSpPr>
-        <p:spPr>
-          <a:xfrm rot="20596810">
-            <a:off x="3810000" y="2555699"/>
-            <a:ext cx="533400" cy="228600"/>
-          </a:xfrm>
-          <a:prstGeom prst="rightArrow">
-            <a:avLst/>
-          </a:prstGeom>
-        </p:spPr>
-        <p:style>
-          <a:lnRef idx="2">
-            <a:schemeClr val="accent1">
-              <a:shade val="50000"/>
-            </a:schemeClr>
-          </a:lnRef>
-          <a:fillRef idx="1">
-            <a:schemeClr val="accent1"/>
-          </a:fillRef>
-          <a:effectRef idx="0">
-            <a:schemeClr val="accent1"/>
-          </a:effectRef>
-          <a:fontRef idx="minor">
-            <a:schemeClr val="lt1"/>
-          </a:fontRef>
-        </p:style>
-        <p:txBody>
-          <a:bodyPr rtlCol="0" anchor="ctr"/>
-          <a:lstStyle/>
-          <a:p>
-            <a:pPr algn="ctr"/>
-            <a:endParaRPr lang="en-US"/>
-          </a:p>
-        </p:txBody>
-      </p:sp>
-      <p:graphicFrame>
-        <p:nvGraphicFramePr>
-          <p:cNvPr id="15" name="Content Placeholder 3"/>
-          <p:cNvGraphicFramePr>
-            <a:graphicFrameLocks/>
-          </p:cNvGraphicFramePr>
-          <p:nvPr>
-            <p:extLst/>
-          </p:nvPr>
-        </p:nvGraphicFramePr>
-        <p:xfrm>
-          <a:off x="6781800" y="4344670"/>
-          <a:ext cx="2209800" cy="2011680"/>
-        </p:xfrm>
-        <a:graphic>
-          <a:graphicData uri="http://schemas.openxmlformats.org/drawingml/2006/table">
-            <a:tbl>
-              <a:tblPr firstRow="1" bandRow="1">
-                <a:tableStyleId>{5C22544A-7EE6-4342-B048-85BDC9FD1C3A}</a:tableStyleId>
-              </a:tblPr>
-              <a:tblGrid>
-                <a:gridCol w="2209800">
-                  <a:extLst>
-                    <a:ext uri="{9D8B030D-6E8A-4147-A177-3AD203B41FA5}">
-                      <a16:colId xmlns:a16="http://schemas.microsoft.com/office/drawing/2014/main" val="20000"/>
-                    </a:ext>
-                  </a:extLst>
-                </a:gridCol>
-              </a:tblGrid>
-              <a:tr h="261408">
-                <a:tc>
-                  <a:txBody>
-                    <a:bodyPr/>
-                    <a:lstStyle/>
-                    <a:p>
-                      <a:pPr algn="ctr"/>
-                      <a:r>
-                        <a:rPr lang="en-US" sz="1200" dirty="0"/>
-                        <a:t>Design Strategies</a:t>
-                      </a:r>
-                    </a:p>
-                  </a:txBody>
-                  <a:tcPr/>
-                </a:tc>
-                <a:extLst>
-                  <a:ext uri="{0D108BD9-81ED-4DB2-BD59-A6C34878D82A}">
-                    <a16:rowId xmlns:a16="http://schemas.microsoft.com/office/drawing/2014/main" val="10000"/>
-                  </a:ext>
-                </a:extLst>
-              </a:tr>
-              <a:tr h="261408">
-                <a:tc>
-                  <a:txBody>
-                    <a:bodyPr/>
-                    <a:lstStyle/>
-                    <a:p>
-                      <a:r>
-                        <a:rPr lang="en-US" sz="1200" dirty="0"/>
-                        <a:t>1. Combine</a:t>
-                      </a:r>
-                      <a:r>
-                        <a:rPr lang="en-US" sz="1200" baseline="0" dirty="0"/>
-                        <a:t> simpler functions</a:t>
-                      </a:r>
-                      <a:endParaRPr lang="en-US" sz="1200" dirty="0"/>
-                    </a:p>
-                  </a:txBody>
-                  <a:tcPr/>
-                </a:tc>
-                <a:extLst>
-                  <a:ext uri="{0D108BD9-81ED-4DB2-BD59-A6C34878D82A}">
-                    <a16:rowId xmlns:a16="http://schemas.microsoft.com/office/drawing/2014/main" val="10001"/>
-                  </a:ext>
-                </a:extLst>
-              </a:tr>
-              <a:tr h="261408">
-                <a:tc>
-                  <a:txBody>
-                    <a:bodyPr/>
-                    <a:lstStyle/>
-                    <a:p>
-                      <a:r>
-                        <a:rPr lang="en-US" sz="1200" dirty="0">
-                          <a:solidFill>
-                            <a:schemeClr val="bg1">
-                              <a:lumMod val="50000"/>
-                            </a:schemeClr>
-                          </a:solidFill>
-                        </a:rPr>
-                        <a:t>2.</a:t>
-                      </a:r>
-                      <a:r>
-                        <a:rPr lang="en-US" sz="1200" baseline="0" dirty="0">
-                          <a:solidFill>
-                            <a:schemeClr val="bg1">
-                              <a:lumMod val="50000"/>
-                            </a:schemeClr>
-                          </a:solidFill>
-                        </a:rPr>
-                        <a:t> Use template for &lt;data </a:t>
-                      </a:r>
-                      <a:r>
-                        <a:rPr lang="en-US" sz="1200" baseline="0" dirty="0" err="1">
-                          <a:solidFill>
-                            <a:schemeClr val="bg1">
-                              <a:lumMod val="50000"/>
-                            </a:schemeClr>
-                          </a:solidFill>
-                        </a:rPr>
-                        <a:t>def</a:t>
-                      </a:r>
-                      <a:r>
-                        <a:rPr lang="en-US" sz="1200" baseline="0" dirty="0">
-                          <a:solidFill>
-                            <a:schemeClr val="bg1">
-                              <a:lumMod val="50000"/>
-                            </a:schemeClr>
-                          </a:solidFill>
-                        </a:rPr>
-                        <a:t>&gt; on &lt;</a:t>
-                      </a:r>
-                      <a:r>
-                        <a:rPr lang="en-US" sz="1200" baseline="0" dirty="0" err="1">
-                          <a:solidFill>
-                            <a:schemeClr val="bg1">
-                              <a:lumMod val="50000"/>
-                            </a:schemeClr>
-                          </a:solidFill>
-                        </a:rPr>
-                        <a:t>vble</a:t>
-                      </a:r>
-                      <a:r>
-                        <a:rPr lang="en-US" sz="1200" baseline="0" dirty="0">
-                          <a:solidFill>
-                            <a:schemeClr val="bg1">
-                              <a:lumMod val="50000"/>
-                            </a:schemeClr>
-                          </a:solidFill>
-                        </a:rPr>
-                        <a:t>&gt;</a:t>
-                      </a:r>
-                      <a:endParaRPr lang="en-US" sz="1200" dirty="0">
-                        <a:solidFill>
-                          <a:schemeClr val="bg1">
-                            <a:lumMod val="50000"/>
-                          </a:schemeClr>
-                        </a:solidFill>
-                      </a:endParaRPr>
-                    </a:p>
-                  </a:txBody>
-                  <a:tcPr/>
-                </a:tc>
-                <a:extLst>
-                  <a:ext uri="{0D108BD9-81ED-4DB2-BD59-A6C34878D82A}">
-                    <a16:rowId xmlns:a16="http://schemas.microsoft.com/office/drawing/2014/main" val="10002"/>
-                  </a:ext>
-                </a:extLst>
-              </a:tr>
-              <a:tr h="261408">
-                <a:tc>
-                  <a:txBody>
-                    <a:bodyPr/>
-                    <a:lstStyle/>
-                    <a:p>
-                      <a:r>
-                        <a:rPr lang="en-US" sz="1200" dirty="0">
-                          <a:solidFill>
-                            <a:schemeClr val="bg1">
-                              <a:lumMod val="50000"/>
-                            </a:schemeClr>
-                          </a:solidFill>
-                        </a:rPr>
-                        <a:t>3. Divide into cases on &lt;condition&gt;</a:t>
-                      </a:r>
-                    </a:p>
-                  </a:txBody>
-                  <a:tcPr/>
-                </a:tc>
-                <a:extLst>
-                  <a:ext uri="{0D108BD9-81ED-4DB2-BD59-A6C34878D82A}">
-                    <a16:rowId xmlns:a16="http://schemas.microsoft.com/office/drawing/2014/main" val="10003"/>
-                  </a:ext>
-                </a:extLst>
-              </a:tr>
-              <a:tr h="261408">
-                <a:tc>
-                  <a:txBody>
-                    <a:bodyPr/>
-                    <a:lstStyle/>
-                    <a:p>
-                      <a:r>
-                        <a:rPr lang="en-US" sz="1200" dirty="0">
-                          <a:solidFill>
-                            <a:schemeClr val="bg1">
-                              <a:lumMod val="50000"/>
-                            </a:schemeClr>
-                          </a:solidFill>
-                        </a:rPr>
-                        <a:t>4. Use HOF &lt;</a:t>
-                      </a:r>
-                      <a:r>
-                        <a:rPr lang="en-US" sz="1200" dirty="0" err="1">
-                          <a:solidFill>
-                            <a:schemeClr val="bg1">
-                              <a:lumMod val="50000"/>
-                            </a:schemeClr>
-                          </a:solidFill>
-                        </a:rPr>
-                        <a:t>mapfn</a:t>
-                      </a:r>
-                      <a:r>
-                        <a:rPr lang="en-US" sz="1200" dirty="0">
-                          <a:solidFill>
-                            <a:schemeClr val="bg1">
-                              <a:lumMod val="50000"/>
-                            </a:schemeClr>
-                          </a:solidFill>
-                        </a:rPr>
-                        <a:t>&gt; on &lt;</a:t>
-                      </a:r>
-                      <a:r>
-                        <a:rPr lang="en-US" sz="1200" dirty="0" err="1">
-                          <a:solidFill>
-                            <a:schemeClr val="bg1">
-                              <a:lumMod val="50000"/>
-                            </a:schemeClr>
-                          </a:solidFill>
-                        </a:rPr>
-                        <a:t>vble</a:t>
-                      </a:r>
-                      <a:r>
-                        <a:rPr lang="en-US" sz="1200" dirty="0">
-                          <a:solidFill>
-                            <a:schemeClr val="bg1">
-                              <a:lumMod val="50000"/>
-                            </a:schemeClr>
-                          </a:solidFill>
-                        </a:rPr>
-                        <a:t>&gt;</a:t>
-                      </a:r>
-                    </a:p>
-                  </a:txBody>
-                  <a:tcPr/>
-                </a:tc>
-                <a:extLst>
-                  <a:ext uri="{0D108BD9-81ED-4DB2-BD59-A6C34878D82A}">
-                    <a16:rowId xmlns:a16="http://schemas.microsoft.com/office/drawing/2014/main" val="10004"/>
-                  </a:ext>
-                </a:extLst>
-              </a:tr>
-              <a:tr h="261408">
-                <a:tc>
-                  <a:txBody>
-                    <a:bodyPr/>
-                    <a:lstStyle/>
-                    <a:p>
-                      <a:r>
-                        <a:rPr lang="en-US" sz="1200" dirty="0">
-                          <a:solidFill>
-                            <a:schemeClr val="bg1">
-                              <a:lumMod val="50000"/>
-                            </a:schemeClr>
-                          </a:solidFill>
-                        </a:rPr>
-                        <a:t>5. Call a more general function</a:t>
-                      </a:r>
-                    </a:p>
-                  </a:txBody>
-                  <a:tcPr/>
-                </a:tc>
-                <a:extLst>
-                  <a:ext uri="{0D108BD9-81ED-4DB2-BD59-A6C34878D82A}">
-                    <a16:rowId xmlns:a16="http://schemas.microsoft.com/office/drawing/2014/main" val="10005"/>
-                  </a:ext>
-                </a:extLst>
-              </a:tr>
-            </a:tbl>
-          </a:graphicData>
-        </a:graphic>
-      </p:graphicFrame>
-      <p:sp>
-        <p:nvSpPr>
-          <p:cNvPr id="13" name="Right Arrow 12"/>
-          <p:cNvSpPr/>
-          <p:nvPr/>
-        </p:nvSpPr>
-        <p:spPr>
-          <a:xfrm>
-            <a:off x="6400800" y="4357382"/>
-            <a:ext cx="381000" cy="228600"/>
-          </a:xfrm>
-          <a:prstGeom prst="rightArrow">
-            <a:avLst/>
-          </a:prstGeom>
-        </p:spPr>
-        <p:style>
-          <a:lnRef idx="2">
-            <a:schemeClr val="accent1">
-              <a:shade val="50000"/>
-            </a:schemeClr>
-          </a:lnRef>
-          <a:fillRef idx="1">
-            <a:schemeClr val="accent1"/>
-          </a:fillRef>
-          <a:effectRef idx="0">
-            <a:schemeClr val="accent1"/>
-          </a:effectRef>
-          <a:fontRef idx="minor">
-            <a:schemeClr val="lt1"/>
-          </a:fontRef>
-        </p:style>
-        <p:txBody>
-          <a:bodyPr rtlCol="0" anchor="ctr"/>
-          <a:lstStyle/>
-          <a:p>
-            <a:pPr algn="ctr"/>
-            <a:endParaRPr lang="en-US"/>
-          </a:p>
-        </p:txBody>
-      </p:sp>
     </p:spTree>
     <p:extLst>
       <p:ext uri="{BB962C8B-B14F-4D97-AF65-F5344CB8AC3E}">
-        <p14:creationId xmlns:p14="http://schemas.microsoft.com/office/powerpoint/2010/main" val="3994457797"/>
+        <p14:creationId xmlns:p14="http://schemas.microsoft.com/office/powerpoint/2010/main" val="2485895942"/>
       </p:ext>
     </p:extLst>
   </p:cSld>
@@ -14925,54 +13508,13 @@
         </p:nvSpPr>
         <p:spPr/>
         <p:txBody>
-          <a:bodyPr>
-            <a:normAutofit fontScale="90000"/>
-          </a:bodyPr>
+          <a:bodyPr/>
           <a:lstStyle/>
           <a:p>
             <a:r>
               <a:rPr lang="en-US" dirty="0"/>
-              <a:t>Design Strategy #1: Combine Simpler Functions</a:t>
-            </a:r>
-          </a:p>
-        </p:txBody>
-      </p:sp>
-      <p:sp>
-        <p:nvSpPr>
-          <p:cNvPr id="3" name="Content Placeholder 2"/>
-          <p:cNvSpPr>
-            <a:spLocks noGrp="1"/>
-          </p:cNvSpPr>
-          <p:nvPr>
-            <p:ph idx="1"/>
-          </p:nvPr>
-        </p:nvSpPr>
-        <p:spPr/>
-        <p:txBody>
-          <a:bodyPr/>
-          <a:lstStyle/>
-          <a:p>
-            <a:r>
-              <a:rPr lang="en-US" dirty="0"/>
-              <a:t>Many times the desired function can be described as a combination of simpler functions.</a:t>
-            </a:r>
-          </a:p>
-          <a:p>
-            <a:r>
-              <a:rPr lang="en-US" dirty="0"/>
-              <a:t>This is what we did for </a:t>
-            </a:r>
-            <a:r>
-              <a:rPr lang="en-US" b="1" dirty="0"/>
-              <a:t>f2c</a:t>
-            </a:r>
-            <a:r>
-              <a:rPr lang="en-US" dirty="0"/>
-              <a:t>, where the simpler computations were just arithmetic.</a:t>
-            </a:r>
-          </a:p>
-          <a:p>
-            <a:endParaRPr lang="en-US" dirty="0"/>
+              <a:t>Video: area-of-ring</a:t>
+            </a:r>
           </a:p>
         </p:txBody>
       </p:sp>
@@ -15000,10 +13542,129 @@
           </a:p>
         </p:txBody>
       </p:sp>
+      <p:pic>
+        <p:nvPicPr>
+          <p:cNvPr id="5" name="ukYTpLYHpPc"/>
+          <p:cNvPicPr>
+            <a:picLocks noGrp="1" noRot="1" noChangeAspect="1"/>
+          </p:cNvPicPr>
+          <p:nvPr>
+            <p:ph idx="1"/>
+            <a:videoFile r:link="rId1"/>
+          </p:nvPr>
+        </p:nvPicPr>
+        <p:blipFill>
+          <a:blip r:embed="rId3"/>
+          <a:stretch>
+            <a:fillRect/>
+          </a:stretch>
+        </p:blipFill>
+        <p:spPr>
+          <a:xfrm>
+            <a:off x="685799" y="1676400"/>
+            <a:ext cx="7992533" cy="4495800"/>
+          </a:xfrm>
+          <a:prstGeom prst="rect">
+            <a:avLst/>
+          </a:prstGeom>
+        </p:spPr>
+      </p:pic>
+      <p:sp>
+        <p:nvSpPr>
+          <p:cNvPr id="6" name="TextBox 5"/>
+          <p:cNvSpPr txBox="1"/>
+          <p:nvPr/>
+        </p:nvSpPr>
+        <p:spPr>
+          <a:xfrm>
+            <a:off x="2971800" y="6301014"/>
+            <a:ext cx="4419600" cy="420461"/>
+          </a:xfrm>
+          <a:prstGeom prst="rect">
+            <a:avLst/>
+          </a:prstGeom>
+          <a:solidFill>
+            <a:schemeClr val="accent3">
+              <a:lumMod val="40000"/>
+              <a:lumOff val="60000"/>
+            </a:schemeClr>
+          </a:solidFill>
+          <a:ln/>
+        </p:spPr>
+        <p:style>
+          <a:lnRef idx="2">
+            <a:schemeClr val="accent1"/>
+          </a:lnRef>
+          <a:fillRef idx="1">
+            <a:schemeClr val="lt1"/>
+          </a:fillRef>
+          <a:effectRef idx="0">
+            <a:schemeClr val="accent1"/>
+          </a:effectRef>
+          <a:fontRef idx="minor">
+            <a:schemeClr val="dk1"/>
+          </a:fontRef>
+        </p:style>
+        <p:txBody>
+          <a:bodyPr rot="0" spcFirstLastPara="0" vertOverflow="overflow" horzOverflow="overflow" vert="horz" wrap="square" lIns="91440" tIns="45720" rIns="91440" bIns="45720" numCol="1" spcCol="0" rtlCol="0" fromWordArt="0" anchor="ctr" anchorCtr="0" forceAA="0" compatLnSpc="1">
+            <a:prstTxWarp prst="textNoShape">
+              <a:avLst/>
+            </a:prstTxWarp>
+            <a:noAutofit/>
+          </a:bodyPr>
+          <a:lstStyle/>
+          <a:p>
+            <a:r>
+              <a:rPr lang="en-US" sz="1600" dirty="0"/>
+              <a:t>I should have used Real (or </a:t>
+            </a:r>
+            <a:r>
+              <a:rPr lang="en-US" sz="1600" dirty="0" err="1"/>
+              <a:t>NonNegReal</a:t>
+            </a:r>
+            <a:r>
+              <a:rPr lang="en-US" sz="1600" dirty="0"/>
+              <a:t>) here, too.</a:t>
+            </a:r>
+          </a:p>
+        </p:txBody>
+      </p:sp>
+      <p:sp>
+        <p:nvSpPr>
+          <p:cNvPr id="7" name="TextBox 6"/>
+          <p:cNvSpPr txBox="1"/>
+          <p:nvPr/>
+        </p:nvSpPr>
+        <p:spPr>
+          <a:xfrm>
+            <a:off x="768611" y="6324600"/>
+            <a:ext cx="1364989" cy="369332"/>
+          </a:xfrm>
+          <a:prstGeom prst="rect">
+            <a:avLst/>
+          </a:prstGeom>
+          <a:noFill/>
+        </p:spPr>
+        <p:txBody>
+          <a:bodyPr wrap="none" rtlCol="0">
+            <a:spAutoFit/>
+          </a:bodyPr>
+          <a:lstStyle/>
+          <a:p>
+            <a:r>
+              <a:rPr lang="en-US" dirty="0">
+                <a:hlinkClick r:id="rId4"/>
+              </a:rPr>
+              <a:t>YouTube link</a:t>
+            </a:r>
+            <a:endParaRPr lang="en-US" dirty="0"/>
+          </a:p>
+        </p:txBody>
+      </p:sp>
     </p:spTree>
     <p:extLst>
       <p:ext uri="{BB962C8B-B14F-4D97-AF65-F5344CB8AC3E}">
-        <p14:creationId xmlns:p14="http://schemas.microsoft.com/office/powerpoint/2010/main" val="719212013"/>
+        <p14:creationId xmlns:p14="http://schemas.microsoft.com/office/powerpoint/2010/main" val="3985044363"/>
       </p:ext>
     </p:extLst>
   </p:cSld>
@@ -15042,18 +13703,15 @@
         </p:nvSpPr>
         <p:spPr/>
         <p:txBody>
-          <a:bodyPr/>
+          <a:bodyPr>
+            <a:normAutofit fontScale="90000"/>
+          </a:bodyPr>
           <a:lstStyle/>
           <a:p>
             <a:r>
               <a:rPr lang="en-US" dirty="0"/>
-              <a:t>Demo: </a:t>
-            </a:r>
-            <a:r>
-              <a:rPr lang="en-US" dirty="0" err="1"/>
-              <a:t>velocity.rkt</a:t>
-            </a:r>
-            <a:endParaRPr lang="en-US" dirty="0"/>
+              <a:t>What can you write in a combination of simpler functions?</a:t>
+            </a:r>
           </a:p>
         </p:txBody>
       </p:sp>
@@ -15070,89 +13728,67 @@
         <p:spPr/>
         <p:txBody>
           <a:bodyPr>
-            <a:normAutofit fontScale="85000" lnSpcReduction="20000"/>
+            <a:normAutofit fontScale="85000" lnSpcReduction="10000"/>
           </a:bodyPr>
           <a:lstStyle/>
           <a:p>
             <a:r>
               <a:rPr lang="en-US" dirty="0"/>
-              <a:t>On the next slide, you’ll see a video of me defining a function using the strategy “Combine Simpler Functions”.</a:t>
+              <a:t>Remember that the goal is to write beautiful programs.</a:t>
             </a:r>
           </a:p>
           <a:p>
             <a:r>
               <a:rPr lang="en-US" dirty="0"/>
-              <a:t>Observe how I followed the recipe:  the contract, purpose statement, examples and tests were written </a:t>
-            </a:r>
-            <a:r>
-              <a:rPr lang="en-US" i="1" dirty="0"/>
-              <a:t>before</a:t>
-            </a:r>
+              <a:t>You want your reader to understand what you’re doing immediately.</a:t>
+            </a:r>
+          </a:p>
+          <a:p>
             <a:r>
               <a:rPr lang="en-US" dirty="0"/>
-              <a:t> the function definition.</a:t>
+              <a:t>So just keep it simple.</a:t>
             </a:r>
           </a:p>
           <a:p>
             <a:r>
               <a:rPr lang="en-US" dirty="0"/>
-              <a:t>Oops:</a:t>
+              <a:t>We won’t have formal rules about this, but:</a:t>
+            </a:r>
+          </a:p>
+          <a:p>
+            <a:r>
+              <a:rPr lang="en-US" dirty="0"/>
+              <a:t>If the TA needs you to explain it, it’s not simple enough.</a:t>
+            </a:r>
+          </a:p>
+          <a:p>
+            <a:r>
+              <a:rPr lang="en-US" dirty="0"/>
+              <a:t>Anything with an </a:t>
+            </a:r>
+            <a:r>
+              <a:rPr lang="en-US" b="1" dirty="0"/>
+              <a:t>if</a:t>
+            </a:r>
+            <a:r>
+              <a:rPr lang="en-US" dirty="0"/>
+              <a:t> is probably not simple enough. </a:t>
             </a:r>
           </a:p>
           <a:p>
             <a:pPr lvl="1"/>
             <a:r>
               <a:rPr lang="en-US" dirty="0"/>
-              <a:t>The contract should have said </a:t>
+              <a:t>If you need an </a:t>
             </a:r>
             <a:r>
               <a:rPr lang="en-US" b="1" dirty="0"/>
-              <a:t>Real</a:t>
+              <a:t>if</a:t>
             </a:r>
             <a:r>
               <a:rPr lang="en-US" dirty="0"/>
-              <a:t>, not </a:t>
-            </a:r>
-            <a:r>
-              <a:rPr lang="en-US" b="1" dirty="0"/>
-              <a:t>Number</a:t>
-            </a:r>
-            <a:r>
-              <a:rPr lang="en-US" dirty="0"/>
-              <a:t>.</a:t>
-            </a:r>
-          </a:p>
-          <a:p>
-            <a:pPr lvl="1"/>
-            <a:r>
-              <a:rPr lang="en-US" dirty="0"/>
-              <a:t>The strategy should be “combine simpler functions” (we used to call this “function composition” but we decided to change it to a less fancy name. </a:t>
-            </a:r>
-            <a:r>
-              <a:rPr lang="en-US" dirty="0">
-                <a:sym typeface="Wingdings" panose="05000000000000000000" pitchFamily="2" charset="2"/>
-              </a:rPr>
-              <a:t>)</a:t>
-            </a:r>
-          </a:p>
-          <a:p>
-            <a:r>
-              <a:rPr lang="en-US" dirty="0">
-                <a:sym typeface="Wingdings" panose="05000000000000000000" pitchFamily="2" charset="2"/>
-              </a:rPr>
-              <a:t>The file is 01-4-velocity.rkt .</a:t>
-            </a:r>
-            <a:r>
-              <a:rPr lang="en-US" dirty="0"/>
-              <a:t> </a:t>
-            </a:r>
-          </a:p>
-          <a:p>
-            <a:pPr algn="r"/>
-            <a:endParaRPr lang="en-US" dirty="0"/>
-          </a:p>
-          <a:p>
-            <a:endParaRPr lang="en-US" dirty="0"/>
+              <a:t>, that’s a sign that you’re using a fancier design strategy.  We’ll talk about these very soon.</a:t>
+            </a:r>
           </a:p>
         </p:txBody>
       </p:sp>
@@ -15183,7 +13819,7 @@
     </p:spTree>
     <p:extLst>
       <p:ext uri="{BB962C8B-B14F-4D97-AF65-F5344CB8AC3E}">
-        <p14:creationId xmlns:p14="http://schemas.microsoft.com/office/powerpoint/2010/main" val="3426430437"/>
+        <p14:creationId xmlns:p14="http://schemas.microsoft.com/office/powerpoint/2010/main" val="3653548323"/>
       </p:ext>
     </p:extLst>
   </p:cSld>
@@ -15220,27 +13856,66 @@
             <p:ph type="title"/>
           </p:nvPr>
         </p:nvSpPr>
-        <p:spPr>
-          <a:xfrm>
-            <a:off x="457200" y="228600"/>
-            <a:ext cx="8229600" cy="1143000"/>
-          </a:xfrm>
-        </p:spPr>
+        <p:spPr/>
+        <p:txBody>
+          <a:bodyPr/>
+          <a:lstStyle/>
+          <a:p>
+            <a:r>
+              <a:rPr lang="en-US" dirty="0"/>
+              <a:t>Keep it short!</a:t>
+            </a:r>
+          </a:p>
+        </p:txBody>
+      </p:sp>
+      <p:sp>
+        <p:nvSpPr>
+          <p:cNvPr id="3" name="Content Placeholder 2"/>
+          <p:cNvSpPr>
+            <a:spLocks noGrp="1"/>
+          </p:cNvSpPr>
+          <p:nvPr>
+            <p:ph idx="1"/>
+          </p:nvPr>
+        </p:nvSpPr>
+        <p:spPr/>
         <p:txBody>
           <a:bodyPr>
-            <a:normAutofit/>
+            <a:normAutofit lnSpcReduction="10000"/>
           </a:bodyPr>
           <a:lstStyle/>
           <a:p>
             <a:r>
               <a:rPr lang="en-US" dirty="0"/>
-              <a:t>Demo: </a:t>
-            </a:r>
-            <a:r>
-              <a:rPr lang="en-US" dirty="0" err="1"/>
-              <a:t>velocity.rkt</a:t>
-            </a:r>
-            <a:endParaRPr lang="en-US" dirty="0"/>
+              <a:t>“Combining simpler functions” is for very short definitions only.</a:t>
+            </a:r>
+          </a:p>
+          <a:p>
+            <a:r>
+              <a:rPr lang="en-US" dirty="0"/>
+              <a:t>If you’re writing something complicated, that means one of two things:</a:t>
+            </a:r>
+          </a:p>
+          <a:p>
+            <a:pPr lvl="1"/>
+            <a:r>
+              <a:rPr lang="en-US" dirty="0"/>
+              <a:t>You’re really using some more powerful design strategy (to be discussed)</a:t>
+            </a:r>
+          </a:p>
+          <a:p>
+            <a:pPr lvl="1"/>
+            <a:r>
+              <a:rPr lang="en-US" dirty="0"/>
+              <a:t>Your function needs to be split into simpler parts.</a:t>
+            </a:r>
+          </a:p>
+          <a:p>
+            <a:pPr lvl="2"/>
+            <a:r>
+              <a:rPr lang="en-US" dirty="0"/>
+              <a:t>If you have complicated stuff in your function you must have put it there for a reason.  Turn it into a separate function so you can explain and test it.</a:t>
+            </a:r>
           </a:p>
         </p:txBody>
       </p:sp>
@@ -15268,189 +13943,10 @@
           </a:p>
         </p:txBody>
       </p:sp>
-      <p:pic>
-        <p:nvPicPr>
-          <p:cNvPr id="8" name="-UaHtOznL-8"/>
-          <p:cNvPicPr>
-            <a:picLocks noGrp="1" noRot="1" noChangeAspect="1"/>
-          </p:cNvPicPr>
-          <p:nvPr>
-            <p:ph idx="1"/>
-            <a:videoFile r:link="rId1"/>
-          </p:nvPr>
-        </p:nvPicPr>
-        <p:blipFill>
-          <a:blip r:embed="rId3"/>
-          <a:stretch>
-            <a:fillRect/>
-          </a:stretch>
-        </p:blipFill>
-        <p:spPr>
-          <a:xfrm>
-            <a:off x="685799" y="1676400"/>
-            <a:ext cx="7721600" cy="4343400"/>
-          </a:xfrm>
-          <a:prstGeom prst="rect">
-            <a:avLst/>
-          </a:prstGeom>
-        </p:spPr>
-      </p:pic>
-      <p:sp>
-        <p:nvSpPr>
-          <p:cNvPr id="3" name="TextBox 2"/>
-          <p:cNvSpPr txBox="1"/>
-          <p:nvPr/>
-        </p:nvSpPr>
-        <p:spPr>
-          <a:xfrm>
-            <a:off x="2667000" y="6239817"/>
-            <a:ext cx="5486400" cy="598190"/>
-          </a:xfrm>
-          <a:prstGeom prst="rect">
-            <a:avLst/>
-          </a:prstGeom>
-          <a:solidFill>
-            <a:schemeClr val="accent3">
-              <a:lumMod val="40000"/>
-              <a:lumOff val="60000"/>
-            </a:schemeClr>
-          </a:solidFill>
-          <a:ln/>
-        </p:spPr>
-        <p:style>
-          <a:lnRef idx="2">
-            <a:schemeClr val="accent1"/>
-          </a:lnRef>
-          <a:fillRef idx="1">
-            <a:schemeClr val="lt1"/>
-          </a:fillRef>
-          <a:effectRef idx="0">
-            <a:schemeClr val="accent1"/>
-          </a:effectRef>
-          <a:fontRef idx="minor">
-            <a:schemeClr val="dk1"/>
-          </a:fontRef>
-        </p:style>
-        <p:txBody>
-          <a:bodyPr rot="0" spcFirstLastPara="0" vertOverflow="overflow" horzOverflow="overflow" vert="horz" wrap="square" lIns="91440" tIns="45720" rIns="91440" bIns="45720" numCol="1" spcCol="0" rtlCol="0" fromWordArt="0" anchor="ctr" anchorCtr="0" forceAA="0" compatLnSpc="1">
-            <a:prstTxWarp prst="textNoShape">
-              <a:avLst/>
-            </a:prstTxWarp>
-            <a:noAutofit/>
-          </a:bodyPr>
-          <a:lstStyle>
-            <a:defPPr>
-              <a:defRPr lang="en-US"/>
-            </a:defPPr>
-            <a:lvl2pPr>
-              <a:defRPr>
-                <a:solidFill>
-                  <a:schemeClr val="dk1"/>
-                </a:solidFill>
-              </a:defRPr>
-            </a:lvl2pPr>
-            <a:lvl3pPr>
-              <a:defRPr>
-                <a:solidFill>
-                  <a:schemeClr val="dk1"/>
-                </a:solidFill>
-              </a:defRPr>
-            </a:lvl3pPr>
-            <a:lvl4pPr>
-              <a:defRPr>
-                <a:solidFill>
-                  <a:schemeClr val="dk1"/>
-                </a:solidFill>
-              </a:defRPr>
-            </a:lvl4pPr>
-            <a:lvl5pPr>
-              <a:defRPr>
-                <a:solidFill>
-                  <a:schemeClr val="dk1"/>
-                </a:solidFill>
-              </a:defRPr>
-            </a:lvl5pPr>
-            <a:lvl6pPr>
-              <a:defRPr>
-                <a:solidFill>
-                  <a:schemeClr val="dk1"/>
-                </a:solidFill>
-              </a:defRPr>
-            </a:lvl6pPr>
-            <a:lvl7pPr>
-              <a:defRPr>
-                <a:solidFill>
-                  <a:schemeClr val="dk1"/>
-                </a:solidFill>
-              </a:defRPr>
-            </a:lvl7pPr>
-            <a:lvl8pPr>
-              <a:defRPr>
-                <a:solidFill>
-                  <a:schemeClr val="dk1"/>
-                </a:solidFill>
-              </a:defRPr>
-            </a:lvl8pPr>
-            <a:lvl9pPr>
-              <a:defRPr>
-                <a:solidFill>
-                  <a:schemeClr val="dk1"/>
-                </a:solidFill>
-              </a:defRPr>
-            </a:lvl9pPr>
-          </a:lstStyle>
-          <a:p>
-            <a:r>
-              <a:rPr lang="en-US" sz="1600" dirty="0"/>
-              <a:t>Note: you should never use Number when you mean Integer, </a:t>
-            </a:r>
-            <a:r>
-              <a:rPr lang="en-US" sz="1600" dirty="0" err="1"/>
-              <a:t>NonNegInt</a:t>
-            </a:r>
-            <a:r>
-              <a:rPr lang="en-US" sz="1600" dirty="0"/>
-              <a:t>, or Real.  Here I should have used Real.</a:t>
-            </a:r>
-          </a:p>
-        </p:txBody>
-      </p:sp>
-      <p:sp>
-        <p:nvSpPr>
-          <p:cNvPr id="7" name="TextBox 6"/>
-          <p:cNvSpPr txBox="1"/>
-          <p:nvPr/>
-        </p:nvSpPr>
-        <p:spPr>
-          <a:xfrm>
-            <a:off x="768611" y="6324600"/>
-            <a:ext cx="1364989" cy="369332"/>
-          </a:xfrm>
-          <a:prstGeom prst="rect">
-            <a:avLst/>
-          </a:prstGeom>
-          <a:noFill/>
-        </p:spPr>
-        <p:txBody>
-          <a:bodyPr wrap="none" rtlCol="0">
-            <a:spAutoFit/>
-          </a:bodyPr>
-          <a:lstStyle/>
-          <a:p>
-            <a:r>
-              <a:rPr lang="en-US" dirty="0">
-                <a:hlinkClick r:id="rId4"/>
-              </a:rPr>
-              <a:t>YouTube link</a:t>
-            </a:r>
-            <a:endParaRPr lang="en-US" dirty="0"/>
-          </a:p>
-        </p:txBody>
-      </p:sp>
     </p:spTree>
     <p:extLst>
       <p:ext uri="{BB962C8B-B14F-4D97-AF65-F5344CB8AC3E}">
-        <p14:creationId xmlns:p14="http://schemas.microsoft.com/office/powerpoint/2010/main" val="3280903890"/>
+        <p14:creationId xmlns:p14="http://schemas.microsoft.com/office/powerpoint/2010/main" val="2702570190"/>
       </p:ext>
     </p:extLst>
   </p:cSld>

--- a/Slides/Lesson 2.2 Design Strategies.pptx
+++ b/Slides/Lesson 2.2 Design Strategies.pptx
@@ -6,7 +6,7 @@
     <p:sldMasterId id="2147483661" r:id="rId2"/>
   </p:sldMasterIdLst>
   <p:notesMasterIdLst>
-    <p:notesMasterId r:id="rId26"/>
+    <p:notesMasterId r:id="rId27"/>
   </p:notesMasterIdLst>
   <p:sldIdLst>
     <p:sldId id="314" r:id="rId3"/>
@@ -31,12 +31,13 @@
     <p:sldId id="310" r:id="rId22"/>
     <p:sldId id="333" r:id="rId23"/>
     <p:sldId id="334" r:id="rId24"/>
-    <p:sldId id="292" r:id="rId25"/>
+    <p:sldId id="335" r:id="rId25"/>
+    <p:sldId id="292" r:id="rId26"/>
   </p:sldIdLst>
   <p:sldSz cx="9144000" cy="6858000" type="screen4x3"/>
   <p:notesSz cx="6858000" cy="9144000"/>
   <p:custDataLst>
-    <p:tags r:id="rId27"/>
+    <p:tags r:id="rId28"/>
   </p:custDataLst>
   <p:defaultTextStyle>
     <a:defPPr>
@@ -160,6 +161,7 @@
             <p14:sldId id="310"/>
             <p14:sldId id="333"/>
             <p14:sldId id="334"/>
+            <p14:sldId id="335"/>
             <p14:sldId id="292"/>
           </p14:sldIdLst>
         </p14:section>
@@ -3908,7 +3910,7 @@
           <a:p>
             <a:fld id="{0FAC78B3-EDCE-4187-A1AE-28620314FA32}" type="datetimeFigureOut">
               <a:rPr lang="en-US" smtClean="0"/>
-              <a:t>7/25/2017</a:t>
+              <a:t>7/26/2017</a:t>
             </a:fld>
             <a:endParaRPr lang="en-US" dirty="0"/>
           </a:p>
@@ -4525,7 +4527,7 @@
           <a:p>
             <a:fld id="{CA8B1E08-976E-451D-97C5-3D69BA983FFE}" type="datetime1">
               <a:rPr lang="en-US" smtClean="0"/>
-              <a:t>7/25/2017</a:t>
+              <a:t>7/26/2017</a:t>
             </a:fld>
             <a:endParaRPr lang="en-US" dirty="0"/>
           </a:p>
@@ -4773,7 +4775,7 @@
           <a:p>
             <a:fld id="{F33D5BC8-75F3-411B-AA7E-18F2517CF048}" type="datetime1">
               <a:rPr lang="en-US" smtClean="0"/>
-              <a:t>7/25/2017</a:t>
+              <a:t>7/26/2017</a:t>
             </a:fld>
             <a:endParaRPr lang="en-US" dirty="0"/>
           </a:p>
@@ -4937,7 +4939,7 @@
           <a:p>
             <a:fld id="{394448D4-AED6-43DB-A0F8-CD4938D2549C}" type="datetime1">
               <a:rPr lang="en-US" smtClean="0"/>
-              <a:t>7/25/2017</a:t>
+              <a:t>7/26/2017</a:t>
             </a:fld>
             <a:endParaRPr lang="en-US" dirty="0"/>
           </a:p>
@@ -5232,7 +5234,7 @@
           <a:p>
             <a:fld id="{5D1846AD-9252-4647-9435-4C2AC365653A}" type="datetime1">
               <a:rPr lang="en-US" smtClean="0"/>
-              <a:t>7/25/2017</a:t>
+              <a:t>7/26/2017</a:t>
             </a:fld>
             <a:endParaRPr lang="en-US"/>
           </a:p>
@@ -5410,7 +5412,7 @@
           <a:p>
             <a:fld id="{160CE893-3A38-428F-89AB-E97AD9CAA95E}" type="datetime1">
               <a:rPr lang="en-US" smtClean="0"/>
-              <a:t>7/25/2017</a:t>
+              <a:t>7/26/2017</a:t>
             </a:fld>
             <a:endParaRPr lang="en-US" dirty="0"/>
           </a:p>
@@ -5665,7 +5667,7 @@
                 </a:solidFill>
               </a:rPr>
               <a:pPr/>
-              <a:t>7/25/2017</a:t>
+              <a:t>7/26/2017</a:t>
             </a:fld>
             <a:endParaRPr lang="en-US">
               <a:solidFill>
@@ -5871,7 +5873,7 @@
                 </a:solidFill>
               </a:rPr>
               <a:pPr/>
-              <a:t>7/25/2017</a:t>
+              <a:t>7/26/2017</a:t>
             </a:fld>
             <a:endParaRPr lang="en-US">
               <a:solidFill>
@@ -6076,7 +6078,7 @@
                 </a:solidFill>
               </a:rPr>
               <a:pPr/>
-              <a:t>7/25/2017</a:t>
+              <a:t>7/26/2017</a:t>
             </a:fld>
             <a:endParaRPr lang="en-US">
               <a:solidFill>
@@ -6373,7 +6375,7 @@
                 </a:solidFill>
               </a:rPr>
               <a:pPr/>
-              <a:t>7/25/2017</a:t>
+              <a:t>7/26/2017</a:t>
             </a:fld>
             <a:endParaRPr lang="en-US">
               <a:solidFill>
@@ -6581,7 +6583,7 @@
                 </a:solidFill>
               </a:rPr>
               <a:pPr/>
-              <a:t>7/25/2017</a:t>
+              <a:t>7/26/2017</a:t>
             </a:fld>
             <a:endParaRPr lang="en-US">
               <a:solidFill>
@@ -6907,7 +6909,7 @@
                 </a:solidFill>
               </a:rPr>
               <a:pPr/>
-              <a:t>7/25/2017</a:t>
+              <a:t>7/26/2017</a:t>
             </a:fld>
             <a:endParaRPr lang="en-US">
               <a:solidFill>
@@ -7112,7 +7114,7 @@
           <a:p>
             <a:fld id="{DC7A6930-E356-4864-92C1-40AC7A5201AA}" type="datetime1">
               <a:rPr lang="en-US" smtClean="0"/>
-              <a:t>7/25/2017</a:t>
+              <a:t>7/26/2017</a:t>
             </a:fld>
             <a:endParaRPr lang="en-US" dirty="0"/>
           </a:p>
@@ -7400,7 +7402,7 @@
                 </a:solidFill>
               </a:rPr>
               <a:pPr/>
-              <a:t>7/25/2017</a:t>
+              <a:t>7/26/2017</a:t>
             </a:fld>
             <a:endParaRPr lang="en-US">
               <a:solidFill>
@@ -7851,7 +7853,7 @@
                 </a:solidFill>
               </a:rPr>
               <a:pPr/>
-              <a:t>7/25/2017</a:t>
+              <a:t>7/26/2017</a:t>
             </a:fld>
             <a:endParaRPr lang="en-US">
               <a:solidFill>
@@ -8000,7 +8002,7 @@
                 </a:solidFill>
               </a:rPr>
               <a:pPr/>
-              <a:t>7/25/2017</a:t>
+              <a:t>7/26/2017</a:t>
             </a:fld>
             <a:endParaRPr lang="en-US">
               <a:solidFill>
@@ -8127,7 +8129,7 @@
                 </a:solidFill>
               </a:rPr>
               <a:pPr/>
-              <a:t>7/25/2017</a:t>
+              <a:t>7/26/2017</a:t>
             </a:fld>
             <a:endParaRPr lang="en-US">
               <a:solidFill>
@@ -8434,7 +8436,7 @@
                 </a:solidFill>
               </a:rPr>
               <a:pPr/>
-              <a:t>7/25/2017</a:t>
+              <a:t>7/26/2017</a:t>
             </a:fld>
             <a:endParaRPr lang="en-US">
               <a:solidFill>
@@ -8718,7 +8720,7 @@
                 </a:solidFill>
               </a:rPr>
               <a:pPr/>
-              <a:t>7/25/2017</a:t>
+              <a:t>7/26/2017</a:t>
             </a:fld>
             <a:endParaRPr lang="en-US">
               <a:solidFill>
@@ -8918,7 +8920,7 @@
                 </a:solidFill>
               </a:rPr>
               <a:pPr/>
-              <a:t>7/25/2017</a:t>
+              <a:t>7/26/2017</a:t>
             </a:fld>
             <a:endParaRPr lang="en-US">
               <a:solidFill>
@@ -9128,7 +9130,7 @@
                 </a:solidFill>
               </a:rPr>
               <a:pPr/>
-              <a:t>7/25/2017</a:t>
+              <a:t>7/26/2017</a:t>
             </a:fld>
             <a:endParaRPr lang="en-US">
               <a:solidFill>
@@ -9332,7 +9334,7 @@
           <a:p>
             <a:fld id="{45C1EE53-8F27-4821-8161-190499C0D007}" type="datetime1">
               <a:rPr lang="en-US" smtClean="0"/>
-              <a:t>7/25/2017</a:t>
+              <a:t>7/26/2017</a:t>
             </a:fld>
             <a:endParaRPr lang="en-US" dirty="0"/>
           </a:p>
@@ -9577,7 +9579,7 @@
           <a:p>
             <a:fld id="{0D423975-99FA-4807-B1B4-A59DEFED898A}" type="datetime1">
               <a:rPr lang="en-US" smtClean="0"/>
-              <a:t>7/25/2017</a:t>
+              <a:t>7/26/2017</a:t>
             </a:fld>
             <a:endParaRPr lang="en-US" dirty="0"/>
           </a:p>
@@ -9858,7 +9860,7 @@
           <a:p>
             <a:fld id="{90F7752F-4922-4BAA-9C20-D4DAF4ED08B5}" type="datetime1">
               <a:rPr lang="en-US" smtClean="0"/>
-              <a:t>7/25/2017</a:t>
+              <a:t>7/26/2017</a:t>
             </a:fld>
             <a:endParaRPr lang="en-US" dirty="0"/>
           </a:p>
@@ -10273,7 +10275,7 @@
           <a:p>
             <a:fld id="{3536A633-E76F-4E07-A3AE-A7A784889AE2}" type="datetime1">
               <a:rPr lang="en-US" smtClean="0"/>
-              <a:t>7/25/2017</a:t>
+              <a:t>7/26/2017</a:t>
             </a:fld>
             <a:endParaRPr lang="en-US" dirty="0"/>
           </a:p>
@@ -10386,7 +10388,7 @@
           <a:p>
             <a:fld id="{61CB5BDE-D72B-4A3A-925B-2A5C22F639AF}" type="datetime1">
               <a:rPr lang="en-US" smtClean="0"/>
-              <a:t>7/25/2017</a:t>
+              <a:t>7/26/2017</a:t>
             </a:fld>
             <a:endParaRPr lang="en-US" dirty="0"/>
           </a:p>
@@ -10477,7 +10479,7 @@
           <a:p>
             <a:fld id="{A24C7B69-131B-4374-A9CC-0845A85B9B89}" type="datetime1">
               <a:rPr lang="en-US" smtClean="0"/>
-              <a:t>7/25/2017</a:t>
+              <a:t>7/26/2017</a:t>
             </a:fld>
             <a:endParaRPr lang="en-US" dirty="0"/>
           </a:p>
@@ -10748,7 +10750,7 @@
           <a:p>
             <a:fld id="{2F57E60E-10B6-4F85-8F8E-D3A8141030E0}" type="datetime1">
               <a:rPr lang="en-US" smtClean="0"/>
-              <a:t>7/25/2017</a:t>
+              <a:t>7/26/2017</a:t>
             </a:fld>
             <a:endParaRPr lang="en-US" dirty="0"/>
           </a:p>
@@ -10967,7 +10969,7 @@
           <a:p>
             <a:fld id="{8684A8BA-DEEC-47D2-87F9-8204232D7DB8}" type="datetime1">
               <a:rPr lang="en-US" smtClean="0"/>
-              <a:t>7/25/2017</a:t>
+              <a:t>7/26/2017</a:t>
             </a:fld>
             <a:endParaRPr lang="en-US" dirty="0"/>
           </a:p>
@@ -11481,7 +11483,7 @@
                 </a:solidFill>
               </a:rPr>
               <a:pPr/>
-              <a:t>7/25/2017</a:t>
+              <a:t>7/26/2017</a:t>
             </a:fld>
             <a:endParaRPr lang="en-US">
               <a:solidFill>
@@ -13039,7 +13041,6 @@
               <a:rPr lang="en-US" sz="1200" dirty="0"/>
               <a:t>;; OBSERVER TEMPLATE (omitted)</a:t>
             </a:r>
-            <a:endParaRPr lang="en-US" sz="1200" dirty="0"/>
           </a:p>
         </p:txBody>
       </p:sp>
@@ -13170,7 +13171,6 @@
               <a:rPr lang="en-US" sz="1400" dirty="0"/>
               <a:t>   (timer-after-tick l)))</a:t>
             </a:r>
-            <a:endParaRPr lang="en-US" sz="1400" dirty="0"/>
           </a:p>
         </p:txBody>
       </p:sp>
@@ -15088,7 +15088,7 @@
             <a:pPr lvl="1"/>
             <a:r>
               <a:rPr lang="en-US" dirty="0"/>
-              <a:t>divide into cases</a:t>
+              <a:t>combine simpler functions</a:t>
             </a:r>
           </a:p>
           <a:p>
@@ -15096,6 +15096,13 @@
             <a:r>
               <a:rPr lang="en-US" dirty="0"/>
               <a:t>use template</a:t>
+            </a:r>
+          </a:p>
+          <a:p>
+            <a:pPr lvl="1"/>
+            <a:r>
+              <a:rPr lang="en-US" dirty="0"/>
+              <a:t>divide into cases</a:t>
             </a:r>
           </a:p>
         </p:txBody>
@@ -15637,7 +15644,7 @@
           <a:p>
             <a:r>
               <a:rPr lang="en-US" dirty="0"/>
-              <a:t>Next Steps</a:t>
+              <a:t>Summary</a:t>
             </a:r>
           </a:p>
         </p:txBody>
@@ -15654,52 +15661,155 @@
         </p:nvSpPr>
         <p:spPr/>
         <p:txBody>
-          <a:bodyPr/>
+          <a:bodyPr>
+            <a:normAutofit fontScale="92500" lnSpcReduction="20000"/>
+          </a:bodyPr>
           <a:lstStyle/>
           <a:p>
             <a:r>
               <a:rPr lang="en-US" dirty="0"/>
-              <a:t>Study the example  files</a:t>
+              <a:t>We’ve now seen four Design Strategies:</a:t>
             </a:r>
           </a:p>
           <a:p>
             <a:pPr lvl="1"/>
             <a:r>
               <a:rPr lang="en-US" dirty="0"/>
-              <a:t>02-2-1-velocity.rkt</a:t>
+              <a:t>Transcribe formula</a:t>
             </a:r>
           </a:p>
           <a:p>
             <a:pPr lvl="1"/>
             <a:r>
               <a:rPr lang="en-US" dirty="0"/>
-              <a:t>02-2-2-area-of-ring.rkt</a:t>
+              <a:t>Combine Simpler Functions</a:t>
+            </a:r>
+          </a:p>
+          <a:p>
+            <a:pPr lvl="2"/>
+            <a:r>
+              <a:rPr lang="en-US" dirty="0"/>
+              <a:t>Combine simpler functions in series or pipeline</a:t>
+            </a:r>
+          </a:p>
+          <a:p>
+            <a:pPr lvl="2"/>
+            <a:r>
+              <a:rPr lang="en-US" dirty="0"/>
+              <a:t>Use with any kind of data</a:t>
             </a:r>
           </a:p>
           <a:p>
             <a:pPr lvl="1"/>
             <a:r>
               <a:rPr lang="en-US" dirty="0"/>
-              <a:t>02-2-3-traffic-light-with-timer1.rkt</a:t>
-            </a:r>
-          </a:p>
-          <a:p>
+              <a:t>Use Template</a:t>
+            </a:r>
+          </a:p>
+          <a:p>
+            <a:pPr lvl="2"/>
             <a:r>
               <a:rPr lang="en-US" dirty="0"/>
-              <a:t>If you have questions or comments about this lesson, post them on the discussion board.</a:t>
-            </a:r>
-          </a:p>
-          <a:p>
+              <a:t>Used for enumeration , compound, or mixed data</a:t>
+            </a:r>
+          </a:p>
+          <a:p>
+            <a:pPr lvl="2"/>
             <a:r>
               <a:rPr lang="en-US" dirty="0"/>
-              <a:t>Go on to the next lesson</a:t>
-            </a:r>
-          </a:p>
-        </p:txBody>
-      </p:sp>
-      <p:sp>
-        <p:nvSpPr>
-          <p:cNvPr id="4" name="Slide Number Placeholder 3"/>
+              <a:t>Template gives sketch of function</a:t>
+            </a:r>
+          </a:p>
+          <a:p>
+            <a:pPr lvl="2"/>
+            <a:r>
+              <a:rPr lang="en-US" dirty="0"/>
+              <a:t>Our most important tool</a:t>
+            </a:r>
+          </a:p>
+          <a:p>
+            <a:pPr lvl="1"/>
+            <a:r>
+              <a:rPr lang="en-US" dirty="0"/>
+              <a:t>Cases</a:t>
+            </a:r>
+          </a:p>
+          <a:p>
+            <a:pPr lvl="2"/>
+            <a:r>
+              <a:rPr lang="en-US" dirty="0"/>
+              <a:t>For when you need to divide data into cases, but the template doesn’t fit.</a:t>
+            </a:r>
+          </a:p>
+          <a:p>
+            <a:pPr lvl="2"/>
+            <a:endParaRPr lang="en-US" dirty="0"/>
+          </a:p>
+          <a:p>
+            <a:pPr lvl="2"/>
+            <a:endParaRPr lang="en-US" dirty="0"/>
+          </a:p>
+        </p:txBody>
+      </p:sp>
+      <p:sp>
+        <p:nvSpPr>
+          <p:cNvPr id="4" name="Rectangle 3"/>
+          <p:cNvSpPr/>
+          <p:nvPr/>
+        </p:nvSpPr>
+        <p:spPr>
+          <a:xfrm>
+            <a:off x="6477000" y="4114800"/>
+            <a:ext cx="2514600" cy="1524000"/>
+          </a:xfrm>
+          <a:prstGeom prst="rect">
+            <a:avLst/>
+          </a:prstGeom>
+        </p:spPr>
+        <p:style>
+          <a:lnRef idx="1">
+            <a:schemeClr val="accent5"/>
+          </a:lnRef>
+          <a:fillRef idx="2">
+            <a:schemeClr val="accent5"/>
+          </a:fillRef>
+          <a:effectRef idx="1">
+            <a:schemeClr val="accent5"/>
+          </a:effectRef>
+          <a:fontRef idx="minor">
+            <a:schemeClr val="dk1"/>
+          </a:fontRef>
+        </p:style>
+        <p:txBody>
+          <a:bodyPr rtlCol="0" anchor="ctr"/>
+          <a:lstStyle/>
+          <a:p>
+            <a:pPr algn="ctr"/>
+            <a:r>
+              <a:rPr lang="en-US" dirty="0">
+                <a:solidFill>
+                  <a:schemeClr val="tx1"/>
+                </a:solidFill>
+              </a:rPr>
+              <a:t>Remember:</a:t>
+            </a:r>
+          </a:p>
+          <a:p>
+            <a:pPr algn="ctr"/>
+            <a:r>
+              <a:rPr lang="en-US" i="1" dirty="0">
+                <a:solidFill>
+                  <a:srgbClr val="FF0000"/>
+                </a:solidFill>
+              </a:rPr>
+              <a:t> The shape of the program follows the shape of the data.</a:t>
+            </a:r>
+          </a:p>
+        </p:txBody>
+      </p:sp>
+      <p:sp>
+        <p:nvSpPr>
+          <p:cNvPr id="5" name="Slide Number Placeholder 4"/>
           <p:cNvSpPr>
             <a:spLocks noGrp="1"/>
           </p:cNvSpPr>
@@ -15716,6 +15826,215 @@
               <a:rPr lang="en-US" smtClean="0"/>
               <a:pPr/>
               <a:t>23</a:t>
+            </a:fld>
+            <a:endParaRPr lang="en-US"/>
+          </a:p>
+        </p:txBody>
+      </p:sp>
+    </p:spTree>
+    <p:extLst>
+      <p:ext uri="{BB962C8B-B14F-4D97-AF65-F5344CB8AC3E}">
+        <p14:creationId xmlns:p14="http://schemas.microsoft.com/office/powerpoint/2010/main" val="2826906038"/>
+      </p:ext>
+    </p:extLst>
+  </p:cSld>
+  <p:clrMapOvr>
+    <a:masterClrMapping/>
+  </p:clrMapOvr>
+  <p:timing>
+    <p:tnLst>
+      <p:par>
+        <p:cTn id="1" dur="indefinite" restart="never" nodeType="tmRoot">
+          <p:childTnLst>
+            <p:seq concurrent="1" nextAc="seek">
+              <p:cTn id="2" dur="indefinite" nodeType="mainSeq">
+                <p:childTnLst>
+                  <p:par>
+                    <p:cTn id="3" fill="hold">
+                      <p:stCondLst>
+                        <p:cond delay="indefinite"/>
+                      </p:stCondLst>
+                      <p:childTnLst>
+                        <p:par>
+                          <p:cTn id="4" fill="hold">
+                            <p:stCondLst>
+                              <p:cond delay="0"/>
+                            </p:stCondLst>
+                            <p:childTnLst>
+                              <p:par>
+                                <p:cTn id="5" presetID="1" presetClass="entr" presetSubtype="0" fill="hold" grpId="0" nodeType="clickEffect">
+                                  <p:stCondLst>
+                                    <p:cond delay="0"/>
+                                  </p:stCondLst>
+                                  <p:childTnLst>
+                                    <p:set>
+                                      <p:cBhvr>
+                                        <p:cTn id="6" dur="1" fill="hold">
+                                          <p:stCondLst>
+                                            <p:cond delay="0"/>
+                                          </p:stCondLst>
+                                        </p:cTn>
+                                        <p:tgtEl>
+                                          <p:spTgt spid="4"/>
+                                        </p:tgtEl>
+                                        <p:attrNameLst>
+                                          <p:attrName>style.visibility</p:attrName>
+                                        </p:attrNameLst>
+                                      </p:cBhvr>
+                                      <p:to>
+                                        <p:strVal val="visible"/>
+                                      </p:to>
+                                    </p:set>
+                                  </p:childTnLst>
+                                </p:cTn>
+                              </p:par>
+                            </p:childTnLst>
+                          </p:cTn>
+                        </p:par>
+                      </p:childTnLst>
+                    </p:cTn>
+                  </p:par>
+                </p:childTnLst>
+              </p:cTn>
+              <p:prevCondLst>
+                <p:cond evt="onPrev" delay="0">
+                  <p:tgtEl>
+                    <p:sldTgt/>
+                  </p:tgtEl>
+                </p:cond>
+              </p:prevCondLst>
+              <p:nextCondLst>
+                <p:cond evt="onNext" delay="0">
+                  <p:tgtEl>
+                    <p:sldTgt/>
+                  </p:tgtEl>
+                </p:cond>
+              </p:nextCondLst>
+            </p:seq>
+          </p:childTnLst>
+        </p:cTn>
+      </p:par>
+    </p:tnLst>
+    <p:bldLst>
+      <p:bldP spid="4" grpId="0" animBg="1"/>
+    </p:bldLst>
+  </p:timing>
+</p:sld>
+</file>
+
+<file path=ppt/slides/slide24.xml><?xml version="1.0" encoding="utf-8"?>
+<p:sld xmlns:a="http://schemas.openxmlformats.org/drawingml/2006/main" xmlns:r="http://schemas.openxmlformats.org/officeDocument/2006/relationships" xmlns:p="http://schemas.openxmlformats.org/presentationml/2006/main">
+  <p:cSld>
+    <p:spTree>
+      <p:nvGrpSpPr>
+        <p:cNvPr id="1" name=""/>
+        <p:cNvGrpSpPr/>
+        <p:nvPr/>
+      </p:nvGrpSpPr>
+      <p:grpSpPr>
+        <a:xfrm>
+          <a:off x="0" y="0"/>
+          <a:ext cx="0" cy="0"/>
+          <a:chOff x="0" y="0"/>
+          <a:chExt cx="0" cy="0"/>
+        </a:xfrm>
+      </p:grpSpPr>
+      <p:sp>
+        <p:nvSpPr>
+          <p:cNvPr id="2" name="Title 1"/>
+          <p:cNvSpPr>
+            <a:spLocks noGrp="1"/>
+          </p:cNvSpPr>
+          <p:nvPr>
+            <p:ph type="title"/>
+          </p:nvPr>
+        </p:nvSpPr>
+        <p:spPr/>
+        <p:txBody>
+          <a:bodyPr/>
+          <a:lstStyle/>
+          <a:p>
+            <a:r>
+              <a:rPr lang="en-US" dirty="0"/>
+              <a:t>Next Steps</a:t>
+            </a:r>
+          </a:p>
+        </p:txBody>
+      </p:sp>
+      <p:sp>
+        <p:nvSpPr>
+          <p:cNvPr id="3" name="Content Placeholder 2"/>
+          <p:cNvSpPr>
+            <a:spLocks noGrp="1"/>
+          </p:cNvSpPr>
+          <p:nvPr>
+            <p:ph idx="1"/>
+          </p:nvPr>
+        </p:nvSpPr>
+        <p:spPr/>
+        <p:txBody>
+          <a:bodyPr/>
+          <a:lstStyle/>
+          <a:p>
+            <a:r>
+              <a:rPr lang="en-US" dirty="0"/>
+              <a:t>Study the example  files</a:t>
+            </a:r>
+          </a:p>
+          <a:p>
+            <a:pPr lvl="1"/>
+            <a:r>
+              <a:rPr lang="en-US" dirty="0"/>
+              <a:t>02-2-1-velocity.rkt</a:t>
+            </a:r>
+          </a:p>
+          <a:p>
+            <a:pPr lvl="1"/>
+            <a:r>
+              <a:rPr lang="en-US" dirty="0"/>
+              <a:t>02-2-2-area-of-ring.rkt</a:t>
+            </a:r>
+          </a:p>
+          <a:p>
+            <a:pPr lvl="1"/>
+            <a:r>
+              <a:rPr lang="en-US" dirty="0"/>
+              <a:t>02-2-3-traffic-light-with-timer1.rkt</a:t>
+            </a:r>
+          </a:p>
+          <a:p>
+            <a:r>
+              <a:rPr lang="en-US" dirty="0"/>
+              <a:t>If you have questions or comments about this lesson, post them on the discussion board.</a:t>
+            </a:r>
+          </a:p>
+          <a:p>
+            <a:r>
+              <a:rPr lang="en-US" dirty="0"/>
+              <a:t>Go on to the next lesson</a:t>
+            </a:r>
+          </a:p>
+        </p:txBody>
+      </p:sp>
+      <p:sp>
+        <p:nvSpPr>
+          <p:cNvPr id="4" name="Slide Number Placeholder 3"/>
+          <p:cNvSpPr>
+            <a:spLocks noGrp="1"/>
+          </p:cNvSpPr>
+          <p:nvPr>
+            <p:ph type="sldNum" sz="quarter" idx="12"/>
+          </p:nvPr>
+        </p:nvSpPr>
+        <p:spPr/>
+        <p:txBody>
+          <a:bodyPr/>
+          <a:lstStyle/>
+          <a:p>
+            <a:fld id="{B6F15528-21DE-4FAA-801E-634DDDAF4B2B}" type="slidenum">
+              <a:rPr lang="en-US" smtClean="0"/>
+              <a:pPr/>
+              <a:t>24</a:t>
             </a:fld>
             <a:endParaRPr lang="en-US" dirty="0"/>
           </a:p>

--- a/Slides/Lesson 2.2 Design Strategies.pptx
+++ b/Slides/Lesson 2.2 Design Strategies.pptx
@@ -3910,7 +3910,7 @@
           <a:p>
             <a:fld id="{0FAC78B3-EDCE-4187-A1AE-28620314FA32}" type="datetimeFigureOut">
               <a:rPr lang="en-US" smtClean="0"/>
-              <a:t>7/26/2017</a:t>
+              <a:t>9/19/2017</a:t>
             </a:fld>
             <a:endParaRPr lang="en-US" dirty="0"/>
           </a:p>
@@ -4527,7 +4527,7 @@
           <a:p>
             <a:fld id="{CA8B1E08-976E-451D-97C5-3D69BA983FFE}" type="datetime1">
               <a:rPr lang="en-US" smtClean="0"/>
-              <a:t>7/26/2017</a:t>
+              <a:t>9/19/2017</a:t>
             </a:fld>
             <a:endParaRPr lang="en-US" dirty="0"/>
           </a:p>
@@ -4775,7 +4775,7 @@
           <a:p>
             <a:fld id="{F33D5BC8-75F3-411B-AA7E-18F2517CF048}" type="datetime1">
               <a:rPr lang="en-US" smtClean="0"/>
-              <a:t>7/26/2017</a:t>
+              <a:t>9/19/2017</a:t>
             </a:fld>
             <a:endParaRPr lang="en-US" dirty="0"/>
           </a:p>
@@ -4939,7 +4939,7 @@
           <a:p>
             <a:fld id="{394448D4-AED6-43DB-A0F8-CD4938D2549C}" type="datetime1">
               <a:rPr lang="en-US" smtClean="0"/>
-              <a:t>7/26/2017</a:t>
+              <a:t>9/19/2017</a:t>
             </a:fld>
             <a:endParaRPr lang="en-US" dirty="0"/>
           </a:p>
@@ -5234,7 +5234,7 @@
           <a:p>
             <a:fld id="{5D1846AD-9252-4647-9435-4C2AC365653A}" type="datetime1">
               <a:rPr lang="en-US" smtClean="0"/>
-              <a:t>7/26/2017</a:t>
+              <a:t>9/19/2017</a:t>
             </a:fld>
             <a:endParaRPr lang="en-US"/>
           </a:p>
@@ -5412,7 +5412,7 @@
           <a:p>
             <a:fld id="{160CE893-3A38-428F-89AB-E97AD9CAA95E}" type="datetime1">
               <a:rPr lang="en-US" smtClean="0"/>
-              <a:t>7/26/2017</a:t>
+              <a:t>9/19/2017</a:t>
             </a:fld>
             <a:endParaRPr lang="en-US" dirty="0"/>
           </a:p>
@@ -5667,7 +5667,7 @@
                 </a:solidFill>
               </a:rPr>
               <a:pPr/>
-              <a:t>7/26/2017</a:t>
+              <a:t>9/19/2017</a:t>
             </a:fld>
             <a:endParaRPr lang="en-US">
               <a:solidFill>
@@ -5873,7 +5873,7 @@
                 </a:solidFill>
               </a:rPr>
               <a:pPr/>
-              <a:t>7/26/2017</a:t>
+              <a:t>9/19/2017</a:t>
             </a:fld>
             <a:endParaRPr lang="en-US">
               <a:solidFill>
@@ -6078,7 +6078,7 @@
                 </a:solidFill>
               </a:rPr>
               <a:pPr/>
-              <a:t>7/26/2017</a:t>
+              <a:t>9/19/2017</a:t>
             </a:fld>
             <a:endParaRPr lang="en-US">
               <a:solidFill>
@@ -6375,7 +6375,7 @@
                 </a:solidFill>
               </a:rPr>
               <a:pPr/>
-              <a:t>7/26/2017</a:t>
+              <a:t>9/19/2017</a:t>
             </a:fld>
             <a:endParaRPr lang="en-US">
               <a:solidFill>
@@ -6583,7 +6583,7 @@
                 </a:solidFill>
               </a:rPr>
               <a:pPr/>
-              <a:t>7/26/2017</a:t>
+              <a:t>9/19/2017</a:t>
             </a:fld>
             <a:endParaRPr lang="en-US">
               <a:solidFill>
@@ -6909,7 +6909,7 @@
                 </a:solidFill>
               </a:rPr>
               <a:pPr/>
-              <a:t>7/26/2017</a:t>
+              <a:t>9/19/2017</a:t>
             </a:fld>
             <a:endParaRPr lang="en-US">
               <a:solidFill>
@@ -7114,7 +7114,7 @@
           <a:p>
             <a:fld id="{DC7A6930-E356-4864-92C1-40AC7A5201AA}" type="datetime1">
               <a:rPr lang="en-US" smtClean="0"/>
-              <a:t>7/26/2017</a:t>
+              <a:t>9/19/2017</a:t>
             </a:fld>
             <a:endParaRPr lang="en-US" dirty="0"/>
           </a:p>
@@ -7402,7 +7402,7 @@
                 </a:solidFill>
               </a:rPr>
               <a:pPr/>
-              <a:t>7/26/2017</a:t>
+              <a:t>9/19/2017</a:t>
             </a:fld>
             <a:endParaRPr lang="en-US">
               <a:solidFill>
@@ -7853,7 +7853,7 @@
                 </a:solidFill>
               </a:rPr>
               <a:pPr/>
-              <a:t>7/26/2017</a:t>
+              <a:t>9/19/2017</a:t>
             </a:fld>
             <a:endParaRPr lang="en-US">
               <a:solidFill>
@@ -8002,7 +8002,7 @@
                 </a:solidFill>
               </a:rPr>
               <a:pPr/>
-              <a:t>7/26/2017</a:t>
+              <a:t>9/19/2017</a:t>
             </a:fld>
             <a:endParaRPr lang="en-US">
               <a:solidFill>
@@ -8129,7 +8129,7 @@
                 </a:solidFill>
               </a:rPr>
               <a:pPr/>
-              <a:t>7/26/2017</a:t>
+              <a:t>9/19/2017</a:t>
             </a:fld>
             <a:endParaRPr lang="en-US">
               <a:solidFill>
@@ -8436,7 +8436,7 @@
                 </a:solidFill>
               </a:rPr>
               <a:pPr/>
-              <a:t>7/26/2017</a:t>
+              <a:t>9/19/2017</a:t>
             </a:fld>
             <a:endParaRPr lang="en-US">
               <a:solidFill>
@@ -8720,7 +8720,7 @@
                 </a:solidFill>
               </a:rPr>
               <a:pPr/>
-              <a:t>7/26/2017</a:t>
+              <a:t>9/19/2017</a:t>
             </a:fld>
             <a:endParaRPr lang="en-US">
               <a:solidFill>
@@ -8920,7 +8920,7 @@
                 </a:solidFill>
               </a:rPr>
               <a:pPr/>
-              <a:t>7/26/2017</a:t>
+              <a:t>9/19/2017</a:t>
             </a:fld>
             <a:endParaRPr lang="en-US">
               <a:solidFill>
@@ -9130,7 +9130,7 @@
                 </a:solidFill>
               </a:rPr>
               <a:pPr/>
-              <a:t>7/26/2017</a:t>
+              <a:t>9/19/2017</a:t>
             </a:fld>
             <a:endParaRPr lang="en-US">
               <a:solidFill>
@@ -9334,7 +9334,7 @@
           <a:p>
             <a:fld id="{45C1EE53-8F27-4821-8161-190499C0D007}" type="datetime1">
               <a:rPr lang="en-US" smtClean="0"/>
-              <a:t>7/26/2017</a:t>
+              <a:t>9/19/2017</a:t>
             </a:fld>
             <a:endParaRPr lang="en-US" dirty="0"/>
           </a:p>
@@ -9579,7 +9579,7 @@
           <a:p>
             <a:fld id="{0D423975-99FA-4807-B1B4-A59DEFED898A}" type="datetime1">
               <a:rPr lang="en-US" smtClean="0"/>
-              <a:t>7/26/2017</a:t>
+              <a:t>9/19/2017</a:t>
             </a:fld>
             <a:endParaRPr lang="en-US" dirty="0"/>
           </a:p>
@@ -9860,7 +9860,7 @@
           <a:p>
             <a:fld id="{90F7752F-4922-4BAA-9C20-D4DAF4ED08B5}" type="datetime1">
               <a:rPr lang="en-US" smtClean="0"/>
-              <a:t>7/26/2017</a:t>
+              <a:t>9/19/2017</a:t>
             </a:fld>
             <a:endParaRPr lang="en-US" dirty="0"/>
           </a:p>
@@ -10275,7 +10275,7 @@
           <a:p>
             <a:fld id="{3536A633-E76F-4E07-A3AE-A7A784889AE2}" type="datetime1">
               <a:rPr lang="en-US" smtClean="0"/>
-              <a:t>7/26/2017</a:t>
+              <a:t>9/19/2017</a:t>
             </a:fld>
             <a:endParaRPr lang="en-US" dirty="0"/>
           </a:p>
@@ -10388,7 +10388,7 @@
           <a:p>
             <a:fld id="{61CB5BDE-D72B-4A3A-925B-2A5C22F639AF}" type="datetime1">
               <a:rPr lang="en-US" smtClean="0"/>
-              <a:t>7/26/2017</a:t>
+              <a:t>9/19/2017</a:t>
             </a:fld>
             <a:endParaRPr lang="en-US" dirty="0"/>
           </a:p>
@@ -10479,7 +10479,7 @@
           <a:p>
             <a:fld id="{A24C7B69-131B-4374-A9CC-0845A85B9B89}" type="datetime1">
               <a:rPr lang="en-US" smtClean="0"/>
-              <a:t>7/26/2017</a:t>
+              <a:t>9/19/2017</a:t>
             </a:fld>
             <a:endParaRPr lang="en-US" dirty="0"/>
           </a:p>
@@ -10750,7 +10750,7 @@
           <a:p>
             <a:fld id="{2F57E60E-10B6-4F85-8F8E-D3A8141030E0}" type="datetime1">
               <a:rPr lang="en-US" smtClean="0"/>
-              <a:t>7/26/2017</a:t>
+              <a:t>9/19/2017</a:t>
             </a:fld>
             <a:endParaRPr lang="en-US" dirty="0"/>
           </a:p>
@@ -10969,7 +10969,7 @@
           <a:p>
             <a:fld id="{8684A8BA-DEEC-47D2-87F9-8204232D7DB8}" type="datetime1">
               <a:rPr lang="en-US" smtClean="0"/>
-              <a:t>7/26/2017</a:t>
+              <a:t>9/19/2017</a:t>
             </a:fld>
             <a:endParaRPr lang="en-US" dirty="0"/>
           </a:p>
@@ -11483,7 +11483,7 @@
                 </a:solidFill>
               </a:rPr>
               <a:pPr/>
-              <a:t>7/26/2017</a:t>
+              <a:t>9/19/2017</a:t>
             </a:fld>
             <a:endParaRPr lang="en-US">
               <a:solidFill>
@@ -13007,7 +13007,15 @@
           <a:p>
             <a:r>
               <a:rPr lang="en-US" sz="1200" dirty="0"/>
-              <a:t>(define-struct list (color time-left))</a:t>
+              <a:t>(</a:t>
+            </a:r>
+            <a:r>
+              <a:rPr lang="en-US" sz="1200"/>
+              <a:t>define-struct light </a:t>
+            </a:r>
+            <a:r>
+              <a:rPr lang="en-US" sz="1200" dirty="0"/>
+              <a:t>(color time-left))</a:t>
             </a:r>
           </a:p>
           <a:p>
@@ -15703,7 +15711,7 @@
             <a:pPr lvl="1"/>
             <a:r>
               <a:rPr lang="en-US" dirty="0"/>
-              <a:t>Use Template</a:t>
+              <a:t>Use Observer Template</a:t>
             </a:r>
           </a:p>
           <a:p>
@@ -16139,7 +16147,7 @@
           <a:p>
             <a:r>
               <a:rPr lang="en-US" dirty="0"/>
-              <a:t>Purpose statement describes how the result depends on the argument.</a:t>
+              <a:t>The purpose statement describes how the result depends on the argument.</a:t>
             </a:r>
           </a:p>
           <a:p>
